--- a/data-raw/ICAMS-overview.pptx
+++ b/data-raw/ICAMS-overview.pptx
@@ -10613,15 +10613,7 @@
                   <a:schemeClr val="tx1"/>
                 </a:solidFill>
               </a:rPr>
-              <a:t>Una</a:t>
-            </a:r>
-            <a:r>
-              <a:rPr lang="en-US" sz="1100" dirty="0" smtClean="0">
-                <a:solidFill>
-                  <a:schemeClr val="tx1"/>
-                </a:solidFill>
-              </a:rPr>
-              <a:t>nnotated DNS </a:t>
+              <a:t>Unannotated DNS </a:t>
             </a:r>
             <a:r>
               <a:rPr lang="en-US" sz="1100" dirty="0" err="1" smtClean="0">
@@ -11644,23 +11636,7 @@
                   <a:schemeClr val="tx1"/>
                 </a:solidFill>
               </a:rPr>
-              <a:t>Una</a:t>
-            </a:r>
-            <a:r>
-              <a:rPr lang="en-US" sz="1100" dirty="0" smtClean="0">
-                <a:solidFill>
-                  <a:schemeClr val="tx1"/>
-                </a:solidFill>
-              </a:rPr>
-              <a:t>nnotated </a:t>
-            </a:r>
-            <a:r>
-              <a:rPr lang="en-US" sz="1100" dirty="0" smtClean="0">
-                <a:solidFill>
-                  <a:schemeClr val="tx1"/>
-                </a:solidFill>
-              </a:rPr>
-              <a:t>ID </a:t>
+              <a:t>Unannotated ID </a:t>
             </a:r>
             <a:r>
               <a:rPr lang="en-US" sz="1100" dirty="0" err="1" smtClean="0">
@@ -12027,15 +12003,7 @@
                   <a:schemeClr val="tx1"/>
                 </a:solidFill>
               </a:rPr>
-              <a:t> </a:t>
-            </a:r>
-            <a:r>
-              <a:rPr lang="en-US" sz="1100" kern="1200" dirty="0" smtClean="0">
-                <a:solidFill>
-                  <a:schemeClr val="tx1"/>
-                </a:solidFill>
-              </a:rPr>
-              <a:t>SBS VCF</a:t>
+              <a:t> SBS VCF</a:t>
             </a:r>
           </a:p>
         </p:txBody>
@@ -12326,15 +12294,7 @@
                   <a:schemeClr val="tx1"/>
                 </a:solidFill>
               </a:rPr>
-              <a:t>=Una</a:t>
-            </a:r>
-            <a:r>
-              <a:rPr lang="en-US" sz="1100" dirty="0" smtClean="0">
-                <a:solidFill>
-                  <a:schemeClr val="tx1"/>
-                </a:solidFill>
-              </a:rPr>
-              <a:t>nnotated DNS </a:t>
+              <a:t>=Unannotated DNS </a:t>
             </a:r>
             <a:r>
               <a:rPr lang="en-US" sz="1100" dirty="0" err="1" smtClean="0">
@@ -12508,15 +12468,7 @@
                   <a:schemeClr val="tx1"/>
                 </a:solidFill>
               </a:rPr>
-              <a:t> </a:t>
-            </a:r>
-            <a:r>
-              <a:rPr lang="en-US" sz="1100" kern="1200" dirty="0" smtClean="0">
-                <a:solidFill>
-                  <a:schemeClr val="tx1"/>
-                </a:solidFill>
-              </a:rPr>
-              <a:t>of </a:t>
+              <a:t> of </a:t>
             </a:r>
             <a:r>
               <a:rPr lang="en-US" sz="1100" kern="1200" dirty="0" err="1" smtClean="0">
@@ -12905,31 +12857,7 @@
                   <a:schemeClr val="tx1"/>
                 </a:solidFill>
               </a:rPr>
-              <a:t>Split SNS, DNS, </a:t>
-            </a:r>
-            <a:r>
-              <a:rPr lang="en-US" sz="1100" kern="1200" dirty="0" smtClean="0">
-                <a:solidFill>
-                  <a:schemeClr val="tx1"/>
-                </a:solidFill>
-              </a:rPr>
-              <a:t>TNS </a:t>
-            </a:r>
-            <a:r>
-              <a:rPr lang="en-US" sz="1100" kern="1200" dirty="0" smtClean="0">
-                <a:solidFill>
-                  <a:schemeClr val="tx1"/>
-                </a:solidFill>
-              </a:rPr>
-              <a:t>and </a:t>
-            </a:r>
-            <a:r>
-              <a:rPr lang="en-US" sz="1100" kern="1200" dirty="0" smtClean="0">
-                <a:solidFill>
-                  <a:schemeClr val="tx1"/>
-                </a:solidFill>
-              </a:rPr>
-              <a:t>longer, and </a:t>
+              <a:t>Split SNS, DNS, TNS and longer, and </a:t>
             </a:r>
             <a:r>
               <a:rPr lang="en-US" sz="1100" kern="1200" dirty="0" err="1" smtClean="0">
@@ -13179,23 +13107,7 @@
                   <a:schemeClr val="tx1"/>
                 </a:solidFill>
               </a:rPr>
-              <a:t> </a:t>
-            </a:r>
-            <a:r>
-              <a:rPr lang="en-US" sz="1100" kern="1200" dirty="0" smtClean="0">
-                <a:solidFill>
-                  <a:schemeClr val="tx1"/>
-                </a:solidFill>
-              </a:rPr>
-              <a:t>of </a:t>
-            </a:r>
-            <a:r>
-              <a:rPr lang="en-US" sz="1100" kern="1200" dirty="0" smtClean="0">
-                <a:solidFill>
-                  <a:schemeClr val="tx1"/>
-                </a:solidFill>
-              </a:rPr>
-              <a:t>multi-allelic variants</a:t>
+              <a:t> of multi-allelic variants</a:t>
             </a:r>
             <a:endParaRPr lang="en-US" sz="1100" kern="1200" dirty="0">
               <a:solidFill>
@@ -13357,23 +13269,7 @@
                   <a:schemeClr val="tx1"/>
                 </a:solidFill>
               </a:rPr>
-              <a:t>Una</a:t>
-            </a:r>
-            <a:r>
-              <a:rPr lang="en-US" sz="1100" dirty="0" smtClean="0">
-                <a:solidFill>
-                  <a:schemeClr val="tx1"/>
-                </a:solidFill>
-              </a:rPr>
-              <a:t>nnotated </a:t>
-            </a:r>
-            <a:r>
-              <a:rPr lang="en-US" sz="1100" dirty="0" smtClean="0">
-                <a:solidFill>
-                  <a:schemeClr val="tx1"/>
-                </a:solidFill>
-              </a:rPr>
-              <a:t>ID </a:t>
+              <a:t>Unannotated ID </a:t>
             </a:r>
             <a:r>
               <a:rPr lang="en-US" sz="1100" dirty="0" err="1" smtClean="0">
@@ -16237,15 +16133,7 @@
                   <a:schemeClr val="tx1"/>
                 </a:solidFill>
               </a:rPr>
-              <a:t>(no </a:t>
-            </a:r>
-            <a:r>
-              <a:rPr lang="en-US" sz="1100" kern="1200" dirty="0" smtClean="0">
-                <a:solidFill>
-                  <a:schemeClr val="tx1"/>
-                </a:solidFill>
-              </a:rPr>
-              <a:t>SNSs)</a:t>
+              <a:t>(no SNSs)</a:t>
             </a:r>
             <a:endParaRPr lang="en-US" sz="1100" kern="1200" dirty="0">
               <a:solidFill>
@@ -19308,15 +19196,7 @@
                   <a:schemeClr val="tx1"/>
                 </a:solidFill>
               </a:rPr>
-              <a:t>Annotated </a:t>
-            </a:r>
-            <a:r>
-              <a:rPr lang="en-US" sz="1100" dirty="0" smtClean="0">
-                <a:solidFill>
-                  <a:schemeClr val="tx1"/>
-                </a:solidFill>
-              </a:rPr>
-              <a:t>ID </a:t>
+              <a:t>Annotated ID </a:t>
             </a:r>
             <a:r>
               <a:rPr lang="en-US" sz="1100" dirty="0" err="1" smtClean="0">
@@ -19926,7 +19806,15 @@
                   <a:schemeClr val="tx1"/>
                 </a:solidFill>
               </a:rPr>
-              <a:t>Una</a:t>
+              <a:t>Unannotated DNS </a:t>
+            </a:r>
+            <a:r>
+              <a:rPr lang="en-US" sz="1100" dirty="0" err="1" smtClean="0">
+                <a:solidFill>
+                  <a:schemeClr val="tx1"/>
+                </a:solidFill>
+              </a:rPr>
+              <a:t>VCFs</a:t>
             </a:r>
             <a:r>
               <a:rPr lang="en-US" sz="1100" dirty="0" smtClean="0">
@@ -19934,22 +19822,6 @@
                   <a:schemeClr val="tx1"/>
                 </a:solidFill>
               </a:rPr>
-              <a:t>nnotated DNS </a:t>
-            </a:r>
-            <a:r>
-              <a:rPr lang="en-US" sz="1100" dirty="0" err="1" smtClean="0">
-                <a:solidFill>
-                  <a:schemeClr val="tx1"/>
-                </a:solidFill>
-              </a:rPr>
-              <a:t>VCFs</a:t>
-            </a:r>
-            <a:r>
-              <a:rPr lang="en-US" sz="1100" dirty="0" smtClean="0">
-                <a:solidFill>
-                  <a:schemeClr val="tx1"/>
-                </a:solidFill>
-              </a:rPr>
               <a:t> </a:t>
             </a:r>
             <a:r>
@@ -19958,15 +19830,7 @@
                   <a:schemeClr val="tx1"/>
                 </a:solidFill>
               </a:rPr>
-              <a:t>(</a:t>
-            </a:r>
-            <a:r>
-              <a:rPr lang="en-US" sz="1100" kern="1200" dirty="0" smtClean="0">
-                <a:solidFill>
-                  <a:schemeClr val="tx1"/>
-                </a:solidFill>
-              </a:rPr>
-              <a:t>no SNSs)</a:t>
+              <a:t>(no SNSs)</a:t>
             </a:r>
             <a:endParaRPr lang="en-US" sz="1100" kern="1200" dirty="0">
               <a:solidFill>
@@ -20090,23 +19954,7 @@
                   <a:schemeClr val="tx1"/>
                 </a:solidFill>
               </a:rPr>
-              <a:t>Una</a:t>
-            </a:r>
-            <a:r>
-              <a:rPr lang="en-US" sz="1100" dirty="0" smtClean="0">
-                <a:solidFill>
-                  <a:schemeClr val="tx1"/>
-                </a:solidFill>
-              </a:rPr>
-              <a:t>nnotated </a:t>
-            </a:r>
-            <a:r>
-              <a:rPr lang="en-US" sz="1100" dirty="0" smtClean="0">
-                <a:solidFill>
-                  <a:schemeClr val="tx1"/>
-                </a:solidFill>
-              </a:rPr>
-              <a:t>ID </a:t>
+              <a:t>Unannotated ID </a:t>
             </a:r>
             <a:r>
               <a:rPr lang="en-US" sz="1100" dirty="0" err="1" smtClean="0">
@@ -20297,7 +20145,7 @@
         </p:nvSpPr>
         <p:spPr>
           <a:xfrm>
-            <a:off x="477876" y="886830"/>
+            <a:off x="496256" y="781146"/>
             <a:ext cx="11441488" cy="923330"/>
           </a:xfrm>
           <a:prstGeom prst="rect">
@@ -20572,6 +20420,108 @@
           <a:p>
             <a:pPr algn="ctr"/>
             <a:endParaRPr lang="en-US"/>
+          </a:p>
+        </p:txBody>
+      </p:sp>
+      <p:sp>
+        <p:nvSpPr>
+          <p:cNvPr id="3" name="TextBox 2"/>
+          <p:cNvSpPr txBox="1"/>
+          <p:nvPr/>
+        </p:nvSpPr>
+        <p:spPr>
+          <a:xfrm>
+            <a:off x="5757504" y="1672570"/>
+            <a:ext cx="1508683" cy="276999"/>
+          </a:xfrm>
+          <a:prstGeom prst="rect">
+            <a:avLst/>
+          </a:prstGeom>
+          <a:noFill/>
+        </p:spPr>
+        <p:txBody>
+          <a:bodyPr wrap="none" rtlCol="0">
+            <a:spAutoFit/>
+          </a:bodyPr>
+          <a:lstStyle/>
+          <a:p>
+            <a:r>
+              <a:rPr lang="en-US" sz="1200" dirty="0" err="1" smtClean="0"/>
+              <a:t>VCFsToDNSCatalogs</a:t>
+            </a:r>
+            <a:r>
+              <a:rPr lang="en-US" sz="1200" dirty="0" smtClean="0"/>
+              <a:t>()</a:t>
+            </a:r>
+            <a:endParaRPr lang="en-US" sz="1200" dirty="0"/>
+          </a:p>
+        </p:txBody>
+      </p:sp>
+      <p:sp>
+        <p:nvSpPr>
+          <p:cNvPr id="84" name="TextBox 83"/>
+          <p:cNvSpPr txBox="1"/>
+          <p:nvPr/>
+        </p:nvSpPr>
+        <p:spPr>
+          <a:xfrm>
+            <a:off x="207541" y="1714690"/>
+            <a:ext cx="1484637" cy="276999"/>
+          </a:xfrm>
+          <a:prstGeom prst="rect">
+            <a:avLst/>
+          </a:prstGeom>
+          <a:noFill/>
+        </p:spPr>
+        <p:txBody>
+          <a:bodyPr wrap="none" rtlCol="0">
+            <a:spAutoFit/>
+          </a:bodyPr>
+          <a:lstStyle/>
+          <a:p>
+            <a:r>
+              <a:rPr lang="en-US" sz="1200" dirty="0" err="1" smtClean="0"/>
+              <a:t>VCFsToSNSCatalogs</a:t>
+            </a:r>
+            <a:r>
+              <a:rPr lang="en-US" sz="1200" dirty="0" smtClean="0"/>
+              <a:t>()</a:t>
+            </a:r>
+            <a:endParaRPr lang="en-US" sz="1200" dirty="0"/>
+          </a:p>
+        </p:txBody>
+      </p:sp>
+      <p:sp>
+        <p:nvSpPr>
+          <p:cNvPr id="85" name="TextBox 84"/>
+          <p:cNvSpPr txBox="1"/>
+          <p:nvPr/>
+        </p:nvSpPr>
+        <p:spPr>
+          <a:xfrm>
+            <a:off x="10142642" y="1697076"/>
+            <a:ext cx="1377237" cy="276999"/>
+          </a:xfrm>
+          <a:prstGeom prst="rect">
+            <a:avLst/>
+          </a:prstGeom>
+          <a:noFill/>
+        </p:spPr>
+        <p:txBody>
+          <a:bodyPr wrap="none" rtlCol="0">
+            <a:spAutoFit/>
+          </a:bodyPr>
+          <a:lstStyle/>
+          <a:p>
+            <a:r>
+              <a:rPr lang="en-US" sz="1200" dirty="0" err="1" smtClean="0"/>
+              <a:t>VCFsToIDCatalogs</a:t>
+            </a:r>
+            <a:r>
+              <a:rPr lang="en-US" sz="1200" dirty="0" smtClean="0"/>
+              <a:t>()</a:t>
+            </a:r>
+            <a:endParaRPr lang="en-US" sz="1200" dirty="0"/>
           </a:p>
         </p:txBody>
       </p:sp>
@@ -20677,26 +20627,17 @@
               <a:rPr lang="en-US" dirty="0" smtClean="0"/>
               <a:t>Steve Test of ID for Mutect</a:t>
             </a:r>
-            <a:endParaRPr lang="en-US" dirty="0" smtClean="0"/>
           </a:p>
           <a:p>
             <a:r>
               <a:rPr lang="en-US" dirty="0" smtClean="0"/>
-              <a:t>Steve or Nanhai Add </a:t>
-            </a:r>
+              <a:t>Steve or Nanhai Add documentation for user-visible global data</a:t>
+            </a:r>
+          </a:p>
+          <a:p>
             <a:r>
               <a:rPr lang="en-US" dirty="0" smtClean="0"/>
-              <a:t>documentation for user-visible global data</a:t>
-            </a:r>
-          </a:p>
-          <a:p>
-            <a:r>
-              <a:rPr lang="en-US" dirty="0" smtClean="0"/>
-              <a:t>Steve Get </a:t>
-            </a:r>
-            <a:r>
-              <a:rPr lang="en-US" dirty="0" smtClean="0"/>
-              <a:t>MSI </a:t>
+              <a:t>Steve Get MSI </a:t>
             </a:r>
             <a:r>
               <a:rPr lang="en-US" dirty="0" err="1" smtClean="0"/>
@@ -20704,11 +20645,7 @@
             </a:r>
             <a:r>
               <a:rPr lang="en-US" dirty="0" smtClean="0"/>
-              <a:t> for testing indel VCF processing (maybe from Mini’s paper</a:t>
-            </a:r>
-            <a:r>
-              <a:rPr lang="en-US" dirty="0" smtClean="0"/>
-              <a:t>?)</a:t>
+              <a:t> for testing indel VCF processing (maybe from Mini’s paper?)</a:t>
             </a:r>
           </a:p>
           <a:p>
@@ -20716,7 +20653,6 @@
               <a:rPr lang="en-US" dirty="0" smtClean="0"/>
               <a:t>Steve Strelka ID VCF to catalogs</a:t>
             </a:r>
-            <a:endParaRPr lang="en-US" dirty="0" smtClean="0"/>
           </a:p>
           <a:p>
             <a:r>
@@ -20745,7 +20681,6 @@
               <a:rPr lang="en-US" dirty="0" smtClean="0"/>
               <a:t>out</a:t>
             </a:r>
-            <a:endParaRPr lang="en-US" dirty="0" smtClean="0"/>
           </a:p>
           <a:p>
             <a:pPr marL="0" indent="0">

--- a/data-raw/ICAMS-overview.pptx
+++ b/data-raw/ICAMS-overview.pptx
@@ -13429,12 +13429,43 @@
           <a:lstStyle/>
           <a:p>
             <a:r>
+              <a:rPr lang="en-US" dirty="0"/>
+              <a:t>Move </a:t>
+            </a:r>
+            <a:r>
+              <a:rPr lang="en-US" dirty="0" err="1" smtClean="0"/>
+              <a:t>SplitOneMutectVCF</a:t>
+            </a:r>
+            <a:r>
+              <a:rPr lang="en-US" dirty="0"/>
+              <a:t>, </a:t>
+            </a:r>
+            <a:r>
+              <a:rPr lang="en-US" dirty="0" err="1" smtClean="0"/>
+              <a:t>SplitMutectVCFs</a:t>
+            </a:r>
+            <a:r>
+              <a:rPr lang="en-US" dirty="0" smtClean="0"/>
+              <a:t> to </a:t>
+            </a:r>
+            <a:r>
+              <a:rPr lang="en-US" dirty="0" err="1" smtClean="0"/>
+              <a:t>VCF_to_catalog_functions.R</a:t>
+            </a:r>
+            <a:endParaRPr lang="en-US" dirty="0"/>
+          </a:p>
+          <a:p>
+            <a:r>
               <a:rPr lang="en-US" dirty="0" err="1" smtClean="0"/>
               <a:t>Fn</a:t>
             </a:r>
             <a:r>
               <a:rPr lang="en-US" dirty="0" smtClean="0"/>
-              <a:t> to write  _our_ annotated VCF to disk and read back</a:t>
+              <a:t> </a:t>
+            </a:r>
+            <a:r>
+              <a:rPr lang="en-US" dirty="0" smtClean="0"/>
+              <a:t>to write  _our_ annotated VCF to disk and read back</a:t>
             </a:r>
           </a:p>
           <a:p>
@@ -13448,11 +13479,7 @@
             </a:r>
             <a:r>
               <a:rPr lang="en-US" dirty="0" smtClean="0"/>
-              <a:t> </a:t>
-            </a:r>
-            <a:r>
-              <a:rPr lang="en-US" dirty="0" smtClean="0"/>
-              <a:t>for Opportunity </a:t>
+              <a:t> for Opportunity </a:t>
             </a:r>
             <a:r>
               <a:rPr lang="en-US" dirty="0"/>
@@ -13478,7 +13505,6 @@
               <a:rPr lang="en-US" dirty="0" smtClean="0"/>
               <a:t>Create documentation (man pages) for global data</a:t>
             </a:r>
-            <a:endParaRPr lang="en-US" dirty="0" smtClean="0"/>
           </a:p>
           <a:p>
             <a:pPr marL="0" indent="0">
@@ -13586,15 +13612,7 @@
             </a:pPr>
             <a:r>
               <a:rPr lang="en-US" dirty="0" smtClean="0"/>
-              <a:t>Test </a:t>
-            </a:r>
-            <a:r>
-              <a:rPr lang="en-US" dirty="0" smtClean="0"/>
-              <a:t>of </a:t>
-            </a:r>
-            <a:r>
-              <a:rPr lang="en-US" dirty="0" smtClean="0"/>
-              <a:t>ID VCF to catalogs for Strelka </a:t>
+              <a:t>Test of ID VCF to catalogs for Strelka </a:t>
             </a:r>
             <a:r>
               <a:rPr lang="en-US" smtClean="0"/>
@@ -13608,7 +13626,6 @@
               <a:rPr lang="en-US" dirty="0" smtClean="0"/>
               <a:t>)</a:t>
             </a:r>
-            <a:endParaRPr lang="en-US" dirty="0" smtClean="0"/>
           </a:p>
           <a:p>
             <a:pPr marL="514350" indent="-514350">
@@ -13629,7 +13646,6 @@
               <a:rPr lang="en-US" dirty="0" smtClean="0"/>
               <a:t>Compare plots from 1 and 2</a:t>
             </a:r>
-            <a:endParaRPr lang="en-US" dirty="0" smtClean="0"/>
           </a:p>
           <a:p>
             <a:pPr marL="0" indent="0">
@@ -13637,15 +13653,7 @@
             </a:pPr>
             <a:r>
               <a:rPr lang="en-US" dirty="0" smtClean="0"/>
-              <a:t>4 . </a:t>
-            </a:r>
-            <a:r>
-              <a:rPr lang="en-US" dirty="0" smtClean="0"/>
-              <a:t>Get </a:t>
-            </a:r>
-            <a:r>
-              <a:rPr lang="en-US" dirty="0" smtClean="0"/>
-              <a:t>MSI </a:t>
+              <a:t>4 . Get MSI </a:t>
             </a:r>
             <a:r>
               <a:rPr lang="en-US" dirty="0" err="1" smtClean="0"/>
@@ -13653,13 +13661,8 @@
             </a:r>
             <a:r>
               <a:rPr lang="en-US" dirty="0" smtClean="0"/>
-              <a:t> for testing indel VCF </a:t>
-            </a:r>
-            <a:r>
-              <a:rPr lang="en-US" dirty="0" smtClean="0"/>
-              <a:t>processing (maybe from TCGA exomes)</a:t>
-            </a:r>
-            <a:endParaRPr lang="en-US" dirty="0" smtClean="0"/>
+              <a:t> for testing indel VCF processing (maybe from TCGA exomes)</a:t>
+            </a:r>
           </a:p>
           <a:p>
             <a:pPr marL="0" indent="0">
@@ -13695,7 +13698,6 @@
               <a:rPr lang="en-US" dirty="0" smtClean="0"/>
               <a:t> on “opportunity”</a:t>
             </a:r>
-            <a:endParaRPr lang="en-US" dirty="0" smtClean="0"/>
           </a:p>
           <a:p>
             <a:pPr marL="0" indent="0">

--- a/data-raw/ICAMS-overview.pptx
+++ b/data-raw/ICAMS-overview.pptx
@@ -3057,7 +3057,7 @@
         </p:nvSpPr>
         <p:spPr>
           <a:xfrm>
-            <a:off x="1669978" y="5385465"/>
+            <a:off x="4102372" y="5574651"/>
             <a:ext cx="919370" cy="459828"/>
           </a:xfrm>
           <a:custGeom>
@@ -3682,8 +3682,8 @@
         </p:nvCxnSpPr>
         <p:spPr>
           <a:xfrm>
-            <a:off x="6112516" y="3869308"/>
-            <a:ext cx="504497" cy="1689826"/>
+            <a:off x="6112516" y="3797237"/>
+            <a:ext cx="333328" cy="1797269"/>
           </a:xfrm>
           <a:prstGeom prst="straightConnector1">
             <a:avLst/>
@@ -3746,8 +3746,8 @@
         </p:nvCxnSpPr>
         <p:spPr>
           <a:xfrm flipH="1">
-            <a:off x="2177557" y="3815255"/>
-            <a:ext cx="3493525" cy="1533402"/>
+            <a:off x="4544973" y="3878317"/>
+            <a:ext cx="1189171" cy="1693667"/>
           </a:xfrm>
           <a:prstGeom prst="straightConnector1">
             <a:avLst/>
@@ -4137,8 +4137,8 @@
         </p:nvSpPr>
         <p:spPr>
           <a:xfrm>
-            <a:off x="1611080" y="2341470"/>
-            <a:ext cx="5741253" cy="3785222"/>
+            <a:off x="2747704" y="2341470"/>
+            <a:ext cx="4604629" cy="3785222"/>
           </a:xfrm>
           <a:prstGeom prst="rect">
             <a:avLst/>
@@ -4166,7 +4166,11 @@
           <a:lstStyle/>
           <a:p>
             <a:pPr algn="ctr"/>
-            <a:endParaRPr lang="en-US"/>
+            <a:endParaRPr lang="en-US" dirty="0">
+              <a:solidFill>
+                <a:schemeClr val="tx1"/>
+              </a:solidFill>
+            </a:endParaRPr>
           </a:p>
         </p:txBody>
       </p:sp>
@@ -4448,7 +4452,7 @@
         <p:spPr>
           <a:xfrm>
             <a:off x="3391950" y="1008291"/>
-            <a:ext cx="2010230" cy="369332"/>
+            <a:ext cx="2990499" cy="369332"/>
           </a:xfrm>
           <a:prstGeom prst="rect">
             <a:avLst/>
@@ -4462,8 +4466,12 @@
           <a:lstStyle/>
           <a:p>
             <a:r>
+              <a:rPr lang="en-US" dirty="0" smtClean="0"/>
+              <a:t>?</a:t>
+            </a:r>
+            <a:r>
               <a:rPr lang="en-US" dirty="0" err="1" smtClean="0"/>
-              <a:t>ReadStrelkaSNSVCF</a:t>
+              <a:t>ReadAndSplitStrelkaSNSVCFs</a:t>
             </a:r>
             <a:endParaRPr lang="en-US" dirty="0"/>
           </a:p>
@@ -4478,7 +4486,7 @@
         <p:spPr>
           <a:xfrm>
             <a:off x="8299175" y="1040293"/>
-            <a:ext cx="1848839" cy="369332"/>
+            <a:ext cx="2042034" cy="369332"/>
           </a:xfrm>
           <a:prstGeom prst="rect">
             <a:avLst/>
@@ -4492,8 +4500,12 @@
           <a:lstStyle/>
           <a:p>
             <a:r>
+              <a:rPr lang="en-US" dirty="0" smtClean="0"/>
+              <a:t>?</a:t>
+            </a:r>
+            <a:r>
               <a:rPr lang="en-US" dirty="0" err="1" smtClean="0"/>
-              <a:t>ReadStrelkaIDVCF</a:t>
+              <a:t>ReadStrelkaIDVCFs</a:t>
             </a:r>
             <a:endParaRPr lang="en-US" dirty="0"/>
           </a:p>
@@ -4555,6 +4567,99 @@
               <a:rPr lang="en-US" sz="1400" dirty="0"/>
               <a:t>MCF10A_Carb_Low_cl2_Strelka_SNS.vcf</a:t>
             </a:r>
+          </a:p>
+        </p:txBody>
+      </p:sp>
+      <p:cxnSp>
+        <p:nvCxnSpPr>
+          <p:cNvPr id="4" name="Straight Connector 3"/>
+          <p:cNvCxnSpPr/>
+          <p:nvPr/>
+        </p:nvCxnSpPr>
+        <p:spPr>
+          <a:xfrm>
+            <a:off x="2729687" y="3409861"/>
+            <a:ext cx="4621548" cy="0"/>
+          </a:xfrm>
+          <a:prstGeom prst="line">
+            <a:avLst/>
+          </a:prstGeom>
+          <a:ln w="12700">
+            <a:prstDash val="sysDash"/>
+          </a:ln>
+        </p:spPr>
+        <p:style>
+          <a:lnRef idx="1">
+            <a:schemeClr val="accent1"/>
+          </a:lnRef>
+          <a:fillRef idx="0">
+            <a:schemeClr val="accent1"/>
+          </a:fillRef>
+          <a:effectRef idx="0">
+            <a:schemeClr val="accent1"/>
+          </a:effectRef>
+          <a:fontRef idx="minor">
+            <a:schemeClr val="tx1"/>
+          </a:fontRef>
+        </p:style>
+      </p:cxnSp>
+      <p:sp>
+        <p:nvSpPr>
+          <p:cNvPr id="5" name="TextBox 4"/>
+          <p:cNvSpPr txBox="1"/>
+          <p:nvPr/>
+        </p:nvSpPr>
+        <p:spPr>
+          <a:xfrm>
+            <a:off x="2868570" y="2680138"/>
+            <a:ext cx="1815690" cy="307777"/>
+          </a:xfrm>
+          <a:prstGeom prst="rect">
+            <a:avLst/>
+          </a:prstGeom>
+          <a:noFill/>
+        </p:spPr>
+        <p:txBody>
+          <a:bodyPr wrap="none" rtlCol="0">
+            <a:spAutoFit/>
+          </a:bodyPr>
+          <a:lstStyle/>
+          <a:p>
+            <a:r>
+              <a:rPr lang="en-US" sz="1400" dirty="0" err="1"/>
+              <a:t>ReadListOfStrelkaVCFs</a:t>
+            </a:r>
+            <a:endParaRPr lang="en-US" sz="1400" dirty="0"/>
+          </a:p>
+        </p:txBody>
+      </p:sp>
+      <p:sp>
+        <p:nvSpPr>
+          <p:cNvPr id="29" name="TextBox 28"/>
+          <p:cNvSpPr txBox="1"/>
+          <p:nvPr/>
+        </p:nvSpPr>
+        <p:spPr>
+          <a:xfrm>
+            <a:off x="2868570" y="3611805"/>
+            <a:ext cx="1770741" cy="307777"/>
+          </a:xfrm>
+          <a:prstGeom prst="rect">
+            <a:avLst/>
+          </a:prstGeom>
+          <a:noFill/>
+        </p:spPr>
+        <p:txBody>
+          <a:bodyPr wrap="none" rtlCol="0">
+            <a:spAutoFit/>
+          </a:bodyPr>
+          <a:lstStyle/>
+          <a:p>
+            <a:r>
+              <a:rPr lang="en-US" sz="1400" dirty="0" err="1" smtClean="0"/>
+              <a:t>SplitListOfStrelkaVCFs</a:t>
+            </a:r>
+            <a:endParaRPr lang="en-US" sz="1400" dirty="0"/>
           </a:p>
         </p:txBody>
       </p:sp>
@@ -4738,8 +4843,8 @@
         </p:nvSpPr>
         <p:spPr>
           <a:xfrm>
-            <a:off x="2931219" y="4892622"/>
-            <a:ext cx="919370" cy="459828"/>
+            <a:off x="3477423" y="5352075"/>
+            <a:ext cx="1413690" cy="459828"/>
           </a:xfrm>
           <a:custGeom>
             <a:avLst/>
@@ -4910,8 +5015,8 @@
         </p:nvSpPr>
         <p:spPr>
           <a:xfrm>
-            <a:off x="4888341" y="5316040"/>
-            <a:ext cx="919370" cy="459828"/>
+            <a:off x="5355771" y="5334058"/>
+            <a:ext cx="2202668" cy="459828"/>
           </a:xfrm>
           <a:custGeom>
             <a:avLst/>
@@ -5016,7 +5121,7 @@
                   <a:schemeClr val="tx1"/>
                 </a:solidFill>
               </a:rPr>
-              <a:t>=Unannotated DNS </a:t>
+              <a:t>Unannotated DNS </a:t>
             </a:r>
             <a:r>
               <a:rPr lang="en-US" sz="1100" dirty="0" err="1" smtClean="0">
@@ -5026,24 +5131,14 @@
               </a:rPr>
               <a:t>VCFs</a:t>
             </a:r>
-            <a:endParaRPr lang="en-US" sz="1100" dirty="0" smtClean="0">
-              <a:solidFill>
-                <a:schemeClr val="tx1"/>
-              </a:solidFill>
-            </a:endParaRPr>
-          </a:p>
-          <a:p>
-            <a:pPr lvl="0" algn="ctr" defTabSz="533400">
-              <a:lnSpc>
-                <a:spcPct val="90000"/>
-              </a:lnSpc>
-              <a:spcBef>
-                <a:spcPct val="0"/>
-              </a:spcBef>
-              <a:spcAft>
-                <a:spcPts val="0"/>
-              </a:spcAft>
-            </a:pPr>
+            <a:r>
+              <a:rPr lang="en-US" sz="1100" dirty="0" smtClean="0">
+                <a:solidFill>
+                  <a:schemeClr val="tx1"/>
+                </a:solidFill>
+              </a:rPr>
+              <a:t> </a:t>
+            </a:r>
             <a:r>
               <a:rPr lang="en-US" sz="1100" kern="1200" dirty="0" smtClean="0">
                 <a:solidFill>
@@ -5068,8 +5163,8 @@
         </p:nvSpPr>
         <p:spPr>
           <a:xfrm>
-            <a:off x="3105732" y="2323318"/>
-            <a:ext cx="906789" cy="823399"/>
+            <a:off x="10042560" y="3918858"/>
+            <a:ext cx="906789" cy="826934"/>
           </a:xfrm>
           <a:custGeom>
             <a:avLst/>
@@ -5434,9 +5529,9 @@
           <p:nvPr/>
         </p:nvCxnSpPr>
         <p:spPr>
-          <a:xfrm flipH="1" flipV="1">
-            <a:off x="4062999" y="2904163"/>
-            <a:ext cx="891878" cy="193692"/>
+          <a:xfrm>
+            <a:off x="7720600" y="3238688"/>
+            <a:ext cx="2342304" cy="1986455"/>
           </a:xfrm>
           <a:prstGeom prst="straightConnector1">
             <a:avLst/>
@@ -5707,7 +5802,7 @@
         </p:nvSpPr>
         <p:spPr>
           <a:xfrm>
-            <a:off x="3055433" y="3227959"/>
+            <a:off x="10113880" y="4935140"/>
             <a:ext cx="906789" cy="823399"/>
           </a:xfrm>
           <a:custGeom>
@@ -5842,15 +5937,13 @@
       <p:cxnSp>
         <p:nvCxnSpPr>
           <p:cNvPr id="33" name="Straight Arrow Connector 32"/>
-          <p:cNvCxnSpPr>
-            <a:stCxn id="105" idx="3"/>
-          </p:cNvCxnSpPr>
+          <p:cNvCxnSpPr/>
           <p:nvPr/>
         </p:nvCxnSpPr>
         <p:spPr>
-          <a:xfrm flipH="1">
-            <a:off x="4017205" y="3222419"/>
-            <a:ext cx="993360" cy="379180"/>
+          <a:xfrm>
+            <a:off x="8046554" y="3213410"/>
+            <a:ext cx="1993828" cy="1119855"/>
           </a:xfrm>
           <a:prstGeom prst="straightConnector1">
             <a:avLst/>
@@ -5885,7 +5978,7 @@
         </p:nvSpPr>
         <p:spPr>
           <a:xfrm>
-            <a:off x="8390673" y="5226455"/>
+            <a:off x="8084371" y="5203933"/>
             <a:ext cx="1442548" cy="561247"/>
           </a:xfrm>
           <a:custGeom>
@@ -6050,8 +6143,8 @@
         </p:nvCxnSpPr>
         <p:spPr>
           <a:xfrm flipH="1">
-            <a:off x="3454901" y="3288236"/>
-            <a:ext cx="2265730" cy="1575355"/>
+            <a:off x="3797238" y="3270219"/>
+            <a:ext cx="1860330" cy="2048321"/>
           </a:xfrm>
           <a:prstGeom prst="straightConnector1">
             <a:avLst/>
@@ -6084,7 +6177,7 @@
         <p:spPr>
           <a:xfrm>
             <a:off x="4657398" y="964854"/>
-            <a:ext cx="1781513" cy="369332"/>
+            <a:ext cx="2675989" cy="369332"/>
           </a:xfrm>
           <a:prstGeom prst="rect">
             <a:avLst/>
@@ -6098,8 +6191,12 @@
           <a:lstStyle/>
           <a:p>
             <a:r>
+              <a:rPr lang="en-US" dirty="0" smtClean="0"/>
+              <a:t>?</a:t>
+            </a:r>
+            <a:r>
               <a:rPr lang="en-US" dirty="0" err="1" smtClean="0"/>
-              <a:t>ReadMutectVCFs</a:t>
+              <a:t>ReadAndSplitMutectVCFs</a:t>
             </a:r>
             <a:endParaRPr lang="en-US" dirty="0"/>
           </a:p>
@@ -6131,6 +6228,103 @@
               <a:rPr lang="en-US" sz="1400" dirty="0"/>
               <a:t>MCF10A_Carb_Low_cl2_Mutect.vcf</a:t>
             </a:r>
+          </a:p>
+        </p:txBody>
+      </p:sp>
+      <p:cxnSp>
+        <p:nvCxnSpPr>
+          <p:cNvPr id="8" name="Straight Connector 7"/>
+          <p:cNvCxnSpPr/>
+          <p:nvPr/>
+        </p:nvCxnSpPr>
+        <p:spPr>
+          <a:xfrm>
+            <a:off x="1527003" y="2846810"/>
+            <a:ext cx="9756603" cy="0"/>
+          </a:xfrm>
+          <a:prstGeom prst="line">
+            <a:avLst/>
+          </a:prstGeom>
+          <a:ln w="12700">
+            <a:prstDash val="sysDash"/>
+          </a:ln>
+        </p:spPr>
+        <p:style>
+          <a:lnRef idx="1">
+            <a:schemeClr val="accent1"/>
+          </a:lnRef>
+          <a:fillRef idx="0">
+            <a:schemeClr val="accent1"/>
+          </a:fillRef>
+          <a:effectRef idx="0">
+            <a:schemeClr val="accent1"/>
+          </a:effectRef>
+          <a:fontRef idx="minor">
+            <a:schemeClr val="tx1"/>
+          </a:fontRef>
+        </p:style>
+      </p:cxnSp>
+      <p:sp>
+        <p:nvSpPr>
+          <p:cNvPr id="9" name="TextBox 8"/>
+          <p:cNvSpPr txBox="1"/>
+          <p:nvPr/>
+        </p:nvSpPr>
+        <p:spPr>
+          <a:xfrm>
+            <a:off x="1918889" y="3004457"/>
+            <a:ext cx="1844800" cy="307777"/>
+          </a:xfrm>
+          <a:prstGeom prst="rect">
+            <a:avLst/>
+          </a:prstGeom>
+          <a:noFill/>
+        </p:spPr>
+        <p:txBody>
+          <a:bodyPr wrap="none" rtlCol="0">
+            <a:spAutoFit/>
+          </a:bodyPr>
+          <a:lstStyle/>
+          <a:p>
+            <a:r>
+              <a:rPr lang="en-US" sz="1400" dirty="0" err="1" smtClean="0"/>
+              <a:t>SplitListOfMutectVCFs</a:t>
+            </a:r>
+            <a:r>
+              <a:rPr lang="en-US" sz="1400" dirty="0" smtClean="0"/>
+              <a:t> </a:t>
+            </a:r>
+            <a:endParaRPr lang="en-US" sz="1400" dirty="0"/>
+          </a:p>
+        </p:txBody>
+      </p:sp>
+      <p:sp>
+        <p:nvSpPr>
+          <p:cNvPr id="10" name="TextBox 9"/>
+          <p:cNvSpPr txBox="1"/>
+          <p:nvPr/>
+        </p:nvSpPr>
+        <p:spPr>
+          <a:xfrm>
+            <a:off x="2288252" y="2063031"/>
+            <a:ext cx="1849674" cy="307777"/>
+          </a:xfrm>
+          <a:prstGeom prst="rect">
+            <a:avLst/>
+          </a:prstGeom>
+          <a:noFill/>
+        </p:spPr>
+        <p:txBody>
+          <a:bodyPr wrap="none" rtlCol="0">
+            <a:spAutoFit/>
+          </a:bodyPr>
+          <a:lstStyle/>
+          <a:p>
+            <a:r>
+              <a:rPr lang="en-US" sz="1400" dirty="0" err="1"/>
+              <a:t>ReadListOfMutectVCFs</a:t>
+            </a:r>
+            <a:endParaRPr lang="en-US" sz="1400" dirty="0"/>
           </a:p>
         </p:txBody>
       </p:sp>
@@ -13393,9 +13587,16 @@
             <p:ph type="title"/>
           </p:nvPr>
         </p:nvSpPr>
-        <p:spPr/>
+        <p:spPr>
+          <a:xfrm>
+            <a:off x="838200" y="365125"/>
+            <a:ext cx="10515600" cy="504231"/>
+          </a:xfrm>
+        </p:spPr>
         <p:txBody>
-          <a:bodyPr/>
+          <a:bodyPr>
+            <a:normAutofit fontScale="90000"/>
+          </a:bodyPr>
           <a:lstStyle/>
           <a:p>
             <a:r>
@@ -13418,44 +13619,17 @@
         </p:nvSpPr>
         <p:spPr>
           <a:xfrm>
-            <a:off x="847209" y="1857156"/>
-            <a:ext cx="10515600" cy="4351338"/>
+            <a:off x="847209" y="1139622"/>
+            <a:ext cx="10515600" cy="5068872"/>
           </a:xfrm>
         </p:spPr>
         <p:txBody>
           <a:bodyPr>
-            <a:normAutofit/>
+            <a:normAutofit fontScale="92500"/>
           </a:bodyPr>
           <a:lstStyle/>
           <a:p>
             <a:r>
-              <a:rPr lang="en-US" dirty="0"/>
-              <a:t>Move </a:t>
-            </a:r>
-            <a:r>
-              <a:rPr lang="en-US" dirty="0" err="1" smtClean="0"/>
-              <a:t>SplitOneMutectVCF</a:t>
-            </a:r>
-            <a:r>
-              <a:rPr lang="en-US" dirty="0"/>
-              <a:t>, </a:t>
-            </a:r>
-            <a:r>
-              <a:rPr lang="en-US" dirty="0" err="1" smtClean="0"/>
-              <a:t>SplitMutectVCFs</a:t>
-            </a:r>
-            <a:r>
-              <a:rPr lang="en-US" dirty="0" smtClean="0"/>
-              <a:t> to </a:t>
-            </a:r>
-            <a:r>
-              <a:rPr lang="en-US" dirty="0" err="1" smtClean="0"/>
-              <a:t>VCF_to_catalog_functions.R</a:t>
-            </a:r>
-            <a:endParaRPr lang="en-US" dirty="0"/>
-          </a:p>
-          <a:p>
-            <a:r>
               <a:rPr lang="en-US" dirty="0" err="1" smtClean="0"/>
               <a:t>Fn</a:t>
             </a:r>
@@ -13470,16 +13644,16 @@
           </a:p>
           <a:p>
             <a:r>
-              <a:rPr lang="en-US" dirty="0" smtClean="0"/>
-              <a:t>(</a:t>
-            </a:r>
-            <a:r>
               <a:rPr lang="en-US" dirty="0" err="1" smtClean="0"/>
               <a:t>Fn</a:t>
             </a:r>
             <a:r>
               <a:rPr lang="en-US" dirty="0" smtClean="0"/>
-              <a:t> for Opportunity </a:t>
+              <a:t> </a:t>
+            </a:r>
+            <a:r>
+              <a:rPr lang="en-US" dirty="0" smtClean="0"/>
+              <a:t>for Opportunity </a:t>
             </a:r>
             <a:r>
               <a:rPr lang="en-US" dirty="0"/>
@@ -13505,6 +13679,124 @@
               <a:rPr lang="en-US" dirty="0" smtClean="0"/>
               <a:t>Create documentation (man pages) for global data</a:t>
             </a:r>
+          </a:p>
+          <a:p>
+            <a:r>
+              <a:rPr lang="en-US" dirty="0" smtClean="0"/>
+              <a:t>Get all </a:t>
+            </a:r>
+            <a:r>
+              <a:rPr lang="en-US" dirty="0"/>
+              <a:t>the abundance files from </a:t>
+            </a:r>
+            <a:r>
+              <a:rPr lang="en-US" dirty="0" smtClean="0"/>
+              <a:t>….Dropbox </a:t>
+            </a:r>
+            <a:r>
+              <a:rPr lang="en-US" dirty="0"/>
+              <a:t>(CCB)\</a:t>
+            </a:r>
+            <a:r>
+              <a:rPr lang="en-US" dirty="0" err="1"/>
+              <a:t>ICAMS</a:t>
+            </a:r>
+            <a:r>
+              <a:rPr lang="en-US" dirty="0"/>
+              <a:t> R package </a:t>
+            </a:r>
+            <a:r>
+              <a:rPr lang="en-US" dirty="0" smtClean="0"/>
+              <a:t>development\</a:t>
+            </a:r>
+            <a:r>
+              <a:rPr lang="en-US" dirty="0" err="1" smtClean="0"/>
+              <a:t>nucleotide_abundance</a:t>
+            </a:r>
+            <a:r>
+              <a:rPr lang="en-US" dirty="0" smtClean="0"/>
+              <a:t> and put them in the package</a:t>
+            </a:r>
+          </a:p>
+          <a:p>
+            <a:r>
+              <a:rPr lang="en-US" dirty="0" smtClean="0"/>
+              <a:t>Expand package for </a:t>
+            </a:r>
+            <a:r>
+              <a:rPr lang="en-US" dirty="0" err="1" smtClean="0"/>
+              <a:t>GRCh38</a:t>
+            </a:r>
+            <a:r>
+              <a:rPr lang="en-US" dirty="0" smtClean="0"/>
+              <a:t>, </a:t>
+            </a:r>
+            <a:r>
+              <a:rPr lang="en-US" dirty="0" err="1" smtClean="0"/>
+              <a:t>MM10</a:t>
+            </a:r>
+            <a:endParaRPr lang="en-US" dirty="0" smtClean="0"/>
+          </a:p>
+          <a:p>
+            <a:r>
+              <a:rPr lang="en-US" dirty="0" smtClean="0"/>
+              <a:t>Write </a:t>
+            </a:r>
+            <a:r>
+              <a:rPr lang="en-US" dirty="0" err="1" smtClean="0"/>
+              <a:t>Test</a:t>
+            </a:r>
+            <a:r>
+              <a:rPr lang="en-US" dirty="0" err="1" smtClean="0">
+                <a:solidFill>
+                  <a:srgbClr val="FF0000"/>
+                </a:solidFill>
+              </a:rPr>
+              <a:t>Strelka</a:t>
+            </a:r>
+            <a:r>
+              <a:rPr lang="en-US" dirty="0" err="1" smtClean="0"/>
+              <a:t>VCFToCatalog</a:t>
+            </a:r>
+            <a:r>
+              <a:rPr lang="en-US" dirty="0" smtClean="0"/>
+              <a:t> (incl. plotting) and </a:t>
+            </a:r>
+            <a:r>
+              <a:rPr lang="en-US" dirty="0"/>
+              <a:t>check against </a:t>
+            </a:r>
+            <a:r>
+              <a:rPr lang="en-US" dirty="0" smtClean="0"/>
+              <a:t>Arnoud – this the carboplatin </a:t>
+            </a:r>
+            <a:r>
+              <a:rPr lang="en-US" dirty="0" err="1" smtClean="0"/>
+              <a:t>vcf</a:t>
+            </a:r>
+            <a:endParaRPr lang="en-US" dirty="0" smtClean="0"/>
+          </a:p>
+          <a:p>
+            <a:r>
+              <a:rPr lang="en-US" dirty="0" smtClean="0"/>
+              <a:t>Write and test </a:t>
+            </a:r>
+            <a:r>
+              <a:rPr lang="en-US" dirty="0" err="1" smtClean="0"/>
+              <a:t>ReadAndSplitStrelkaSNSVCFs</a:t>
+            </a:r>
+            <a:r>
+              <a:rPr lang="en-US" dirty="0" smtClean="0"/>
+              <a:t>, </a:t>
+            </a:r>
+            <a:r>
+              <a:rPr lang="en-US" dirty="0" err="1" smtClean="0"/>
+              <a:t>ReadAndSplitMutectVCFs</a:t>
+            </a:r>
+            <a:endParaRPr lang="en-US" dirty="0"/>
+          </a:p>
+          <a:p>
+            <a:endParaRPr lang="en-US" dirty="0" smtClean="0"/>
           </a:p>
           <a:p>
             <a:pPr marL="0" indent="0">
@@ -13563,7 +13855,12 @@
             <p:ph type="title"/>
           </p:nvPr>
         </p:nvSpPr>
-        <p:spPr/>
+        <p:spPr>
+          <a:xfrm>
+            <a:off x="815678" y="162425"/>
+            <a:ext cx="10515600" cy="738461"/>
+          </a:xfrm>
+        </p:spPr>
         <p:txBody>
           <a:bodyPr/>
           <a:lstStyle/>
@@ -13596,8 +13893,8 @@
         </p:nvSpPr>
         <p:spPr>
           <a:xfrm>
-            <a:off x="847209" y="1857156"/>
-            <a:ext cx="10515600" cy="4351338"/>
+            <a:off x="847209" y="860347"/>
+            <a:ext cx="10515600" cy="5348147"/>
           </a:xfrm>
         </p:spPr>
         <p:txBody>
@@ -13612,20 +13909,17 @@
             </a:pPr>
             <a:r>
               <a:rPr lang="en-US" dirty="0" smtClean="0"/>
-              <a:t>Test of ID VCF to catalogs for Strelka </a:t>
-            </a:r>
-            <a:r>
-              <a:rPr lang="en-US" smtClean="0"/>
-              <a:t>(create </a:t>
+              <a:t>Test of ID VCF to catalogs for Strelka (create </a:t>
             </a:r>
             <a:r>
               <a:rPr lang="en-US" dirty="0" err="1" smtClean="0"/>
-              <a:t>ReadStrelkaIDVCF</a:t>
+              <a:t>ReadStrelkaIDVCFs</a:t>
             </a:r>
             <a:r>
               <a:rPr lang="en-US" dirty="0" smtClean="0"/>
               <a:t>)</a:t>
             </a:r>
+            <a:endParaRPr lang="en-US" dirty="0" smtClean="0"/>
           </a:p>
           <a:p>
             <a:pPr marL="514350" indent="-514350">
@@ -13648,8 +13942,9 @@
             </a:r>
           </a:p>
           <a:p>
-            <a:pPr marL="0" indent="0">
-              <a:buNone/>
+            <a:pPr marL="514350" indent="-514350">
+              <a:buFont typeface="+mj-lt"/>
+              <a:buAutoNum type="arabicPeriod"/>
             </a:pPr>
             <a:r>
               <a:rPr lang="en-US" dirty="0" smtClean="0"/>
@@ -13665,31 +13960,30 @@
             </a:r>
           </a:p>
           <a:p>
-            <a:pPr marL="0" indent="0">
-              <a:buNone/>
+            <a:pPr marL="514350" indent="-514350">
+              <a:buFont typeface="+mj-lt"/>
+              <a:buAutoNum type="arabicPeriod"/>
             </a:pPr>
             <a:r>
               <a:rPr lang="en-US" dirty="0" smtClean="0"/>
-              <a:t>5. Compare ID catalogs to previously computed ID catalogs (maybe from PCAWG?)</a:t>
-            </a:r>
-          </a:p>
-          <a:p>
-            <a:pPr marL="0" indent="0">
-              <a:buNone/>
+              <a:t>Compare ID catalogs to previously computed ID catalogs (maybe from PCAWG?)</a:t>
+            </a:r>
+          </a:p>
+          <a:p>
+            <a:pPr marL="514350" indent="-514350">
+              <a:buFont typeface="+mj-lt"/>
+              <a:buAutoNum type="arabicPeriod"/>
             </a:pPr>
             <a:r>
               <a:rPr lang="en-US" dirty="0" smtClean="0"/>
-              <a:t>6. Extended sequence context for indels – spec and write</a:t>
-            </a:r>
-          </a:p>
-          <a:p>
-            <a:pPr marL="0" indent="0">
-              <a:buNone/>
+              <a:t>Extended sequence context for indels – spec and write</a:t>
+            </a:r>
+          </a:p>
+          <a:p>
+            <a:pPr marL="514350" indent="-514350">
+              <a:buFont typeface="+mj-lt"/>
+              <a:buAutoNum type="arabicPeriod"/>
             </a:pPr>
-            <a:r>
-              <a:rPr lang="en-US" dirty="0" smtClean="0"/>
-              <a:t>7. </a:t>
-            </a:r>
             <a:r>
               <a:rPr lang="en-US" dirty="0" err="1" smtClean="0"/>
               <a:t>Writeup</a:t>
@@ -13697,6 +13991,24 @@
             <a:r>
               <a:rPr lang="en-US" dirty="0" smtClean="0"/>
               <a:t> on “opportunity”</a:t>
+            </a:r>
+          </a:p>
+          <a:p>
+            <a:pPr marL="514350" indent="-514350">
+              <a:buFont typeface="+mj-lt"/>
+              <a:buAutoNum type="arabicPeriod"/>
+            </a:pPr>
+            <a:r>
+              <a:rPr lang="en-US" dirty="0"/>
+              <a:t>Add plotting to </a:t>
+            </a:r>
+            <a:r>
+              <a:rPr lang="en-US" dirty="0" err="1" smtClean="0"/>
+              <a:t>TestMutectVCFToCatalog</a:t>
+            </a:r>
+            <a:r>
+              <a:rPr lang="en-US" dirty="0" smtClean="0"/>
+              <a:t> and check against Arnoud</a:t>
             </a:r>
           </a:p>
           <a:p>

--- a/data-raw/ICAMS-overview.pptx
+++ b/data-raw/ICAMS-overview.pptx
@@ -248,7 +248,7 @@
           <a:p>
             <a:fld id="{FC92A4BB-39BE-403C-A496-EAAF42256EA7}" type="datetimeFigureOut">
               <a:rPr lang="en-SG" smtClean="0"/>
-              <a:t>30/1/2019</a:t>
+              <a:t>7/2/2019</a:t>
             </a:fld>
             <a:endParaRPr lang="en-SG"/>
           </a:p>
@@ -413,7 +413,7 @@
           <a:p>
             <a:fld id="{FC92A4BB-39BE-403C-A496-EAAF42256EA7}" type="datetimeFigureOut">
               <a:rPr lang="en-SG" smtClean="0"/>
-              <a:t>30/1/2019</a:t>
+              <a:t>7/2/2019</a:t>
             </a:fld>
             <a:endParaRPr lang="en-SG"/>
           </a:p>
@@ -588,7 +588,7 @@
           <a:p>
             <a:fld id="{FC92A4BB-39BE-403C-A496-EAAF42256EA7}" type="datetimeFigureOut">
               <a:rPr lang="en-SG" smtClean="0"/>
-              <a:t>30/1/2019</a:t>
+              <a:t>7/2/2019</a:t>
             </a:fld>
             <a:endParaRPr lang="en-SG"/>
           </a:p>
@@ -753,7 +753,7 @@
           <a:p>
             <a:fld id="{FC92A4BB-39BE-403C-A496-EAAF42256EA7}" type="datetimeFigureOut">
               <a:rPr lang="en-SG" smtClean="0"/>
-              <a:t>30/1/2019</a:t>
+              <a:t>7/2/2019</a:t>
             </a:fld>
             <a:endParaRPr lang="en-SG"/>
           </a:p>
@@ -994,7 +994,7 @@
           <a:p>
             <a:fld id="{FC92A4BB-39BE-403C-A496-EAAF42256EA7}" type="datetimeFigureOut">
               <a:rPr lang="en-SG" smtClean="0"/>
-              <a:t>30/1/2019</a:t>
+              <a:t>7/2/2019</a:t>
             </a:fld>
             <a:endParaRPr lang="en-SG"/>
           </a:p>
@@ -1221,7 +1221,7 @@
           <a:p>
             <a:fld id="{FC92A4BB-39BE-403C-A496-EAAF42256EA7}" type="datetimeFigureOut">
               <a:rPr lang="en-SG" smtClean="0"/>
-              <a:t>30/1/2019</a:t>
+              <a:t>7/2/2019</a:t>
             </a:fld>
             <a:endParaRPr lang="en-SG"/>
           </a:p>
@@ -1583,7 +1583,7 @@
           <a:p>
             <a:fld id="{FC92A4BB-39BE-403C-A496-EAAF42256EA7}" type="datetimeFigureOut">
               <a:rPr lang="en-SG" smtClean="0"/>
-              <a:t>30/1/2019</a:t>
+              <a:t>7/2/2019</a:t>
             </a:fld>
             <a:endParaRPr lang="en-SG"/>
           </a:p>
@@ -1696,7 +1696,7 @@
           <a:p>
             <a:fld id="{FC92A4BB-39BE-403C-A496-EAAF42256EA7}" type="datetimeFigureOut">
               <a:rPr lang="en-SG" smtClean="0"/>
-              <a:t>30/1/2019</a:t>
+              <a:t>7/2/2019</a:t>
             </a:fld>
             <a:endParaRPr lang="en-SG"/>
           </a:p>
@@ -1786,7 +1786,7 @@
           <a:p>
             <a:fld id="{FC92A4BB-39BE-403C-A496-EAAF42256EA7}" type="datetimeFigureOut">
               <a:rPr lang="en-SG" smtClean="0"/>
-              <a:t>30/1/2019</a:t>
+              <a:t>7/2/2019</a:t>
             </a:fld>
             <a:endParaRPr lang="en-SG"/>
           </a:p>
@@ -2058,7 +2058,7 @@
           <a:p>
             <a:fld id="{FC92A4BB-39BE-403C-A496-EAAF42256EA7}" type="datetimeFigureOut">
               <a:rPr lang="en-SG" smtClean="0"/>
-              <a:t>30/1/2019</a:t>
+              <a:t>7/2/2019</a:t>
             </a:fld>
             <a:endParaRPr lang="en-SG"/>
           </a:p>
@@ -2306,7 +2306,7 @@
           <a:p>
             <a:fld id="{FC92A4BB-39BE-403C-A496-EAAF42256EA7}" type="datetimeFigureOut">
               <a:rPr lang="en-SG" smtClean="0"/>
-              <a:t>30/1/2019</a:t>
+              <a:t>7/2/2019</a:t>
             </a:fld>
             <a:endParaRPr lang="en-SG"/>
           </a:p>
@@ -2514,7 +2514,7 @@
           <a:p>
             <a:fld id="{FC92A4BB-39BE-403C-A496-EAAF42256EA7}" type="datetimeFigureOut">
               <a:rPr lang="en-SG" smtClean="0"/>
-              <a:t>30/1/2019</a:t>
+              <a:t>7/2/2019</a:t>
             </a:fld>
             <a:endParaRPr lang="en-SG"/>
           </a:p>
@@ -12436,6 +12436,43 @@
               </a:rPr>
               <a:t>()</a:t>
             </a:r>
+          </a:p>
+          <a:p>
+            <a:pPr lvl="0" algn="ctr" defTabSz="533400">
+              <a:lnSpc>
+                <a:spcPct val="90000"/>
+              </a:lnSpc>
+              <a:spcBef>
+                <a:spcPct val="0"/>
+              </a:spcBef>
+              <a:spcAft>
+                <a:spcPts val="0"/>
+              </a:spcAft>
+            </a:pPr>
+            <a:r>
+              <a:rPr lang="en-US" sz="1100" kern="1200" dirty="0" smtClean="0">
+                <a:solidFill>
+                  <a:schemeClr val="tx1"/>
+                </a:solidFill>
+              </a:rPr>
+              <a:t>(no </a:t>
+            </a:r>
+            <a:r>
+              <a:rPr lang="en-US" sz="1100" kern="1200" dirty="0" err="1" smtClean="0">
+                <a:solidFill>
+                  <a:schemeClr val="tx1"/>
+                </a:solidFill>
+              </a:rPr>
+              <a:t>AddTranscript</a:t>
+            </a:r>
+            <a:r>
+              <a:rPr lang="en-US" sz="1100" kern="1200" dirty="0" smtClean="0">
+                <a:solidFill>
+                  <a:schemeClr val="tx1"/>
+                </a:solidFill>
+              </a:rPr>
+              <a:t>)</a:t>
+            </a:r>
             <a:endParaRPr lang="en-US" sz="1100" kern="1200" dirty="0">
               <a:solidFill>
                 <a:schemeClr val="tx1"/>
@@ -13625,7 +13662,7 @@
         </p:spPr>
         <p:txBody>
           <a:bodyPr>
-            <a:normAutofit fontScale="92500"/>
+            <a:normAutofit fontScale="92500" lnSpcReduction="20000"/>
           </a:bodyPr>
           <a:lstStyle/>
           <a:p>
@@ -13635,11 +13672,7 @@
             </a:r>
             <a:r>
               <a:rPr lang="en-US" dirty="0" smtClean="0"/>
-              <a:t> </a:t>
-            </a:r>
-            <a:r>
-              <a:rPr lang="en-US" dirty="0" smtClean="0"/>
-              <a:t>to write  _our_ annotated VCF to disk and read back</a:t>
+              <a:t> to write  _our_ annotated VCF to disk and read back</a:t>
             </a:r>
           </a:p>
           <a:p>
@@ -13649,11 +13682,7 @@
             </a:r>
             <a:r>
               <a:rPr lang="en-US" dirty="0" smtClean="0"/>
-              <a:t> </a:t>
-            </a:r>
-            <a:r>
-              <a:rPr lang="en-US" dirty="0" smtClean="0"/>
-              <a:t>for Opportunity </a:t>
+              <a:t> for Opportunity </a:t>
             </a:r>
             <a:r>
               <a:rPr lang="en-US" dirty="0"/>
@@ -13792,6 +13821,17 @@
             <a:r>
               <a:rPr lang="en-US" dirty="0" err="1" smtClean="0"/>
               <a:t>ReadAndSplitMutectVCFs</a:t>
+            </a:r>
+            <a:endParaRPr lang="en-US" dirty="0" smtClean="0"/>
+          </a:p>
+          <a:p>
+            <a:r>
+              <a:rPr lang="en-US" dirty="0" smtClean="0"/>
+              <a:t>Look in data-raw/background-documentation/opportunity and figure out which doc works best and clean it up for use in the </a:t>
+            </a:r>
+            <a:r>
+              <a:rPr lang="en-US" smtClean="0"/>
+              <a:t>package documentation.</a:t>
             </a:r>
             <a:endParaRPr lang="en-US" dirty="0"/>
           </a:p>
@@ -13919,7 +13959,6 @@
               <a:rPr lang="en-US" dirty="0" smtClean="0"/>
               <a:t>)</a:t>
             </a:r>
-            <a:endParaRPr lang="en-US" dirty="0" smtClean="0"/>
           </a:p>
           <a:p>
             <a:pPr marL="514350" indent="-514350">
@@ -13985,22 +14024,12 @@
               <a:buAutoNum type="arabicPeriod"/>
             </a:pPr>
             <a:r>
-              <a:rPr lang="en-US" dirty="0" err="1" smtClean="0"/>
-              <a:t>Writeup</a:t>
-            </a:r>
-            <a:r>
               <a:rPr lang="en-US" dirty="0" smtClean="0"/>
-              <a:t> on “opportunity”</a:t>
-            </a:r>
-          </a:p>
-          <a:p>
-            <a:pPr marL="514350" indent="-514350">
-              <a:buFont typeface="+mj-lt"/>
-              <a:buAutoNum type="arabicPeriod"/>
-            </a:pPr>
+              <a:t>Add </a:t>
+            </a:r>
             <a:r>
               <a:rPr lang="en-US" dirty="0"/>
-              <a:t>Add plotting to </a:t>
+              <a:t>plotting to </a:t>
             </a:r>
             <a:r>
               <a:rPr lang="en-US" dirty="0" err="1" smtClean="0"/>

--- a/data-raw/ICAMS-overview.pptx
+++ b/data-raw/ICAMS-overview.pptx
@@ -13662,7 +13662,7 @@
         </p:spPr>
         <p:txBody>
           <a:bodyPr>
-            <a:normAutofit fontScale="92500" lnSpcReduction="20000"/>
+            <a:normAutofit fontScale="70000" lnSpcReduction="20000"/>
           </a:bodyPr>
           <a:lstStyle/>
           <a:p>
@@ -13672,8 +13672,23 @@
             </a:r>
             <a:r>
               <a:rPr lang="en-US" dirty="0" smtClean="0"/>
-              <a:t> to write  _our_ annotated VCF to disk and read back</a:t>
-            </a:r>
+              <a:t> to write  _our_ annotated VCF to disk and read </a:t>
+            </a:r>
+            <a:r>
+              <a:rPr lang="en-US" dirty="0" smtClean="0"/>
+              <a:t>back</a:t>
+            </a:r>
+          </a:p>
+          <a:p>
+            <a:r>
+              <a:rPr lang="en-US" dirty="0"/>
+              <a:t>Look in data-raw/background-documentation/opportunity and figure out which doc works best and clean it up for use in the package documentation</a:t>
+            </a:r>
+            <a:r>
+              <a:rPr lang="en-US" dirty="0" smtClean="0"/>
+              <a:t>.</a:t>
+            </a:r>
+            <a:endParaRPr lang="en-US" dirty="0" smtClean="0"/>
           </a:p>
           <a:p>
             <a:r>
@@ -13706,8 +13721,21 @@
           <a:p>
             <a:r>
               <a:rPr lang="en-US" dirty="0" smtClean="0"/>
-              <a:t>Create documentation (man pages) for global data</a:t>
-            </a:r>
+              <a:t>Clean up d</a:t>
+            </a:r>
+            <a:r>
+              <a:rPr lang="en-US" dirty="0" smtClean="0"/>
+              <a:t>ocumentation </a:t>
+            </a:r>
+            <a:r>
+              <a:rPr lang="en-US" dirty="0" smtClean="0"/>
+              <a:t>(man pages) for global </a:t>
+            </a:r>
+            <a:r>
+              <a:rPr lang="en-US" dirty="0" smtClean="0"/>
+              <a:t>data (discuss w/ steve)</a:t>
+            </a:r>
+            <a:endParaRPr lang="en-US" dirty="0" smtClean="0"/>
           </a:p>
           <a:p>
             <a:r>
@@ -13827,11 +13855,13 @@
           <a:p>
             <a:r>
               <a:rPr lang="en-US" dirty="0" smtClean="0"/>
-              <a:t>Look in data-raw/background-documentation/opportunity and figure out which doc works best and clean it up for use in the </a:t>
-            </a:r>
-            <a:r>
-              <a:rPr lang="en-US" smtClean="0"/>
-              <a:t>package documentation.</a:t>
+              <a:t>Make the canonical row order data public (needed by people who write function to go from other formats to the standard format)</a:t>
+            </a:r>
+          </a:p>
+          <a:p>
+            <a:r>
+              <a:rPr lang="en-US" dirty="0" smtClean="0"/>
+              <a:t>Other comments on manual / discuss w/ steve</a:t>
             </a:r>
             <a:endParaRPr lang="en-US" dirty="0"/>
           </a:p>

--- a/data-raw/ICAMS-overview.pptx
+++ b/data-raw/ICAMS-overview.pptx
@@ -248,7 +248,7 @@
           <a:p>
             <a:fld id="{FC92A4BB-39BE-403C-A496-EAAF42256EA7}" type="datetimeFigureOut">
               <a:rPr lang="en-SG" smtClean="0"/>
-              <a:t>7/2/2019</a:t>
+              <a:t>15/2/2019</a:t>
             </a:fld>
             <a:endParaRPr lang="en-SG"/>
           </a:p>
@@ -413,7 +413,7 @@
           <a:p>
             <a:fld id="{FC92A4BB-39BE-403C-A496-EAAF42256EA7}" type="datetimeFigureOut">
               <a:rPr lang="en-SG" smtClean="0"/>
-              <a:t>7/2/2019</a:t>
+              <a:t>15/2/2019</a:t>
             </a:fld>
             <a:endParaRPr lang="en-SG"/>
           </a:p>
@@ -588,7 +588,7 @@
           <a:p>
             <a:fld id="{FC92A4BB-39BE-403C-A496-EAAF42256EA7}" type="datetimeFigureOut">
               <a:rPr lang="en-SG" smtClean="0"/>
-              <a:t>7/2/2019</a:t>
+              <a:t>15/2/2019</a:t>
             </a:fld>
             <a:endParaRPr lang="en-SG"/>
           </a:p>
@@ -753,7 +753,7 @@
           <a:p>
             <a:fld id="{FC92A4BB-39BE-403C-A496-EAAF42256EA7}" type="datetimeFigureOut">
               <a:rPr lang="en-SG" smtClean="0"/>
-              <a:t>7/2/2019</a:t>
+              <a:t>15/2/2019</a:t>
             </a:fld>
             <a:endParaRPr lang="en-SG"/>
           </a:p>
@@ -994,7 +994,7 @@
           <a:p>
             <a:fld id="{FC92A4BB-39BE-403C-A496-EAAF42256EA7}" type="datetimeFigureOut">
               <a:rPr lang="en-SG" smtClean="0"/>
-              <a:t>7/2/2019</a:t>
+              <a:t>15/2/2019</a:t>
             </a:fld>
             <a:endParaRPr lang="en-SG"/>
           </a:p>
@@ -1221,7 +1221,7 @@
           <a:p>
             <a:fld id="{FC92A4BB-39BE-403C-A496-EAAF42256EA7}" type="datetimeFigureOut">
               <a:rPr lang="en-SG" smtClean="0"/>
-              <a:t>7/2/2019</a:t>
+              <a:t>15/2/2019</a:t>
             </a:fld>
             <a:endParaRPr lang="en-SG"/>
           </a:p>
@@ -1583,7 +1583,7 @@
           <a:p>
             <a:fld id="{FC92A4BB-39BE-403C-A496-EAAF42256EA7}" type="datetimeFigureOut">
               <a:rPr lang="en-SG" smtClean="0"/>
-              <a:t>7/2/2019</a:t>
+              <a:t>15/2/2019</a:t>
             </a:fld>
             <a:endParaRPr lang="en-SG"/>
           </a:p>
@@ -1696,7 +1696,7 @@
           <a:p>
             <a:fld id="{FC92A4BB-39BE-403C-A496-EAAF42256EA7}" type="datetimeFigureOut">
               <a:rPr lang="en-SG" smtClean="0"/>
-              <a:t>7/2/2019</a:t>
+              <a:t>15/2/2019</a:t>
             </a:fld>
             <a:endParaRPr lang="en-SG"/>
           </a:p>
@@ -1786,7 +1786,7 @@
           <a:p>
             <a:fld id="{FC92A4BB-39BE-403C-A496-EAAF42256EA7}" type="datetimeFigureOut">
               <a:rPr lang="en-SG" smtClean="0"/>
-              <a:t>7/2/2019</a:t>
+              <a:t>15/2/2019</a:t>
             </a:fld>
             <a:endParaRPr lang="en-SG"/>
           </a:p>
@@ -2058,7 +2058,7 @@
           <a:p>
             <a:fld id="{FC92A4BB-39BE-403C-A496-EAAF42256EA7}" type="datetimeFigureOut">
               <a:rPr lang="en-SG" smtClean="0"/>
-              <a:t>7/2/2019</a:t>
+              <a:t>15/2/2019</a:t>
             </a:fld>
             <a:endParaRPr lang="en-SG"/>
           </a:p>
@@ -2306,7 +2306,7 @@
           <a:p>
             <a:fld id="{FC92A4BB-39BE-403C-A496-EAAF42256EA7}" type="datetimeFigureOut">
               <a:rPr lang="en-SG" smtClean="0"/>
-              <a:t>7/2/2019</a:t>
+              <a:t>15/2/2019</a:t>
             </a:fld>
             <a:endParaRPr lang="en-SG"/>
           </a:p>
@@ -2514,7 +2514,7 @@
           <a:p>
             <a:fld id="{FC92A4BB-39BE-403C-A496-EAAF42256EA7}" type="datetimeFigureOut">
               <a:rPr lang="en-SG" smtClean="0"/>
-              <a:t>7/2/2019</a:t>
+              <a:t>15/2/2019</a:t>
             </a:fld>
             <a:endParaRPr lang="en-SG"/>
           </a:p>
@@ -13667,37 +13667,52 @@
           <a:lstStyle/>
           <a:p>
             <a:r>
+              <a:rPr lang="en-US" dirty="0" smtClean="0"/>
+              <a:t>Low </a:t>
+            </a:r>
+            <a:r>
               <a:rPr lang="en-US" dirty="0" err="1" smtClean="0"/>
               <a:t>Fn</a:t>
             </a:r>
             <a:r>
               <a:rPr lang="en-US" dirty="0" smtClean="0"/>
-              <a:t> to write  _our_ annotated VCF to disk and read </a:t>
+              <a:t> </a:t>
             </a:r>
             <a:r>
               <a:rPr lang="en-US" dirty="0" smtClean="0"/>
-              <a:t>back</a:t>
-            </a:r>
-          </a:p>
-          <a:p>
+              <a:t>to write  _our_ annotated VCF to disk and read back</a:t>
+            </a:r>
+          </a:p>
+          <a:p>
+            <a:r>
+              <a:rPr lang="en-US" dirty="0" smtClean="0"/>
+              <a:t>High Look </a:t>
+            </a:r>
             <a:r>
               <a:rPr lang="en-US" dirty="0"/>
-              <a:t>Look in data-raw/background-documentation/opportunity and figure out which doc works best and clean it up for use in the package documentation</a:t>
+              <a:t>in data-raw/background-documentation/opportunity and figure out which doc works best and clean it up for use in the package documentation</a:t>
             </a:r>
             <a:r>
               <a:rPr lang="en-US" dirty="0" smtClean="0"/>
               <a:t>.</a:t>
             </a:r>
-            <a:endParaRPr lang="en-US" dirty="0" smtClean="0"/>
-          </a:p>
-          <a:p>
+          </a:p>
+          <a:p>
+            <a:r>
+              <a:rPr lang="en-US" dirty="0" smtClean="0"/>
+              <a:t>High </a:t>
+            </a:r>
             <a:r>
               <a:rPr lang="en-US" dirty="0" err="1" smtClean="0"/>
               <a:t>Fn</a:t>
             </a:r>
             <a:r>
               <a:rPr lang="en-US" dirty="0" smtClean="0"/>
-              <a:t> for Opportunity </a:t>
+              <a:t> </a:t>
+            </a:r>
+            <a:r>
+              <a:rPr lang="en-US" dirty="0" smtClean="0"/>
+              <a:t>for Opportunity </a:t>
             </a:r>
             <a:r>
               <a:rPr lang="en-US" dirty="0"/>
@@ -13707,7 +13722,11 @@
           <a:p>
             <a:r>
               <a:rPr lang="en-US" dirty="0" smtClean="0"/>
-              <a:t>Fun to Calculate </a:t>
+              <a:t>Med Fun </a:t>
+            </a:r>
+            <a:r>
+              <a:rPr lang="en-US" dirty="0" smtClean="0"/>
+              <a:t>to Calculate </a:t>
             </a:r>
             <a:r>
               <a:rPr lang="en-US" dirty="0"/>
@@ -13721,26 +13740,11 @@
           <a:p>
             <a:r>
               <a:rPr lang="en-US" dirty="0" smtClean="0"/>
-              <a:t>Clean up d</a:t>
+              <a:t>High Get </a:t>
             </a:r>
             <a:r>
               <a:rPr lang="en-US" dirty="0" smtClean="0"/>
-              <a:t>ocumentation </a:t>
-            </a:r>
-            <a:r>
-              <a:rPr lang="en-US" dirty="0" smtClean="0"/>
-              <a:t>(man pages) for global </a:t>
-            </a:r>
-            <a:r>
-              <a:rPr lang="en-US" dirty="0" smtClean="0"/>
-              <a:t>data (discuss w/ steve)</a:t>
-            </a:r>
-            <a:endParaRPr lang="en-US" dirty="0" smtClean="0"/>
-          </a:p>
-          <a:p>
-            <a:r>
-              <a:rPr lang="en-US" dirty="0" smtClean="0"/>
-              <a:t>Get all </a:t>
+              <a:t>all </a:t>
             </a:r>
             <a:r>
               <a:rPr lang="en-US" dirty="0"/>
@@ -13778,7 +13782,11 @@
           <a:p>
             <a:r>
               <a:rPr lang="en-US" dirty="0" smtClean="0"/>
-              <a:t>Expand package for </a:t>
+              <a:t>High Expand </a:t>
+            </a:r>
+            <a:r>
+              <a:rPr lang="en-US" dirty="0" smtClean="0"/>
+              <a:t>package for </a:t>
             </a:r>
             <a:r>
               <a:rPr lang="en-US" dirty="0" err="1" smtClean="0"/>
@@ -13797,7 +13805,11 @@
           <a:p>
             <a:r>
               <a:rPr lang="en-US" dirty="0" smtClean="0"/>
-              <a:t>Write </a:t>
+              <a:t>Low</a:t>
+            </a:r>
+            <a:r>
+              <a:rPr lang="en-US" dirty="0" smtClean="0"/>
+              <a:t> Write </a:t>
             </a:r>
             <a:r>
               <a:rPr lang="en-US" dirty="0" err="1" smtClean="0"/>
@@ -13835,8 +13847,20 @@
           </a:p>
           <a:p>
             <a:r>
+              <a:rPr lang="en-US" smtClean="0"/>
+              <a:t>Low</a:t>
+            </a:r>
+            <a:r>
+              <a:rPr lang="en-US" smtClean="0"/>
+              <a:t> </a:t>
+            </a:r>
+            <a:r>
               <a:rPr lang="en-US" dirty="0" smtClean="0"/>
-              <a:t>Write and test </a:t>
+              <a:t>Write </a:t>
+            </a:r>
+            <a:r>
+              <a:rPr lang="en-US" dirty="0" smtClean="0"/>
+              <a:t>and test </a:t>
             </a:r>
             <a:r>
               <a:rPr lang="en-US" dirty="0" err="1" smtClean="0"/>
@@ -13855,13 +13879,50 @@
           <a:p>
             <a:r>
               <a:rPr lang="en-US" dirty="0" smtClean="0"/>
-              <a:t>Make the canonical row order data public (needed by people who write function to go from other formats to the standard format)</a:t>
-            </a:r>
-          </a:p>
-          <a:p>
+              <a:t>High </a:t>
+            </a:r>
             <a:r>
               <a:rPr lang="en-US" dirty="0" smtClean="0"/>
-              <a:t>Other comments on manual / discuss w/ steve</a:t>
+              <a:t>Make </a:t>
+            </a:r>
+            <a:r>
+              <a:rPr lang="en-US" dirty="0" smtClean="0"/>
+              <a:t>the canonical row order data public (needed by people who write function to go from other formats to the standard format</a:t>
+            </a:r>
+            <a:r>
+              <a:rPr lang="en-US" dirty="0"/>
+              <a:t>), </a:t>
+            </a:r>
+            <a:r>
+              <a:rPr lang="en-US" dirty="0" smtClean="0"/>
+              <a:t>and separate different kinds of global data into separate man pages, e.g. one for row orders and row headers, one for abundance, one for transcript ranges, one for </a:t>
+            </a:r>
+            <a:r>
+              <a:rPr lang="en-US" dirty="0" smtClean="0">
+                <a:solidFill>
+                  <a:srgbClr val="FF0000"/>
+                </a:solidFill>
+              </a:rPr>
+              <a:t>plotting-reordering, one is empty cats; red ones hidden</a:t>
+            </a:r>
+            <a:endParaRPr lang="en-US" dirty="0" smtClean="0">
+              <a:solidFill>
+                <a:srgbClr val="FF0000"/>
+              </a:solidFill>
+            </a:endParaRPr>
+          </a:p>
+          <a:p>
+            <a:r>
+              <a:rPr lang="en-US" dirty="0" smtClean="0"/>
+              <a:t>Med </a:t>
+            </a:r>
+            <a:r>
+              <a:rPr lang="en-US" dirty="0" smtClean="0"/>
+              <a:t>Other </a:t>
+            </a:r>
+            <a:r>
+              <a:rPr lang="en-US" dirty="0" smtClean="0"/>
+              <a:t>comments on manual / discuss w/ steve</a:t>
             </a:r>
             <a:endParaRPr lang="en-US" dirty="0"/>
           </a:p>

--- a/data-raw/ICAMS-overview.pptx
+++ b/data-raw/ICAMS-overview.pptx
@@ -10,7 +10,8 @@
     <p:sldId id="260" r:id="rId4"/>
     <p:sldId id="257" r:id="rId5"/>
     <p:sldId id="262" r:id="rId6"/>
-    <p:sldId id="256" r:id="rId7"/>
+    <p:sldId id="263" r:id="rId7"/>
+    <p:sldId id="256" r:id="rId8"/>
   </p:sldIdLst>
   <p:sldSz cx="12192000" cy="6858000"/>
   <p:notesSz cx="6797675" cy="9926638"/>
@@ -248,7 +249,7 @@
           <a:p>
             <a:fld id="{FC92A4BB-39BE-403C-A496-EAAF42256EA7}" type="datetimeFigureOut">
               <a:rPr lang="en-SG" smtClean="0"/>
-              <a:t>15/2/2019</a:t>
+              <a:t>20/2/2019</a:t>
             </a:fld>
             <a:endParaRPr lang="en-SG"/>
           </a:p>
@@ -413,7 +414,7 @@
           <a:p>
             <a:fld id="{FC92A4BB-39BE-403C-A496-EAAF42256EA7}" type="datetimeFigureOut">
               <a:rPr lang="en-SG" smtClean="0"/>
-              <a:t>15/2/2019</a:t>
+              <a:t>20/2/2019</a:t>
             </a:fld>
             <a:endParaRPr lang="en-SG"/>
           </a:p>
@@ -588,7 +589,7 @@
           <a:p>
             <a:fld id="{FC92A4BB-39BE-403C-A496-EAAF42256EA7}" type="datetimeFigureOut">
               <a:rPr lang="en-SG" smtClean="0"/>
-              <a:t>15/2/2019</a:t>
+              <a:t>20/2/2019</a:t>
             </a:fld>
             <a:endParaRPr lang="en-SG"/>
           </a:p>
@@ -753,7 +754,7 @@
           <a:p>
             <a:fld id="{FC92A4BB-39BE-403C-A496-EAAF42256EA7}" type="datetimeFigureOut">
               <a:rPr lang="en-SG" smtClean="0"/>
-              <a:t>15/2/2019</a:t>
+              <a:t>20/2/2019</a:t>
             </a:fld>
             <a:endParaRPr lang="en-SG"/>
           </a:p>
@@ -994,7 +995,7 @@
           <a:p>
             <a:fld id="{FC92A4BB-39BE-403C-A496-EAAF42256EA7}" type="datetimeFigureOut">
               <a:rPr lang="en-SG" smtClean="0"/>
-              <a:t>15/2/2019</a:t>
+              <a:t>20/2/2019</a:t>
             </a:fld>
             <a:endParaRPr lang="en-SG"/>
           </a:p>
@@ -1221,7 +1222,7 @@
           <a:p>
             <a:fld id="{FC92A4BB-39BE-403C-A496-EAAF42256EA7}" type="datetimeFigureOut">
               <a:rPr lang="en-SG" smtClean="0"/>
-              <a:t>15/2/2019</a:t>
+              <a:t>20/2/2019</a:t>
             </a:fld>
             <a:endParaRPr lang="en-SG"/>
           </a:p>
@@ -1583,7 +1584,7 @@
           <a:p>
             <a:fld id="{FC92A4BB-39BE-403C-A496-EAAF42256EA7}" type="datetimeFigureOut">
               <a:rPr lang="en-SG" smtClean="0"/>
-              <a:t>15/2/2019</a:t>
+              <a:t>20/2/2019</a:t>
             </a:fld>
             <a:endParaRPr lang="en-SG"/>
           </a:p>
@@ -1696,7 +1697,7 @@
           <a:p>
             <a:fld id="{FC92A4BB-39BE-403C-A496-EAAF42256EA7}" type="datetimeFigureOut">
               <a:rPr lang="en-SG" smtClean="0"/>
-              <a:t>15/2/2019</a:t>
+              <a:t>20/2/2019</a:t>
             </a:fld>
             <a:endParaRPr lang="en-SG"/>
           </a:p>
@@ -1786,7 +1787,7 @@
           <a:p>
             <a:fld id="{FC92A4BB-39BE-403C-A496-EAAF42256EA7}" type="datetimeFigureOut">
               <a:rPr lang="en-SG" smtClean="0"/>
-              <a:t>15/2/2019</a:t>
+              <a:t>20/2/2019</a:t>
             </a:fld>
             <a:endParaRPr lang="en-SG"/>
           </a:p>
@@ -2058,7 +2059,7 @@
           <a:p>
             <a:fld id="{FC92A4BB-39BE-403C-A496-EAAF42256EA7}" type="datetimeFigureOut">
               <a:rPr lang="en-SG" smtClean="0"/>
-              <a:t>15/2/2019</a:t>
+              <a:t>20/2/2019</a:t>
             </a:fld>
             <a:endParaRPr lang="en-SG"/>
           </a:p>
@@ -2306,7 +2307,7 @@
           <a:p>
             <a:fld id="{FC92A4BB-39BE-403C-A496-EAAF42256EA7}" type="datetimeFigureOut">
               <a:rPr lang="en-SG" smtClean="0"/>
-              <a:t>15/2/2019</a:t>
+              <a:t>20/2/2019</a:t>
             </a:fld>
             <a:endParaRPr lang="en-SG"/>
           </a:p>
@@ -2514,7 +2515,7 @@
           <a:p>
             <a:fld id="{FC92A4BB-39BE-403C-A496-EAAF42256EA7}" type="datetimeFigureOut">
               <a:rPr lang="en-SG" smtClean="0"/>
-              <a:t>15/2/2019</a:t>
+              <a:t>20/2/2019</a:t>
             </a:fld>
             <a:endParaRPr lang="en-SG"/>
           </a:p>
@@ -13662,7 +13663,7 @@
         </p:spPr>
         <p:txBody>
           <a:bodyPr>
-            <a:normAutofit fontScale="70000" lnSpcReduction="20000"/>
+            <a:normAutofit fontScale="92500" lnSpcReduction="20000"/>
           </a:bodyPr>
           <a:lstStyle/>
           <a:p>
@@ -13676,11 +13677,7 @@
             </a:r>
             <a:r>
               <a:rPr lang="en-US" dirty="0" smtClean="0"/>
-              <a:t> </a:t>
-            </a:r>
-            <a:r>
-              <a:rPr lang="en-US" dirty="0" smtClean="0"/>
-              <a:t>to write  _our_ annotated VCF to disk and read back</a:t>
+              <a:t> to write  _our_ annotated VCF to disk and read back</a:t>
             </a:r>
           </a:p>
           <a:p>
@@ -13699,15 +13696,27 @@
           </a:p>
           <a:p>
             <a:r>
-              <a:rPr lang="en-US" dirty="0" smtClean="0"/>
+              <a:rPr lang="en-US" dirty="0" smtClean="0">
+                <a:solidFill>
+                  <a:srgbClr val="FF0000"/>
+                </a:solidFill>
+              </a:rPr>
               <a:t>High </a:t>
             </a:r>
             <a:r>
-              <a:rPr lang="en-US" dirty="0" err="1" smtClean="0"/>
+              <a:rPr lang="en-US" dirty="0" err="1" smtClean="0">
+                <a:solidFill>
+                  <a:srgbClr val="FF0000"/>
+                </a:solidFill>
+              </a:rPr>
               <a:t>Fn</a:t>
             </a:r>
             <a:r>
-              <a:rPr lang="en-US" dirty="0" smtClean="0"/>
+              <a:rPr lang="en-US" dirty="0" smtClean="0">
+                <a:solidFill>
+                  <a:srgbClr val="FF0000"/>
+                </a:solidFill>
+              </a:rPr>
               <a:t> </a:t>
             </a:r>
             <a:r>
@@ -13716,17 +13725,30 @@
             </a:r>
             <a:r>
               <a:rPr lang="en-US" dirty="0"/>
-              <a:t>normalize (any opportunity to another)</a:t>
-            </a:r>
-          </a:p>
-          <a:p>
+              <a:t>normalize (any opportunity to another</a:t>
+            </a:r>
             <a:r>
               <a:rPr lang="en-US" dirty="0" smtClean="0"/>
-              <a:t>Med Fun </a:t>
-            </a:r>
+              <a:t>) with </a:t>
+            </a:r>
+            <a:r>
+              <a:rPr lang="en-US" dirty="0" smtClean="0">
+                <a:solidFill>
+                  <a:srgbClr val="FF0000"/>
+                </a:solidFill>
+              </a:rPr>
+              <a:t>Steve</a:t>
+            </a:r>
+            <a:endParaRPr lang="en-US" dirty="0">
+              <a:solidFill>
+                <a:srgbClr val="FF0000"/>
+              </a:solidFill>
+            </a:endParaRPr>
+          </a:p>
+          <a:p>
             <a:r>
               <a:rPr lang="en-US" dirty="0" smtClean="0"/>
-              <a:t>to Calculate </a:t>
+              <a:t>Med Fun to Calculate </a:t>
             </a:r>
             <a:r>
               <a:rPr lang="en-US" dirty="0"/>
@@ -13740,11 +13762,7 @@
           <a:p>
             <a:r>
               <a:rPr lang="en-US" dirty="0" smtClean="0"/>
-              <a:t>High Get </a:t>
-            </a:r>
-            <a:r>
-              <a:rPr lang="en-US" dirty="0" smtClean="0"/>
-              <a:t>all </a:t>
+              <a:t>High Get all </a:t>
             </a:r>
             <a:r>
               <a:rPr lang="en-US" dirty="0"/>
@@ -13776,134 +13794,53 @@
             </a:r>
             <a:r>
               <a:rPr lang="en-US" dirty="0" smtClean="0"/>
-              <a:t> and put them in the package</a:t>
+              <a:t> and </a:t>
+            </a:r>
+            <a:r>
+              <a:rPr lang="en-US" dirty="0" smtClean="0">
+                <a:solidFill>
+                  <a:srgbClr val="FF0000"/>
+                </a:solidFill>
+              </a:rPr>
+              <a:t>put them in the package</a:t>
             </a:r>
           </a:p>
           <a:p>
             <a:r>
               <a:rPr lang="en-US" dirty="0" smtClean="0"/>
-              <a:t>High Expand </a:t>
-            </a:r>
-            <a:r>
-              <a:rPr lang="en-US" dirty="0" smtClean="0"/>
-              <a:t>package for </a:t>
-            </a:r>
-            <a:r>
-              <a:rPr lang="en-US" dirty="0" err="1" smtClean="0"/>
+              <a:t>High Expand package </a:t>
+            </a:r>
+            <a:r>
+              <a:rPr lang="en-US" dirty="0" smtClean="0">
+                <a:solidFill>
+                  <a:srgbClr val="FF0000"/>
+                </a:solidFill>
+              </a:rPr>
+              <a:t>for </a:t>
+            </a:r>
+            <a:r>
+              <a:rPr lang="en-US" dirty="0" err="1" smtClean="0">
+                <a:solidFill>
+                  <a:srgbClr val="FF0000"/>
+                </a:solidFill>
+              </a:rPr>
               <a:t>GRCh38</a:t>
             </a:r>
             <a:r>
-              <a:rPr lang="en-US" dirty="0" smtClean="0"/>
+              <a:rPr lang="en-US" dirty="0" smtClean="0">
+                <a:solidFill>
+                  <a:srgbClr val="FF0000"/>
+                </a:solidFill>
+              </a:rPr>
               <a:t>, </a:t>
             </a:r>
             <a:r>
-              <a:rPr lang="en-US" dirty="0" err="1" smtClean="0"/>
+              <a:rPr lang="en-US" dirty="0" err="1" smtClean="0">
+                <a:solidFill>
+                  <a:srgbClr val="FF0000"/>
+                </a:solidFill>
+              </a:rPr>
               <a:t>MM10</a:t>
-            </a:r>
-            <a:endParaRPr lang="en-US" dirty="0" smtClean="0"/>
-          </a:p>
-          <a:p>
-            <a:r>
-              <a:rPr lang="en-US" dirty="0" smtClean="0"/>
-              <a:t>Low</a:t>
-            </a:r>
-            <a:r>
-              <a:rPr lang="en-US" dirty="0" smtClean="0"/>
-              <a:t> Write </a:t>
-            </a:r>
-            <a:r>
-              <a:rPr lang="en-US" dirty="0" err="1" smtClean="0"/>
-              <a:t>Test</a:t>
-            </a:r>
-            <a:r>
-              <a:rPr lang="en-US" dirty="0" err="1" smtClean="0">
-                <a:solidFill>
-                  <a:srgbClr val="FF0000"/>
-                </a:solidFill>
-              </a:rPr>
-              <a:t>Strelka</a:t>
-            </a:r>
-            <a:r>
-              <a:rPr lang="en-US" dirty="0" err="1" smtClean="0"/>
-              <a:t>VCFToCatalog</a:t>
-            </a:r>
-            <a:r>
-              <a:rPr lang="en-US" dirty="0" smtClean="0"/>
-              <a:t> (incl. plotting) and </a:t>
-            </a:r>
-            <a:r>
-              <a:rPr lang="en-US" dirty="0"/>
-              <a:t>check against </a:t>
-            </a:r>
-            <a:r>
-              <a:rPr lang="en-US" dirty="0" smtClean="0"/>
-              <a:t>Arnoud – this the carboplatin </a:t>
-            </a:r>
-            <a:r>
-              <a:rPr lang="en-US" dirty="0" err="1" smtClean="0"/>
-              <a:t>vcf</a:t>
-            </a:r>
-            <a:endParaRPr lang="en-US" dirty="0" smtClean="0"/>
-          </a:p>
-          <a:p>
-            <a:r>
-              <a:rPr lang="en-US" smtClean="0"/>
-              <a:t>Low</a:t>
-            </a:r>
-            <a:r>
-              <a:rPr lang="en-US" smtClean="0"/>
-              <a:t> </a:t>
-            </a:r>
-            <a:r>
-              <a:rPr lang="en-US" dirty="0" smtClean="0"/>
-              <a:t>Write </a:t>
-            </a:r>
-            <a:r>
-              <a:rPr lang="en-US" dirty="0" smtClean="0"/>
-              <a:t>and test </a:t>
-            </a:r>
-            <a:r>
-              <a:rPr lang="en-US" dirty="0" err="1" smtClean="0"/>
-              <a:t>ReadAndSplitStrelkaSNSVCFs</a:t>
-            </a:r>
-            <a:r>
-              <a:rPr lang="en-US" dirty="0" smtClean="0"/>
-              <a:t>, </a:t>
-            </a:r>
-            <a:r>
-              <a:rPr lang="en-US" dirty="0" err="1" smtClean="0"/>
-              <a:t>ReadAndSplitMutectVCFs</a:t>
-            </a:r>
-            <a:endParaRPr lang="en-US" dirty="0" smtClean="0"/>
-          </a:p>
-          <a:p>
-            <a:r>
-              <a:rPr lang="en-US" dirty="0" smtClean="0"/>
-              <a:t>High </a:t>
-            </a:r>
-            <a:r>
-              <a:rPr lang="en-US" dirty="0" smtClean="0"/>
-              <a:t>Make </a:t>
-            </a:r>
-            <a:r>
-              <a:rPr lang="en-US" dirty="0" smtClean="0"/>
-              <a:t>the canonical row order data public (needed by people who write function to go from other formats to the standard format</a:t>
-            </a:r>
-            <a:r>
-              <a:rPr lang="en-US" dirty="0"/>
-              <a:t>), </a:t>
-            </a:r>
-            <a:r>
-              <a:rPr lang="en-US" dirty="0" smtClean="0"/>
-              <a:t>and separate different kinds of global data into separate man pages, e.g. one for row orders and row headers, one for abundance, one for transcript ranges, one for </a:t>
-            </a:r>
-            <a:r>
-              <a:rPr lang="en-US" dirty="0" smtClean="0">
-                <a:solidFill>
-                  <a:srgbClr val="FF0000"/>
-                </a:solidFill>
-              </a:rPr>
-              <a:t>plotting-reordering, one is empty cats; red ones hidden</a:t>
             </a:r>
             <a:endParaRPr lang="en-US" dirty="0" smtClean="0">
               <a:solidFill>
@@ -13914,15 +13851,65 @@
           <a:p>
             <a:r>
               <a:rPr lang="en-US" dirty="0" smtClean="0"/>
-              <a:t>Med </a:t>
+              <a:t>Low Write </a:t>
+            </a:r>
+            <a:r>
+              <a:rPr lang="en-US" dirty="0" err="1" smtClean="0"/>
+              <a:t>Test</a:t>
+            </a:r>
+            <a:r>
+              <a:rPr lang="en-US" dirty="0" err="1" smtClean="0">
+                <a:solidFill>
+                  <a:srgbClr val="FF0000"/>
+                </a:solidFill>
+              </a:rPr>
+              <a:t>Strelka</a:t>
+            </a:r>
+            <a:r>
+              <a:rPr lang="en-US" dirty="0" err="1" smtClean="0"/>
+              <a:t>VCFToCatalog</a:t>
             </a:r>
             <a:r>
               <a:rPr lang="en-US" dirty="0" smtClean="0"/>
-              <a:t>Other </a:t>
+              <a:t> (incl. plotting) and </a:t>
+            </a:r>
+            <a:r>
+              <a:rPr lang="en-US" dirty="0"/>
+              <a:t>check against </a:t>
             </a:r>
             <a:r>
               <a:rPr lang="en-US" dirty="0" smtClean="0"/>
-              <a:t>comments on manual / discuss w/ steve</a:t>
+              <a:t>Arnoud – this the carboplatin </a:t>
+            </a:r>
+            <a:r>
+              <a:rPr lang="en-US" dirty="0" err="1" smtClean="0"/>
+              <a:t>vcf</a:t>
+            </a:r>
+            <a:endParaRPr lang="en-US" dirty="0" smtClean="0"/>
+          </a:p>
+          <a:p>
+            <a:r>
+              <a:rPr lang="en-US" dirty="0" smtClean="0"/>
+              <a:t>Low Write and test </a:t>
+            </a:r>
+            <a:r>
+              <a:rPr lang="en-US" dirty="0" err="1" smtClean="0"/>
+              <a:t>ReadAndSplitStrelkaSNSVCFs</a:t>
+            </a:r>
+            <a:r>
+              <a:rPr lang="en-US" dirty="0" smtClean="0"/>
+              <a:t>, </a:t>
+            </a:r>
+            <a:r>
+              <a:rPr lang="en-US" dirty="0" err="1" smtClean="0"/>
+              <a:t>ReadAndSplitMutectVCFs</a:t>
+            </a:r>
+            <a:endParaRPr lang="en-US" dirty="0" smtClean="0"/>
+          </a:p>
+          <a:p>
+            <a:r>
+              <a:rPr lang="en-US" dirty="0" smtClean="0"/>
+              <a:t>Med Other comments on manual / discuss w/ steve</a:t>
             </a:r>
             <a:endParaRPr lang="en-US" dirty="0"/>
           </a:p>
@@ -14156,6 +14143,370 @@
 </file>
 
 <file path=ppt/slides/slide6.xml><?xml version="1.0" encoding="utf-8"?>
+<p:sld xmlns:a="http://schemas.openxmlformats.org/drawingml/2006/main" xmlns:r="http://schemas.openxmlformats.org/officeDocument/2006/relationships" xmlns:p="http://schemas.openxmlformats.org/presentationml/2006/main">
+  <p:cSld>
+    <p:spTree>
+      <p:nvGrpSpPr>
+        <p:cNvPr id="1" name=""/>
+        <p:cNvGrpSpPr/>
+        <p:nvPr/>
+      </p:nvGrpSpPr>
+      <p:grpSpPr>
+        <a:xfrm>
+          <a:off x="0" y="0"/>
+          <a:ext cx="0" cy="0"/>
+          <a:chOff x="0" y="0"/>
+          <a:chExt cx="0" cy="0"/>
+        </a:xfrm>
+      </p:grpSpPr>
+      <p:sp>
+        <p:nvSpPr>
+          <p:cNvPr id="2" name="Title 1"/>
+          <p:cNvSpPr>
+            <a:spLocks noGrp="1"/>
+          </p:cNvSpPr>
+          <p:nvPr>
+            <p:ph type="title"/>
+          </p:nvPr>
+        </p:nvSpPr>
+        <p:spPr/>
+        <p:txBody>
+          <a:bodyPr/>
+          <a:lstStyle/>
+          <a:p>
+            <a:r>
+              <a:rPr lang="en-US" dirty="0" smtClean="0"/>
+              <a:t>Extended sequence context 	</a:t>
+            </a:r>
+            <a:endParaRPr lang="en-US" dirty="0"/>
+          </a:p>
+        </p:txBody>
+      </p:sp>
+      <p:sp>
+        <p:nvSpPr>
+          <p:cNvPr id="3" name="Content Placeholder 2"/>
+          <p:cNvSpPr>
+            <a:spLocks noGrp="1"/>
+          </p:cNvSpPr>
+          <p:nvPr>
+            <p:ph idx="1"/>
+          </p:nvPr>
+        </p:nvSpPr>
+        <p:spPr/>
+        <p:txBody>
+          <a:bodyPr>
+            <a:normAutofit fontScale="77500" lnSpcReduction="20000"/>
+          </a:bodyPr>
+          <a:lstStyle/>
+          <a:p>
+            <a:r>
+              <a:rPr lang="en-US" dirty="0" smtClean="0"/>
+              <a:t>“Line – dot” diagrams (coordinate w/ Mo)</a:t>
+            </a:r>
+          </a:p>
+          <a:p>
+            <a:r>
+              <a:rPr lang="en-US" dirty="0" smtClean="0"/>
+              <a:t>Binomial test:</a:t>
+            </a:r>
+          </a:p>
+          <a:p>
+            <a:pPr lvl="1"/>
+            <a:r>
+              <a:rPr lang="en-US" dirty="0" smtClean="0"/>
+              <a:t>Possibility 1: 1536 eg</a:t>
+            </a:r>
+          </a:p>
+          <a:p>
+            <a:pPr marL="457200" lvl="1" indent="0">
+              <a:buNone/>
+            </a:pPr>
+            <a:r>
+              <a:rPr lang="en-US" dirty="0" smtClean="0"/>
+              <a:t>Question is there enrichment for specific bases more than </a:t>
+            </a:r>
+            <a:r>
+              <a:rPr lang="en-US" dirty="0" err="1" smtClean="0"/>
+              <a:t>1bp</a:t>
+            </a:r>
+            <a:r>
+              <a:rPr lang="en-US" dirty="0" smtClean="0"/>
+              <a:t> from mutation site?</a:t>
+            </a:r>
+          </a:p>
+          <a:p>
+            <a:pPr marL="457200" lvl="1" indent="0">
+              <a:buNone/>
+            </a:pPr>
+            <a:r>
+              <a:rPr lang="en-US" dirty="0" smtClean="0"/>
+              <a:t>Eg counts of </a:t>
+            </a:r>
+            <a:r>
+              <a:rPr lang="en-US" dirty="0" err="1" smtClean="0"/>
+              <a:t>CNTNC</a:t>
+            </a:r>
+            <a:r>
+              <a:rPr lang="en-US" dirty="0" smtClean="0"/>
+              <a:t> &gt; </a:t>
+            </a:r>
+            <a:r>
+              <a:rPr lang="en-US" dirty="0" err="1" smtClean="0"/>
+              <a:t>CNANC</a:t>
+            </a:r>
+            <a:r>
+              <a:rPr lang="en-US" dirty="0" smtClean="0"/>
+              <a:t> as proportion of counts of all T &gt; A, compared to </a:t>
+            </a:r>
+            <a:r>
+              <a:rPr lang="en-US" dirty="0" err="1" smtClean="0"/>
+              <a:t>genomewide</a:t>
+            </a:r>
+            <a:r>
+              <a:rPr lang="en-US" dirty="0" smtClean="0"/>
+              <a:t> proportion of </a:t>
+            </a:r>
+            <a:r>
+              <a:rPr lang="en-US" dirty="0" err="1" smtClean="0"/>
+              <a:t>CNTNC</a:t>
+            </a:r>
+            <a:r>
+              <a:rPr lang="en-US" dirty="0" smtClean="0"/>
+              <a:t> versus </a:t>
+            </a:r>
+            <a:r>
+              <a:rPr lang="en-US" dirty="0" err="1" smtClean="0"/>
+              <a:t>NNTNN</a:t>
+            </a:r>
+            <a:endParaRPr lang="en-US" dirty="0" smtClean="0"/>
+          </a:p>
+          <a:p>
+            <a:pPr marL="457200" lvl="1" indent="0">
+              <a:buNone/>
+            </a:pPr>
+            <a:endParaRPr lang="en-US" dirty="0"/>
+          </a:p>
+          <a:p>
+            <a:pPr marL="457200" lvl="1" indent="0">
+              <a:buNone/>
+            </a:pPr>
+            <a:r>
+              <a:rPr lang="en-US" dirty="0" smtClean="0"/>
+              <a:t>Variation 1: counts of </a:t>
+            </a:r>
+            <a:r>
+              <a:rPr lang="en-US" dirty="0" err="1" smtClean="0"/>
+              <a:t>CATGC</a:t>
+            </a:r>
+            <a:r>
+              <a:rPr lang="en-US" dirty="0" smtClean="0"/>
+              <a:t> &gt; </a:t>
+            </a:r>
+            <a:r>
+              <a:rPr lang="en-US" dirty="0" err="1" smtClean="0"/>
+              <a:t>CAAGC</a:t>
+            </a:r>
+            <a:r>
+              <a:rPr lang="en-US" dirty="0" smtClean="0"/>
+              <a:t> as portion of ATG &gt; AAG</a:t>
+            </a:r>
+          </a:p>
+          <a:p>
+            <a:pPr marL="457200" lvl="1" indent="0">
+              <a:buNone/>
+            </a:pPr>
+            <a:endParaRPr lang="en-US" dirty="0"/>
+          </a:p>
+          <a:p>
+            <a:pPr marL="457200" lvl="1" indent="0">
+              <a:buNone/>
+            </a:pPr>
+            <a:r>
+              <a:rPr lang="en-US" dirty="0" smtClean="0"/>
+              <a:t>Variation 2 </a:t>
+            </a:r>
+            <a:r>
+              <a:rPr lang="en-US" dirty="0" smtClean="0">
+                <a:solidFill>
+                  <a:srgbClr val="FF0000"/>
+                </a:solidFill>
+              </a:rPr>
+              <a:t>TRY FIRST</a:t>
+            </a:r>
+            <a:r>
+              <a:rPr lang="en-US" dirty="0" smtClean="0"/>
+              <a:t> counts of </a:t>
+            </a:r>
+            <a:r>
+              <a:rPr lang="en-US" dirty="0" err="1" smtClean="0"/>
+              <a:t>CNTNN</a:t>
+            </a:r>
+            <a:r>
+              <a:rPr lang="en-US" dirty="0" smtClean="0"/>
+              <a:t> &gt; </a:t>
+            </a:r>
+            <a:r>
+              <a:rPr lang="en-US" dirty="0" err="1" smtClean="0"/>
+              <a:t>CNANN</a:t>
+            </a:r>
+            <a:r>
+              <a:rPr lang="en-US" dirty="0" smtClean="0"/>
+              <a:t>  as proportion of counts of C &gt; A</a:t>
+            </a:r>
+          </a:p>
+          <a:p>
+            <a:pPr marL="457200" lvl="1" indent="0">
+              <a:buNone/>
+            </a:pPr>
+            <a:r>
+              <a:rPr lang="en-US" dirty="0" smtClean="0"/>
+              <a:t>Compared to genome-wide proportion of </a:t>
+            </a:r>
+            <a:r>
+              <a:rPr lang="en-US" dirty="0" err="1" smtClean="0"/>
+              <a:t>CNTNN</a:t>
+            </a:r>
+            <a:r>
+              <a:rPr lang="en-US" dirty="0" smtClean="0"/>
+              <a:t> of </a:t>
+            </a:r>
+            <a:r>
+              <a:rPr lang="en-US" dirty="0" err="1" smtClean="0"/>
+              <a:t>NNTNN</a:t>
+            </a:r>
+            <a:r>
+              <a:rPr lang="en-US" dirty="0" smtClean="0"/>
+              <a:t>. </a:t>
+            </a:r>
+            <a:r>
+              <a:rPr lang="en-US" dirty="0"/>
+              <a:t> </a:t>
+            </a:r>
+            <a:r>
+              <a:rPr lang="en-US" dirty="0" smtClean="0"/>
+              <a:t>Count(</a:t>
+            </a:r>
+            <a:r>
+              <a:rPr lang="en-US" dirty="0" err="1" smtClean="0"/>
+              <a:t>CNTNN</a:t>
+            </a:r>
+            <a:r>
+              <a:rPr lang="en-US" dirty="0" smtClean="0"/>
+              <a:t>) and count(</a:t>
+            </a:r>
+            <a:r>
+              <a:rPr lang="en-US" dirty="0" err="1" smtClean="0"/>
+              <a:t>NNTNN</a:t>
+            </a:r>
+            <a:r>
+              <a:rPr lang="en-US" dirty="0" smtClean="0"/>
+              <a:t>) versus expect proportion </a:t>
+            </a:r>
+            <a:r>
+              <a:rPr lang="en-US" dirty="0" err="1" smtClean="0"/>
+              <a:t>genome.abundance</a:t>
+            </a:r>
+            <a:r>
+              <a:rPr lang="en-US" dirty="0" smtClean="0"/>
+              <a:t>(</a:t>
+            </a:r>
+            <a:r>
+              <a:rPr lang="en-US" dirty="0" err="1" smtClean="0"/>
+              <a:t>CNTNN</a:t>
+            </a:r>
+            <a:r>
+              <a:rPr lang="en-US" dirty="0" smtClean="0"/>
+              <a:t>)/</a:t>
+            </a:r>
+            <a:r>
+              <a:rPr lang="en-US" dirty="0" err="1" smtClean="0"/>
+              <a:t>genome.abundance</a:t>
+            </a:r>
+            <a:r>
+              <a:rPr lang="en-US" smtClean="0"/>
+              <a:t>(T).</a:t>
+            </a:r>
+            <a:endParaRPr lang="en-US" dirty="0" smtClean="0"/>
+          </a:p>
+          <a:p>
+            <a:pPr marL="457200" lvl="1" indent="0">
+              <a:buNone/>
+            </a:pPr>
+            <a:endParaRPr lang="en-US" dirty="0"/>
+          </a:p>
+          <a:p>
+            <a:pPr marL="457200" lvl="1" indent="0">
+              <a:buNone/>
+            </a:pPr>
+            <a:r>
+              <a:rPr lang="en-US" dirty="0" smtClean="0"/>
+              <a:t>Non: </a:t>
+            </a:r>
+            <a:r>
+              <a:rPr lang="en-US" dirty="0" err="1" smtClean="0"/>
+              <a:t>ICAMS</a:t>
+            </a:r>
+            <a:r>
+              <a:rPr lang="en-US" dirty="0" smtClean="0"/>
+              <a:t> (Mo/long-range) Beyond pentanucleotides, e.g. count(</a:t>
+            </a:r>
+            <a:r>
+              <a:rPr lang="en-US" dirty="0" err="1" smtClean="0"/>
+              <a:t>CNNNT</a:t>
+            </a:r>
+            <a:r>
+              <a:rPr lang="en-US" dirty="0" smtClean="0"/>
+              <a:t> &gt; </a:t>
+            </a:r>
+            <a:r>
+              <a:rPr lang="en-US" dirty="0" err="1" smtClean="0"/>
+              <a:t>CNNNA</a:t>
+            </a:r>
+            <a:r>
+              <a:rPr lang="en-US" dirty="0" smtClean="0"/>
+              <a:t>) versus count(T&gt;A) versus expected proportion, which is </a:t>
+            </a:r>
+            <a:r>
+              <a:rPr lang="en-US" dirty="0" err="1" smtClean="0"/>
+              <a:t>genome.abundance</a:t>
+            </a:r>
+            <a:r>
+              <a:rPr lang="en-US" dirty="0" smtClean="0"/>
+              <a:t>(</a:t>
+            </a:r>
+            <a:r>
+              <a:rPr lang="en-US" dirty="0" err="1" smtClean="0"/>
+              <a:t>CNNNT</a:t>
+            </a:r>
+            <a:r>
+              <a:rPr lang="en-US" dirty="0" smtClean="0"/>
+              <a:t>)/</a:t>
+            </a:r>
+            <a:r>
+              <a:rPr lang="en-US" dirty="0" err="1" smtClean="0"/>
+              <a:t>genome.abundance</a:t>
+            </a:r>
+            <a:r>
+              <a:rPr lang="en-US" dirty="0" smtClean="0"/>
+              <a:t>(T). </a:t>
+            </a:r>
+          </a:p>
+        </p:txBody>
+      </p:sp>
+    </p:spTree>
+    <p:extLst>
+      <p:ext uri="{BB962C8B-B14F-4D97-AF65-F5344CB8AC3E}">
+        <p14:creationId xmlns:p14="http://schemas.microsoft.com/office/powerpoint/2010/main" val="1331114478"/>
+      </p:ext>
+    </p:extLst>
+  </p:cSld>
+  <p:clrMapOvr>
+    <a:masterClrMapping/>
+  </p:clrMapOvr>
+</p:sld>
+</file>
+
+<file path=ppt/slides/slide7.xml><?xml version="1.0" encoding="utf-8"?>
 <p:sld xmlns:a="http://schemas.openxmlformats.org/drawingml/2006/main" xmlns:r="http://schemas.openxmlformats.org/officeDocument/2006/relationships" xmlns:p="http://schemas.openxmlformats.org/presentationml/2006/main">
   <p:cSld>
     <p:spTree>

--- a/data-raw/ICAMS-overview.pptx
+++ b/data-raw/ICAMS-overview.pptx
@@ -249,7 +249,7 @@
           <a:p>
             <a:fld id="{FC92A4BB-39BE-403C-A496-EAAF42256EA7}" type="datetimeFigureOut">
               <a:rPr lang="en-SG" smtClean="0"/>
-              <a:t>20/2/2019</a:t>
+              <a:t>26/2/2019</a:t>
             </a:fld>
             <a:endParaRPr lang="en-SG"/>
           </a:p>
@@ -414,7 +414,7 @@
           <a:p>
             <a:fld id="{FC92A4BB-39BE-403C-A496-EAAF42256EA7}" type="datetimeFigureOut">
               <a:rPr lang="en-SG" smtClean="0"/>
-              <a:t>20/2/2019</a:t>
+              <a:t>26/2/2019</a:t>
             </a:fld>
             <a:endParaRPr lang="en-SG"/>
           </a:p>
@@ -589,7 +589,7 @@
           <a:p>
             <a:fld id="{FC92A4BB-39BE-403C-A496-EAAF42256EA7}" type="datetimeFigureOut">
               <a:rPr lang="en-SG" smtClean="0"/>
-              <a:t>20/2/2019</a:t>
+              <a:t>26/2/2019</a:t>
             </a:fld>
             <a:endParaRPr lang="en-SG"/>
           </a:p>
@@ -754,7 +754,7 @@
           <a:p>
             <a:fld id="{FC92A4BB-39BE-403C-A496-EAAF42256EA7}" type="datetimeFigureOut">
               <a:rPr lang="en-SG" smtClean="0"/>
-              <a:t>20/2/2019</a:t>
+              <a:t>26/2/2019</a:t>
             </a:fld>
             <a:endParaRPr lang="en-SG"/>
           </a:p>
@@ -995,7 +995,7 @@
           <a:p>
             <a:fld id="{FC92A4BB-39BE-403C-A496-EAAF42256EA7}" type="datetimeFigureOut">
               <a:rPr lang="en-SG" smtClean="0"/>
-              <a:t>20/2/2019</a:t>
+              <a:t>26/2/2019</a:t>
             </a:fld>
             <a:endParaRPr lang="en-SG"/>
           </a:p>
@@ -1222,7 +1222,7 @@
           <a:p>
             <a:fld id="{FC92A4BB-39BE-403C-A496-EAAF42256EA7}" type="datetimeFigureOut">
               <a:rPr lang="en-SG" smtClean="0"/>
-              <a:t>20/2/2019</a:t>
+              <a:t>26/2/2019</a:t>
             </a:fld>
             <a:endParaRPr lang="en-SG"/>
           </a:p>
@@ -1584,7 +1584,7 @@
           <a:p>
             <a:fld id="{FC92A4BB-39BE-403C-A496-EAAF42256EA7}" type="datetimeFigureOut">
               <a:rPr lang="en-SG" smtClean="0"/>
-              <a:t>20/2/2019</a:t>
+              <a:t>26/2/2019</a:t>
             </a:fld>
             <a:endParaRPr lang="en-SG"/>
           </a:p>
@@ -1697,7 +1697,7 @@
           <a:p>
             <a:fld id="{FC92A4BB-39BE-403C-A496-EAAF42256EA7}" type="datetimeFigureOut">
               <a:rPr lang="en-SG" smtClean="0"/>
-              <a:t>20/2/2019</a:t>
+              <a:t>26/2/2019</a:t>
             </a:fld>
             <a:endParaRPr lang="en-SG"/>
           </a:p>
@@ -1787,7 +1787,7 @@
           <a:p>
             <a:fld id="{FC92A4BB-39BE-403C-A496-EAAF42256EA7}" type="datetimeFigureOut">
               <a:rPr lang="en-SG" smtClean="0"/>
-              <a:t>20/2/2019</a:t>
+              <a:t>26/2/2019</a:t>
             </a:fld>
             <a:endParaRPr lang="en-SG"/>
           </a:p>
@@ -2059,7 +2059,7 @@
           <a:p>
             <a:fld id="{FC92A4BB-39BE-403C-A496-EAAF42256EA7}" type="datetimeFigureOut">
               <a:rPr lang="en-SG" smtClean="0"/>
-              <a:t>20/2/2019</a:t>
+              <a:t>26/2/2019</a:t>
             </a:fld>
             <a:endParaRPr lang="en-SG"/>
           </a:p>
@@ -2307,7 +2307,7 @@
           <a:p>
             <a:fld id="{FC92A4BB-39BE-403C-A496-EAAF42256EA7}" type="datetimeFigureOut">
               <a:rPr lang="en-SG" smtClean="0"/>
-              <a:t>20/2/2019</a:t>
+              <a:t>26/2/2019</a:t>
             </a:fld>
             <a:endParaRPr lang="en-SG"/>
           </a:p>
@@ -2515,7 +2515,7 @@
           <a:p>
             <a:fld id="{FC92A4BB-39BE-403C-A496-EAAF42256EA7}" type="datetimeFigureOut">
               <a:rPr lang="en-SG" smtClean="0"/>
-              <a:t>20/2/2019</a:t>
+              <a:t>26/2/2019</a:t>
             </a:fld>
             <a:endParaRPr lang="en-SG"/>
           </a:p>
@@ -3950,36 +3950,6 @@
       </p:sp>
       <p:sp>
         <p:nvSpPr>
-          <p:cNvPr id="95" name="TextBox 94"/>
-          <p:cNvSpPr txBox="1"/>
-          <p:nvPr/>
-        </p:nvSpPr>
-        <p:spPr>
-          <a:xfrm>
-            <a:off x="8521694" y="2415472"/>
-            <a:ext cx="555954" cy="365881"/>
-          </a:xfrm>
-          <a:prstGeom prst="rect">
-            <a:avLst/>
-          </a:prstGeom>
-          <a:noFill/>
-        </p:spPr>
-        <p:txBody>
-          <a:bodyPr wrap="square" rtlCol="0">
-            <a:spAutoFit/>
-          </a:bodyPr>
-          <a:lstStyle/>
-          <a:p>
-            <a:r>
-              <a:rPr lang="en-US" dirty="0" smtClean="0"/>
-              <a:t>SGR</a:t>
-            </a:r>
-            <a:endParaRPr lang="en-US" dirty="0"/>
-          </a:p>
-        </p:txBody>
-      </p:sp>
-      <p:sp>
-        <p:nvSpPr>
           <p:cNvPr id="105" name="Freeform 104"/>
           <p:cNvSpPr/>
           <p:nvPr/>
@@ -4452,8 +4422,8 @@
         </p:nvSpPr>
         <p:spPr>
           <a:xfrm>
-            <a:off x="3391950" y="1008291"/>
-            <a:ext cx="2990499" cy="369332"/>
+            <a:off x="693794" y="1706478"/>
+            <a:ext cx="2883097" cy="369332"/>
           </a:xfrm>
           <a:prstGeom prst="rect">
             <a:avLst/>
@@ -4467,14 +4437,18 @@
           <a:lstStyle/>
           <a:p>
             <a:r>
-              <a:rPr lang="en-US" dirty="0" smtClean="0"/>
-              <a:t>?</a:t>
-            </a:r>
-            <a:r>
-              <a:rPr lang="en-US" dirty="0" err="1" smtClean="0"/>
+              <a:rPr lang="en-US" dirty="0" err="1" smtClean="0">
+                <a:solidFill>
+                  <a:srgbClr val="FF0000"/>
+                </a:solidFill>
+              </a:rPr>
               <a:t>ReadAndSplitStrelkaSNSVCFs</a:t>
             </a:r>
-            <a:endParaRPr lang="en-US" dirty="0"/>
+            <a:endParaRPr lang="en-US" dirty="0">
+              <a:solidFill>
+                <a:srgbClr val="FF0000"/>
+              </a:solidFill>
+            </a:endParaRPr>
           </a:p>
         </p:txBody>
       </p:sp>
@@ -4487,7 +4461,7 @@
         <p:spPr>
           <a:xfrm>
             <a:off x="8299175" y="1040293"/>
-            <a:ext cx="2042034" cy="369332"/>
+            <a:ext cx="1934632" cy="369332"/>
           </a:xfrm>
           <a:prstGeom prst="rect">
             <a:avLst/>
@@ -4501,14 +4475,18 @@
           <a:lstStyle/>
           <a:p>
             <a:r>
-              <a:rPr lang="en-US" dirty="0" smtClean="0"/>
-              <a:t>?</a:t>
-            </a:r>
-            <a:r>
-              <a:rPr lang="en-US" dirty="0" err="1" smtClean="0"/>
+              <a:rPr lang="en-US" dirty="0" err="1" smtClean="0">
+                <a:solidFill>
+                  <a:srgbClr val="FF0000"/>
+                </a:solidFill>
+              </a:rPr>
               <a:t>ReadStrelkaIDVCFs</a:t>
             </a:r>
-            <a:endParaRPr lang="en-US" dirty="0"/>
+            <a:endParaRPr lang="en-US" dirty="0">
+              <a:solidFill>
+                <a:srgbClr val="FF0000"/>
+              </a:solidFill>
+            </a:endParaRPr>
           </a:p>
         </p:txBody>
       </p:sp>
@@ -4613,7 +4591,7 @@
         <p:spPr>
           <a:xfrm>
             <a:off x="2868570" y="2680138"/>
-            <a:ext cx="1815690" cy="307777"/>
+            <a:ext cx="1673792" cy="307777"/>
           </a:xfrm>
           <a:prstGeom prst="rect">
             <a:avLst/>
@@ -4627,10 +4605,18 @@
           <a:lstStyle/>
           <a:p>
             <a:r>
-              <a:rPr lang="en-US" sz="1400" dirty="0" err="1"/>
-              <a:t>ReadListOfStrelkaVCFs</a:t>
-            </a:r>
-            <a:endParaRPr lang="en-US" sz="1400" dirty="0"/>
+              <a:rPr lang="en-US" sz="1400" dirty="0" err="1" smtClean="0">
+                <a:solidFill>
+                  <a:srgbClr val="FF0000"/>
+                </a:solidFill>
+              </a:rPr>
+              <a:t>ReadStrelkaSNSVCFs</a:t>
+            </a:r>
+            <a:endParaRPr lang="en-US" sz="1400" dirty="0">
+              <a:solidFill>
+                <a:srgbClr val="FF0000"/>
+              </a:solidFill>
+            </a:endParaRPr>
           </a:p>
         </p:txBody>
       </p:sp>
@@ -4643,7 +4629,7 @@
         <p:spPr>
           <a:xfrm>
             <a:off x="2868570" y="3611805"/>
-            <a:ext cx="1770741" cy="307777"/>
+            <a:ext cx="2048446" cy="307777"/>
           </a:xfrm>
           <a:prstGeom prst="rect">
             <a:avLst/>
@@ -4658,7 +4644,7 @@
           <a:p>
             <a:r>
               <a:rPr lang="en-US" sz="1400" dirty="0" err="1" smtClean="0"/>
-              <a:t>SplitListOfStrelkaVCFs</a:t>
+              <a:t>SplitListOfStrelkaSNSVCFs</a:t>
             </a:r>
             <a:endParaRPr lang="en-US" sz="1400" dirty="0"/>
           </a:p>
@@ -6178,7 +6164,7 @@
         <p:spPr>
           <a:xfrm>
             <a:off x="4657398" y="964854"/>
-            <a:ext cx="2675989" cy="369332"/>
+            <a:ext cx="4320413" cy="369332"/>
           </a:xfrm>
           <a:prstGeom prst="rect">
             <a:avLst/>
@@ -6192,14 +6178,26 @@
           <a:lstStyle/>
           <a:p>
             <a:r>
-              <a:rPr lang="en-US" dirty="0" smtClean="0"/>
-              <a:t>?</a:t>
-            </a:r>
-            <a:r>
-              <a:rPr lang="en-US" dirty="0" err="1" smtClean="0"/>
+              <a:rPr lang="en-US" dirty="0" err="1" smtClean="0">
+                <a:solidFill>
+                  <a:srgbClr val="FF0000"/>
+                </a:solidFill>
+              </a:rPr>
               <a:t>ReadAndSplitMutectVCFs</a:t>
             </a:r>
-            <a:endParaRPr lang="en-US" dirty="0"/>
+            <a:r>
+              <a:rPr lang="en-US" dirty="0" smtClean="0">
+                <a:solidFill>
+                  <a:srgbClr val="FF0000"/>
+                </a:solidFill>
+              </a:rPr>
+              <a:t> (Nanhai to create)</a:t>
+            </a:r>
+            <a:endParaRPr lang="en-US" dirty="0">
+              <a:solidFill>
+                <a:srgbClr val="FF0000"/>
+              </a:solidFill>
+            </a:endParaRPr>
           </a:p>
         </p:txBody>
       </p:sp>
@@ -6308,7 +6306,7 @@
         <p:spPr>
           <a:xfrm>
             <a:off x="2288252" y="2063031"/>
-            <a:ext cx="1849674" cy="307777"/>
+            <a:ext cx="1430071" cy="307777"/>
           </a:xfrm>
           <a:prstGeom prst="rect">
             <a:avLst/>
@@ -6322,10 +6320,18 @@
           <a:lstStyle/>
           <a:p>
             <a:r>
-              <a:rPr lang="en-US" sz="1400" dirty="0" err="1"/>
-              <a:t>ReadListOfMutectVCFs</a:t>
-            </a:r>
-            <a:endParaRPr lang="en-US" sz="1400" dirty="0"/>
+              <a:rPr lang="en-US" sz="1400" dirty="0" err="1" smtClean="0">
+                <a:solidFill>
+                  <a:srgbClr val="FF0000"/>
+                </a:solidFill>
+              </a:rPr>
+              <a:t>ReadMutectVCFs</a:t>
+            </a:r>
+            <a:endParaRPr lang="en-US" sz="1400" dirty="0">
+              <a:solidFill>
+                <a:srgbClr val="FF0000"/>
+              </a:solidFill>
+            </a:endParaRPr>
           </a:p>
         </p:txBody>
       </p:sp>
@@ -9501,7 +9507,7 @@
         </p:nvGrpSpPr>
         <p:grpSpPr>
           <a:xfrm>
-            <a:off x="7105296" y="4360465"/>
+            <a:off x="7169626" y="4401820"/>
             <a:ext cx="928330" cy="1395274"/>
             <a:chOff x="7338902" y="4360465"/>
             <a:chExt cx="928330" cy="1395274"/>
@@ -10073,7 +10079,7 @@
         </p:nvSpPr>
         <p:spPr>
           <a:xfrm>
-            <a:off x="8424963" y="4721560"/>
+            <a:off x="8424963" y="4303417"/>
             <a:ext cx="928330" cy="464165"/>
           </a:xfrm>
           <a:custGeom>
@@ -10197,10 +10203,10 @@
         </p:nvGrpSpPr>
         <p:grpSpPr>
           <a:xfrm>
-            <a:off x="8411109" y="4242868"/>
-            <a:ext cx="928330" cy="1395064"/>
-            <a:chOff x="8424458" y="4262891"/>
-            <a:chExt cx="928330" cy="1395064"/>
+            <a:off x="8369754" y="4890760"/>
+            <a:ext cx="951305" cy="926377"/>
+            <a:chOff x="8401483" y="4262891"/>
+            <a:chExt cx="951305" cy="926377"/>
           </a:xfrm>
         </p:grpSpPr>
         <p:sp>
@@ -10343,7 +10349,7 @@
           </p:nvSpPr>
           <p:spPr>
             <a:xfrm>
-              <a:off x="8424458" y="5193790"/>
+              <a:off x="8401483" y="4725103"/>
               <a:ext cx="928330" cy="464165"/>
             </a:xfrm>
             <a:custGeom>
@@ -11035,8 +11041,8 @@
         </p:nvSpPr>
         <p:spPr>
           <a:xfrm>
-            <a:off x="8376438" y="4227986"/>
-            <a:ext cx="1197252" cy="1580968"/>
+            <a:off x="8302919" y="4822129"/>
+            <a:ext cx="1197252" cy="1137553"/>
           </a:xfrm>
           <a:prstGeom prst="ellipse">
             <a:avLst/>
@@ -11076,7 +11082,7 @@
         </p:nvSpPr>
         <p:spPr>
           <a:xfrm>
-            <a:off x="6820119" y="5126248"/>
+            <a:off x="6898234" y="4901094"/>
             <a:ext cx="1500556" cy="1077879"/>
           </a:xfrm>
           <a:prstGeom prst="ellipse">
@@ -11175,36 +11181,6 @@
             <a:r>
               <a:rPr lang="en-US" dirty="0" smtClean="0"/>
               <a:t>= need to set priorities</a:t>
-            </a:r>
-            <a:endParaRPr lang="en-US" dirty="0"/>
-          </a:p>
-        </p:txBody>
-      </p:sp>
-      <p:sp>
-        <p:nvSpPr>
-          <p:cNvPr id="2" name="TextBox 1"/>
-          <p:cNvSpPr txBox="1"/>
-          <p:nvPr/>
-        </p:nvSpPr>
-        <p:spPr>
-          <a:xfrm>
-            <a:off x="6147556" y="2421371"/>
-            <a:ext cx="551754" cy="369332"/>
-          </a:xfrm>
-          <a:prstGeom prst="rect">
-            <a:avLst/>
-          </a:prstGeom>
-          <a:noFill/>
-        </p:spPr>
-        <p:txBody>
-          <a:bodyPr wrap="none" rtlCol="0">
-            <a:spAutoFit/>
-          </a:bodyPr>
-          <a:lstStyle/>
-          <a:p>
-            <a:r>
-              <a:rPr lang="en-US" dirty="0" err="1" smtClean="0"/>
-              <a:t>JNH</a:t>
             </a:r>
             <a:endParaRPr lang="en-US" dirty="0"/>
           </a:p>
@@ -13669,7 +13645,7 @@
           <a:p>
             <a:r>
               <a:rPr lang="en-US" dirty="0" smtClean="0"/>
-              <a:t>Low </a:t>
+              <a:t>Low priority </a:t>
             </a:r>
             <a:r>
               <a:rPr lang="en-US" dirty="0" err="1" smtClean="0"/>
@@ -13683,7 +13659,7 @@
           <a:p>
             <a:r>
               <a:rPr lang="en-US" dirty="0" smtClean="0"/>
-              <a:t>High Look </a:t>
+              <a:t>High priority Look </a:t>
             </a:r>
             <a:r>
               <a:rPr lang="en-US" dirty="0"/>

--- a/data-raw/ICAMS-overview.pptx
+++ b/data-raw/ICAMS-overview.pptx
@@ -249,7 +249,7 @@
           <a:p>
             <a:fld id="{FC92A4BB-39BE-403C-A496-EAAF42256EA7}" type="datetimeFigureOut">
               <a:rPr lang="en-SG" smtClean="0"/>
-              <a:t>26/2/2019</a:t>
+              <a:t>5/3/2019</a:t>
             </a:fld>
             <a:endParaRPr lang="en-SG"/>
           </a:p>
@@ -414,7 +414,7 @@
           <a:p>
             <a:fld id="{FC92A4BB-39BE-403C-A496-EAAF42256EA7}" type="datetimeFigureOut">
               <a:rPr lang="en-SG" smtClean="0"/>
-              <a:t>26/2/2019</a:t>
+              <a:t>5/3/2019</a:t>
             </a:fld>
             <a:endParaRPr lang="en-SG"/>
           </a:p>
@@ -589,7 +589,7 @@
           <a:p>
             <a:fld id="{FC92A4BB-39BE-403C-A496-EAAF42256EA7}" type="datetimeFigureOut">
               <a:rPr lang="en-SG" smtClean="0"/>
-              <a:t>26/2/2019</a:t>
+              <a:t>5/3/2019</a:t>
             </a:fld>
             <a:endParaRPr lang="en-SG"/>
           </a:p>
@@ -754,7 +754,7 @@
           <a:p>
             <a:fld id="{FC92A4BB-39BE-403C-A496-EAAF42256EA7}" type="datetimeFigureOut">
               <a:rPr lang="en-SG" smtClean="0"/>
-              <a:t>26/2/2019</a:t>
+              <a:t>5/3/2019</a:t>
             </a:fld>
             <a:endParaRPr lang="en-SG"/>
           </a:p>
@@ -995,7 +995,7 @@
           <a:p>
             <a:fld id="{FC92A4BB-39BE-403C-A496-EAAF42256EA7}" type="datetimeFigureOut">
               <a:rPr lang="en-SG" smtClean="0"/>
-              <a:t>26/2/2019</a:t>
+              <a:t>5/3/2019</a:t>
             </a:fld>
             <a:endParaRPr lang="en-SG"/>
           </a:p>
@@ -1222,7 +1222,7 @@
           <a:p>
             <a:fld id="{FC92A4BB-39BE-403C-A496-EAAF42256EA7}" type="datetimeFigureOut">
               <a:rPr lang="en-SG" smtClean="0"/>
-              <a:t>26/2/2019</a:t>
+              <a:t>5/3/2019</a:t>
             </a:fld>
             <a:endParaRPr lang="en-SG"/>
           </a:p>
@@ -1584,7 +1584,7 @@
           <a:p>
             <a:fld id="{FC92A4BB-39BE-403C-A496-EAAF42256EA7}" type="datetimeFigureOut">
               <a:rPr lang="en-SG" smtClean="0"/>
-              <a:t>26/2/2019</a:t>
+              <a:t>5/3/2019</a:t>
             </a:fld>
             <a:endParaRPr lang="en-SG"/>
           </a:p>
@@ -1697,7 +1697,7 @@
           <a:p>
             <a:fld id="{FC92A4BB-39BE-403C-A496-EAAF42256EA7}" type="datetimeFigureOut">
               <a:rPr lang="en-SG" smtClean="0"/>
-              <a:t>26/2/2019</a:t>
+              <a:t>5/3/2019</a:t>
             </a:fld>
             <a:endParaRPr lang="en-SG"/>
           </a:p>
@@ -1787,7 +1787,7 @@
           <a:p>
             <a:fld id="{FC92A4BB-39BE-403C-A496-EAAF42256EA7}" type="datetimeFigureOut">
               <a:rPr lang="en-SG" smtClean="0"/>
-              <a:t>26/2/2019</a:t>
+              <a:t>5/3/2019</a:t>
             </a:fld>
             <a:endParaRPr lang="en-SG"/>
           </a:p>
@@ -2059,7 +2059,7 @@
           <a:p>
             <a:fld id="{FC92A4BB-39BE-403C-A496-EAAF42256EA7}" type="datetimeFigureOut">
               <a:rPr lang="en-SG" smtClean="0"/>
-              <a:t>26/2/2019</a:t>
+              <a:t>5/3/2019</a:t>
             </a:fld>
             <a:endParaRPr lang="en-SG"/>
           </a:p>
@@ -2307,7 +2307,7 @@
           <a:p>
             <a:fld id="{FC92A4BB-39BE-403C-A496-EAAF42256EA7}" type="datetimeFigureOut">
               <a:rPr lang="en-SG" smtClean="0"/>
-              <a:t>26/2/2019</a:t>
+              <a:t>5/3/2019</a:t>
             </a:fld>
             <a:endParaRPr lang="en-SG"/>
           </a:p>
@@ -2515,7 +2515,7 @@
           <a:p>
             <a:fld id="{FC92A4BB-39BE-403C-A496-EAAF42256EA7}" type="datetimeFigureOut">
               <a:rPr lang="en-SG" smtClean="0"/>
-              <a:t>26/2/2019</a:t>
+              <a:t>5/3/2019</a:t>
             </a:fld>
             <a:endParaRPr lang="en-SG"/>
           </a:p>
@@ -6164,7 +6164,7 @@
         <p:spPr>
           <a:xfrm>
             <a:off x="4657398" y="964854"/>
-            <a:ext cx="4320413" cy="369332"/>
+            <a:ext cx="2639120" cy="369332"/>
           </a:xfrm>
           <a:prstGeom prst="rect">
             <a:avLst/>
@@ -6184,14 +6184,6 @@
                 </a:solidFill>
               </a:rPr>
               <a:t>ReadAndSplitMutectVCFs</a:t>
-            </a:r>
-            <a:r>
-              <a:rPr lang="en-US" dirty="0" smtClean="0">
-                <a:solidFill>
-                  <a:srgbClr val="FF0000"/>
-                </a:solidFill>
-              </a:rPr>
-              <a:t> (Nanhai to create)</a:t>
             </a:r>
             <a:endParaRPr lang="en-US" dirty="0">
               <a:solidFill>

--- a/data-raw/ICAMS-overview.pptx
+++ b/data-raw/ICAMS-overview.pptx
@@ -245,7 +245,7 @@
           <a:p>
             <a:fld id="{FC92A4BB-39BE-403C-A496-EAAF42256EA7}" type="datetimeFigureOut">
               <a:rPr lang="en-SG" smtClean="0"/>
-              <a:t>18/3/2019</a:t>
+              <a:t>22/3/2019</a:t>
             </a:fld>
             <a:endParaRPr lang="en-SG"/>
           </a:p>
@@ -410,7 +410,7 @@
           <a:p>
             <a:fld id="{FC92A4BB-39BE-403C-A496-EAAF42256EA7}" type="datetimeFigureOut">
               <a:rPr lang="en-SG" smtClean="0"/>
-              <a:t>18/3/2019</a:t>
+              <a:t>22/3/2019</a:t>
             </a:fld>
             <a:endParaRPr lang="en-SG"/>
           </a:p>
@@ -585,7 +585,7 @@
           <a:p>
             <a:fld id="{FC92A4BB-39BE-403C-A496-EAAF42256EA7}" type="datetimeFigureOut">
               <a:rPr lang="en-SG" smtClean="0"/>
-              <a:t>18/3/2019</a:t>
+              <a:t>22/3/2019</a:t>
             </a:fld>
             <a:endParaRPr lang="en-SG"/>
           </a:p>
@@ -750,7 +750,7 @@
           <a:p>
             <a:fld id="{FC92A4BB-39BE-403C-A496-EAAF42256EA7}" type="datetimeFigureOut">
               <a:rPr lang="en-SG" smtClean="0"/>
-              <a:t>18/3/2019</a:t>
+              <a:t>22/3/2019</a:t>
             </a:fld>
             <a:endParaRPr lang="en-SG"/>
           </a:p>
@@ -991,7 +991,7 @@
           <a:p>
             <a:fld id="{FC92A4BB-39BE-403C-A496-EAAF42256EA7}" type="datetimeFigureOut">
               <a:rPr lang="en-SG" smtClean="0"/>
-              <a:t>18/3/2019</a:t>
+              <a:t>22/3/2019</a:t>
             </a:fld>
             <a:endParaRPr lang="en-SG"/>
           </a:p>
@@ -1218,7 +1218,7 @@
           <a:p>
             <a:fld id="{FC92A4BB-39BE-403C-A496-EAAF42256EA7}" type="datetimeFigureOut">
               <a:rPr lang="en-SG" smtClean="0"/>
-              <a:t>18/3/2019</a:t>
+              <a:t>22/3/2019</a:t>
             </a:fld>
             <a:endParaRPr lang="en-SG"/>
           </a:p>
@@ -1580,7 +1580,7 @@
           <a:p>
             <a:fld id="{FC92A4BB-39BE-403C-A496-EAAF42256EA7}" type="datetimeFigureOut">
               <a:rPr lang="en-SG" smtClean="0"/>
-              <a:t>18/3/2019</a:t>
+              <a:t>22/3/2019</a:t>
             </a:fld>
             <a:endParaRPr lang="en-SG"/>
           </a:p>
@@ -1693,7 +1693,7 @@
           <a:p>
             <a:fld id="{FC92A4BB-39BE-403C-A496-EAAF42256EA7}" type="datetimeFigureOut">
               <a:rPr lang="en-SG" smtClean="0"/>
-              <a:t>18/3/2019</a:t>
+              <a:t>22/3/2019</a:t>
             </a:fld>
             <a:endParaRPr lang="en-SG"/>
           </a:p>
@@ -1783,7 +1783,7 @@
           <a:p>
             <a:fld id="{FC92A4BB-39BE-403C-A496-EAAF42256EA7}" type="datetimeFigureOut">
               <a:rPr lang="en-SG" smtClean="0"/>
-              <a:t>18/3/2019</a:t>
+              <a:t>22/3/2019</a:t>
             </a:fld>
             <a:endParaRPr lang="en-SG"/>
           </a:p>
@@ -2055,7 +2055,7 @@
           <a:p>
             <a:fld id="{FC92A4BB-39BE-403C-A496-EAAF42256EA7}" type="datetimeFigureOut">
               <a:rPr lang="en-SG" smtClean="0"/>
-              <a:t>18/3/2019</a:t>
+              <a:t>22/3/2019</a:t>
             </a:fld>
             <a:endParaRPr lang="en-SG"/>
           </a:p>
@@ -2303,7 +2303,7 @@
           <a:p>
             <a:fld id="{FC92A4BB-39BE-403C-A496-EAAF42256EA7}" type="datetimeFigureOut">
               <a:rPr lang="en-SG" smtClean="0"/>
-              <a:t>18/3/2019</a:t>
+              <a:t>22/3/2019</a:t>
             </a:fld>
             <a:endParaRPr lang="en-SG"/>
           </a:p>
@@ -2511,7 +2511,7 @@
           <a:p>
             <a:fld id="{FC92A4BB-39BE-403C-A496-EAAF42256EA7}" type="datetimeFigureOut">
               <a:rPr lang="en-SG" smtClean="0"/>
-              <a:t>18/3/2019</a:t>
+              <a:t>22/3/2019</a:t>
             </a:fld>
             <a:endParaRPr lang="en-SG"/>
           </a:p>
@@ -3041,7 +3041,23 @@
                   <a:schemeClr val="tx1"/>
                 </a:solidFill>
               </a:rPr>
-              <a:t>trelka SBS VCF</a:t>
+              <a:t>trelka </a:t>
+            </a:r>
+            <a:r>
+              <a:rPr lang="en-US" sz="1100" kern="1200" dirty="0" smtClean="0">
+                <a:solidFill>
+                  <a:schemeClr val="tx1"/>
+                </a:solidFill>
+              </a:rPr>
+              <a:t>SNS </a:t>
+            </a:r>
+            <a:r>
+              <a:rPr lang="en-US" sz="1100" kern="1200" dirty="0" smtClean="0">
+                <a:solidFill>
+                  <a:schemeClr val="tx1"/>
+                </a:solidFill>
+              </a:rPr>
+              <a:t>VCF</a:t>
             </a:r>
           </a:p>
         </p:txBody>
@@ -8089,9 +8105,9 @@
         <p:grpSpPr>
           <a:xfrm>
             <a:off x="7169626" y="4401820"/>
-            <a:ext cx="928330" cy="1395274"/>
+            <a:ext cx="928330" cy="929720"/>
             <a:chOff x="7338902" y="4360465"/>
-            <a:chExt cx="928330" cy="1395274"/>
+            <a:chExt cx="928330" cy="929720"/>
           </a:xfrm>
         </p:grpSpPr>
         <p:sp>
@@ -8342,138 +8358,6 @@
             </a:p>
           </p:txBody>
         </p:sp>
-        <p:sp>
-          <p:nvSpPr>
-            <p:cNvPr id="78" name="Freeform 77"/>
-            <p:cNvSpPr/>
-            <p:nvPr/>
-          </p:nvSpPr>
-          <p:spPr>
-            <a:xfrm>
-              <a:off x="7338902" y="5291574"/>
-              <a:ext cx="928330" cy="464165"/>
-            </a:xfrm>
-            <a:custGeom>
-              <a:avLst/>
-              <a:gdLst>
-                <a:gd name="connsiteX0" fmla="*/ 0 w 928330"/>
-                <a:gd name="connsiteY0" fmla="*/ 0 h 464165"/>
-                <a:gd name="connsiteX1" fmla="*/ 928330 w 928330"/>
-                <a:gd name="connsiteY1" fmla="*/ 0 h 464165"/>
-                <a:gd name="connsiteX2" fmla="*/ 928330 w 928330"/>
-                <a:gd name="connsiteY2" fmla="*/ 464165 h 464165"/>
-                <a:gd name="connsiteX3" fmla="*/ 0 w 928330"/>
-                <a:gd name="connsiteY3" fmla="*/ 464165 h 464165"/>
-                <a:gd name="connsiteX4" fmla="*/ 0 w 928330"/>
-                <a:gd name="connsiteY4" fmla="*/ 0 h 464165"/>
-              </a:gdLst>
-              <a:ahLst/>
-              <a:cxnLst>
-                <a:cxn ang="0">
-                  <a:pos x="connsiteX0" y="connsiteY0"/>
-                </a:cxn>
-                <a:cxn ang="0">
-                  <a:pos x="connsiteX1" y="connsiteY1"/>
-                </a:cxn>
-                <a:cxn ang="0">
-                  <a:pos x="connsiteX2" y="connsiteY2"/>
-                </a:cxn>
-                <a:cxn ang="0">
-                  <a:pos x="connsiteX3" y="connsiteY3"/>
-                </a:cxn>
-                <a:cxn ang="0">
-                  <a:pos x="connsiteX4" y="connsiteY4"/>
-                </a:cxn>
-              </a:cxnLst>
-              <a:rect l="l" t="t" r="r" b="b"/>
-              <a:pathLst>
-                <a:path w="928330" h="464165">
-                  <a:moveTo>
-                    <a:pt x="0" y="0"/>
-                  </a:moveTo>
-                  <a:lnTo>
-                    <a:pt x="928330" y="0"/>
-                  </a:lnTo>
-                  <a:lnTo>
-                    <a:pt x="928330" y="464165"/>
-                  </a:lnTo>
-                  <a:lnTo>
-                    <a:pt x="0" y="464165"/>
-                  </a:lnTo>
-                  <a:lnTo>
-                    <a:pt x="0" y="0"/>
-                  </a:lnTo>
-                  <a:close/>
-                </a:path>
-              </a:pathLst>
-            </a:custGeom>
-            <a:noFill/>
-            <a:ln w="19050">
-              <a:solidFill>
-                <a:schemeClr val="accent1"/>
-              </a:solidFill>
-            </a:ln>
-          </p:spPr>
-          <p:style>
-            <a:lnRef idx="2">
-              <a:scrgbClr r="0" g="0" b="0"/>
-            </a:lnRef>
-            <a:fillRef idx="1">
-              <a:scrgbClr r="0" g="0" b="0"/>
-            </a:fillRef>
-            <a:effectRef idx="0">
-              <a:schemeClr val="accent1">
-                <a:hueOff val="0"/>
-                <a:satOff val="0"/>
-                <a:lumOff val="0"/>
-                <a:alphaOff val="0"/>
-              </a:schemeClr>
-            </a:effectRef>
-            <a:fontRef idx="minor">
-              <a:schemeClr val="lt1"/>
-            </a:fontRef>
-          </p:style>
-          <p:txBody>
-            <a:bodyPr spcFirstLastPara="0" vert="horz" wrap="square" lIns="7620" tIns="7620" rIns="7620" bIns="7620" numCol="1" spcCol="1270" anchor="ctr" anchorCtr="0">
-              <a:noAutofit/>
-            </a:bodyPr>
-            <a:lstStyle/>
-            <a:p>
-              <a:pPr lvl="0" algn="ctr" defTabSz="533400">
-                <a:lnSpc>
-                  <a:spcPct val="90000"/>
-                </a:lnSpc>
-                <a:spcBef>
-                  <a:spcPct val="0"/>
-                </a:spcBef>
-                <a:spcAft>
-                  <a:spcPts val="0"/>
-                </a:spcAft>
-              </a:pPr>
-              <a:r>
-                <a:rPr lang="en-US" sz="1100" kern="1200" dirty="0" err="1" smtClean="0">
-                  <a:solidFill>
-                    <a:schemeClr val="tx1"/>
-                  </a:solidFill>
-                </a:rPr>
-                <a:t>Binom.test</a:t>
-              </a:r>
-              <a:r>
-                <a:rPr lang="en-US" sz="1100" kern="1200" dirty="0" smtClean="0">
-                  <a:solidFill>
-                    <a:schemeClr val="tx1"/>
-                  </a:solidFill>
-                </a:rPr>
-                <a:t> per min class</a:t>
-              </a:r>
-              <a:endParaRPr lang="en-US" sz="1100" kern="1200" dirty="0">
-                <a:solidFill>
-                  <a:schemeClr val="tx1"/>
-                </a:solidFill>
-              </a:endParaRPr>
-            </a:p>
-          </p:txBody>
-        </p:sp>
       </p:grpSp>
       <p:sp>
         <p:nvSpPr>
@@ -11379,7 +11263,7 @@
         <a:sysClr val="windowText" lastClr="000000"/>
       </a:dk1>
       <a:lt1>
-        <a:sysClr val="window" lastClr="FFFFFF"/>
+        <a:sysClr val="window" lastClr="CCE8CF"/>
       </a:lt1>
       <a:dk2>
         <a:srgbClr val="44546A"/>

--- a/data-raw/ICAMS-overview.pptx
+++ b/data-raw/ICAMS-overview.pptx
@@ -4,13 +4,19 @@
   <p:sldMasterIdLst>
     <p:sldMasterId id="2147483648" r:id="rId1"/>
   </p:sldMasterIdLst>
+  <p:notesMasterIdLst>
+    <p:notesMasterId r:id="rId6"/>
+  </p:notesMasterIdLst>
+  <p:handoutMasterIdLst>
+    <p:handoutMasterId r:id="rId7"/>
+  </p:handoutMasterIdLst>
   <p:sldIdLst>
-    <p:sldId id="259" r:id="rId2"/>
-    <p:sldId id="261" r:id="rId3"/>
-    <p:sldId id="260" r:id="rId4"/>
+    <p:sldId id="259" r:id="rId3"/>
+    <p:sldId id="261" r:id="rId4"/>
+    <p:sldId id="260" r:id="rId5"/>
   </p:sldIdLst>
   <p:sldSz cx="12192000" cy="6858000"/>
-  <p:notesSz cx="6797675" cy="9926638"/>
+  <p:notesSz cx="6797675" cy="9926320"/>
   <p:defaultTextStyle>
     <a:defPPr>
       <a:defRPr lang="en-US"/>
@@ -106,12 +112,512 @@
       </a:defRPr>
     </a:lvl9pPr>
   </p:defaultTextStyle>
-  <p:extLst>
-    <p:ext uri="{EFAFB233-063F-42B5-8137-9DF3F51BA10A}">
-      <p15:sldGuideLst xmlns:p15="http://schemas.microsoft.com/office/powerpoint/2012/main"/>
-    </p:ext>
-  </p:extLst>
 </p:presentation>
+</file>
+
+<file path=ppt/handoutMasters/handoutMaster1.xml><?xml version="1.0" encoding="utf-8"?>
+<p:handoutMaster xmlns:a="http://schemas.openxmlformats.org/drawingml/2006/main" xmlns:r="http://schemas.openxmlformats.org/officeDocument/2006/relationships" xmlns:p="http://schemas.openxmlformats.org/presentationml/2006/main">
+  <p:cSld>
+    <p:bg>
+      <p:bgRef idx="1001">
+        <a:schemeClr val="bg1"/>
+      </p:bgRef>
+    </p:bg>
+    <p:spTree>
+      <p:nvGrpSpPr>
+        <p:cNvPr id="1" name=""/>
+        <p:cNvGrpSpPr/>
+        <p:nvPr/>
+      </p:nvGrpSpPr>
+      <p:grpSpPr>
+        <a:xfrm>
+          <a:off x="0" y="0"/>
+          <a:ext cx="0" cy="0"/>
+          <a:chOff x="0" y="0"/>
+          <a:chExt cx="0" cy="0"/>
+        </a:xfrm>
+      </p:grpSpPr>
+      <p:sp>
+        <p:nvSpPr>
+          <p:cNvPr id="2" name="Header Placeholder 1"/>
+          <p:cNvSpPr>
+            <a:spLocks noGrp="1"/>
+          </p:cNvSpPr>
+          <p:nvPr>
+            <p:ph type="hdr" sz="quarter"/>
+          </p:nvPr>
+        </p:nvSpPr>
+        <p:spPr>
+          <a:xfrm>
+            <a:off x="0" y="0"/>
+            <a:ext cx="2945659" cy="498040"/>
+          </a:xfrm>
+          <a:prstGeom prst="rect">
+            <a:avLst/>
+          </a:prstGeom>
+        </p:spPr>
+        <p:txBody>
+          <a:bodyPr vert="horz" lIns="91440" tIns="45720" rIns="91440" bIns="45720" rtlCol="0"/>
+          <a:lstStyle>
+            <a:lvl1pPr algn="l">
+              <a:defRPr sz="1190"/>
+            </a:lvl1pPr>
+          </a:lstStyle>
+          <a:p>
+            <a:endParaRPr lang="en-US"/>
+          </a:p>
+        </p:txBody>
+      </p:sp>
+      <p:sp>
+        <p:nvSpPr>
+          <p:cNvPr id="3" name="Date Placeholder 2"/>
+          <p:cNvSpPr>
+            <a:spLocks noGrp="1"/>
+          </p:cNvSpPr>
+          <p:nvPr>
+            <p:ph type="dt" sz="quarter" idx="1"/>
+          </p:nvPr>
+        </p:nvSpPr>
+        <p:spPr>
+          <a:xfrm>
+            <a:off x="3850443" y="0"/>
+            <a:ext cx="2945659" cy="498040"/>
+          </a:xfrm>
+          <a:prstGeom prst="rect">
+            <a:avLst/>
+          </a:prstGeom>
+        </p:spPr>
+        <p:txBody>
+          <a:bodyPr vert="horz" lIns="91440" tIns="45720" rIns="91440" bIns="45720" rtlCol="0"/>
+          <a:lstStyle>
+            <a:lvl1pPr algn="r">
+              <a:defRPr sz="1190"/>
+            </a:lvl1pPr>
+          </a:lstStyle>
+          <a:p>
+            <a:fld id="{696C064A-D61B-4B21-B757-51A9B82445B8}" type="datetimeFigureOut">
+              <a:rPr lang="en-US" smtClean="0"/>
+            </a:fld>
+            <a:endParaRPr lang="en-US"/>
+          </a:p>
+        </p:txBody>
+      </p:sp>
+      <p:sp>
+        <p:nvSpPr>
+          <p:cNvPr id="4" name="Footer Placeholder 3"/>
+          <p:cNvSpPr>
+            <a:spLocks noGrp="1"/>
+          </p:cNvSpPr>
+          <p:nvPr>
+            <p:ph type="ftr" sz="quarter" idx="2"/>
+          </p:nvPr>
+        </p:nvSpPr>
+        <p:spPr>
+          <a:xfrm>
+            <a:off x="0" y="9428281"/>
+            <a:ext cx="2945659" cy="498039"/>
+          </a:xfrm>
+          <a:prstGeom prst="rect">
+            <a:avLst/>
+          </a:prstGeom>
+        </p:spPr>
+        <p:txBody>
+          <a:bodyPr vert="horz" lIns="91440" tIns="45720" rIns="91440" bIns="45720" rtlCol="0" anchor="b"/>
+          <a:lstStyle>
+            <a:lvl1pPr algn="l">
+              <a:defRPr sz="1190"/>
+            </a:lvl1pPr>
+          </a:lstStyle>
+          <a:p>
+            <a:endParaRPr lang="en-US"/>
+          </a:p>
+        </p:txBody>
+      </p:sp>
+      <p:sp>
+        <p:nvSpPr>
+          <p:cNvPr id="5" name="Slide Number Placeholder 4"/>
+          <p:cNvSpPr>
+            <a:spLocks noGrp="1"/>
+          </p:cNvSpPr>
+          <p:nvPr>
+            <p:ph type="sldNum" sz="quarter" idx="3"/>
+          </p:nvPr>
+        </p:nvSpPr>
+        <p:spPr>
+          <a:xfrm>
+            <a:off x="3850443" y="9428281"/>
+            <a:ext cx="2945659" cy="498039"/>
+          </a:xfrm>
+          <a:prstGeom prst="rect">
+            <a:avLst/>
+          </a:prstGeom>
+        </p:spPr>
+        <p:txBody>
+          <a:bodyPr vert="horz" lIns="91440" tIns="45720" rIns="91440" bIns="45720" rtlCol="0" anchor="b"/>
+          <a:lstStyle>
+            <a:lvl1pPr algn="r">
+              <a:defRPr sz="1190"/>
+            </a:lvl1pPr>
+          </a:lstStyle>
+          <a:p>
+            <a:fld id="{50305E07-67EA-4042-A3F6-853A8AD8D209}" type="slidenum">
+              <a:rPr lang="en-US" smtClean="0"/>
+            </a:fld>
+            <a:endParaRPr lang="en-US"/>
+          </a:p>
+        </p:txBody>
+      </p:sp>
+    </p:spTree>
+  </p:cSld>
+  <p:clrMap bg1="lt1" tx1="dk1" bg2="lt2" tx2="dk2" accent1="accent1" accent2="accent2" accent3="accent3" accent4="accent4" accent5="accent5" accent6="accent6" hlink="hlink" folHlink="folHlink"/>
+</p:handoutMaster>
+</file>
+
+<file path=ppt/notesMasters/notesMaster1.xml><?xml version="1.0" encoding="utf-8"?>
+<p:notesMaster xmlns:a="http://schemas.openxmlformats.org/drawingml/2006/main" xmlns:r="http://schemas.openxmlformats.org/officeDocument/2006/relationships" xmlns:p="http://schemas.openxmlformats.org/presentationml/2006/main">
+  <p:cSld>
+    <p:bg>
+      <p:bgRef idx="1001">
+        <a:schemeClr val="bg1"/>
+      </p:bgRef>
+    </p:bg>
+    <p:spTree>
+      <p:nvGrpSpPr>
+        <p:cNvPr id="1" name=""/>
+        <p:cNvGrpSpPr/>
+        <p:nvPr/>
+      </p:nvGrpSpPr>
+      <p:grpSpPr>
+        <a:xfrm>
+          <a:off x="0" y="0"/>
+          <a:ext cx="0" cy="0"/>
+          <a:chOff x="0" y="0"/>
+          <a:chExt cx="0" cy="0"/>
+        </a:xfrm>
+      </p:grpSpPr>
+      <p:sp>
+        <p:nvSpPr>
+          <p:cNvPr id="2" name="Header Placeholder 1"/>
+          <p:cNvSpPr>
+            <a:spLocks noGrp="1"/>
+          </p:cNvSpPr>
+          <p:nvPr>
+            <p:ph type="hdr" sz="quarter"/>
+          </p:nvPr>
+        </p:nvSpPr>
+        <p:spPr>
+          <a:xfrm>
+            <a:off x="0" y="0"/>
+            <a:ext cx="2945659" cy="498040"/>
+          </a:xfrm>
+          <a:prstGeom prst="rect">
+            <a:avLst/>
+          </a:prstGeom>
+        </p:spPr>
+        <p:txBody>
+          <a:bodyPr vert="horz" lIns="91440" tIns="45720" rIns="91440" bIns="45720" rtlCol="0"/>
+          <a:lstStyle>
+            <a:lvl1pPr algn="l">
+              <a:defRPr sz="1200"/>
+            </a:lvl1pPr>
+          </a:lstStyle>
+          <a:p>
+            <a:endParaRPr lang="en-US"/>
+          </a:p>
+        </p:txBody>
+      </p:sp>
+      <p:sp>
+        <p:nvSpPr>
+          <p:cNvPr id="3" name="Date Placeholder 2"/>
+          <p:cNvSpPr>
+            <a:spLocks noGrp="1"/>
+          </p:cNvSpPr>
+          <p:nvPr>
+            <p:ph type="dt" idx="1"/>
+          </p:nvPr>
+        </p:nvSpPr>
+        <p:spPr>
+          <a:xfrm>
+            <a:off x="3850443" y="0"/>
+            <a:ext cx="2945659" cy="498040"/>
+          </a:xfrm>
+          <a:prstGeom prst="rect">
+            <a:avLst/>
+          </a:prstGeom>
+        </p:spPr>
+        <p:txBody>
+          <a:bodyPr vert="horz" lIns="91440" tIns="45720" rIns="91440" bIns="45720" rtlCol="0"/>
+          <a:lstStyle>
+            <a:lvl1pPr algn="r">
+              <a:defRPr sz="1200"/>
+            </a:lvl1pPr>
+          </a:lstStyle>
+          <a:p>
+            <a:fld id="{3EFD42F7-718C-4B98-AAEC-167E6DDD60A7}" type="datetimeFigureOut">
+              <a:rPr lang="en-US" smtClean="0"/>
+            </a:fld>
+            <a:endParaRPr lang="en-US"/>
+          </a:p>
+        </p:txBody>
+      </p:sp>
+      <p:sp>
+        <p:nvSpPr>
+          <p:cNvPr id="4" name="Slide Image Placeholder 3"/>
+          <p:cNvSpPr>
+            <a:spLocks noGrp="1" noRot="1" noChangeAspect="1"/>
+          </p:cNvSpPr>
+          <p:nvPr>
+            <p:ph type="sldImg" idx="2"/>
+          </p:nvPr>
+        </p:nvSpPr>
+        <p:spPr>
+          <a:xfrm>
+            <a:off x="420942" y="1240790"/>
+            <a:ext cx="5955792" cy="3350133"/>
+          </a:xfrm>
+          <a:prstGeom prst="rect">
+            <a:avLst/>
+          </a:prstGeom>
+          <a:noFill/>
+          <a:ln w="12700">
+            <a:solidFill>
+              <a:prstClr val="black"/>
+            </a:solidFill>
+          </a:ln>
+        </p:spPr>
+        <p:txBody>
+          <a:bodyPr vert="horz" lIns="91440" tIns="45720" rIns="91440" bIns="45720" rtlCol="0" anchor="ctr"/>
+          <a:lstStyle/>
+          <a:p>
+            <a:endParaRPr lang="en-US"/>
+          </a:p>
+        </p:txBody>
+      </p:sp>
+      <p:sp>
+        <p:nvSpPr>
+          <p:cNvPr id="5" name="Notes Placeholder 4"/>
+          <p:cNvSpPr>
+            <a:spLocks noGrp="1"/>
+          </p:cNvSpPr>
+          <p:nvPr>
+            <p:ph type="body" sz="quarter" idx="3"/>
+          </p:nvPr>
+        </p:nvSpPr>
+        <p:spPr>
+          <a:xfrm>
+            <a:off x="679768" y="4777042"/>
+            <a:ext cx="5438140" cy="3908489"/>
+          </a:xfrm>
+          <a:prstGeom prst="rect">
+            <a:avLst/>
+          </a:prstGeom>
+        </p:spPr>
+        <p:txBody>
+          <a:bodyPr vert="horz" lIns="91440" tIns="45720" rIns="91440" bIns="45720" rtlCol="0"/>
+          <a:lstStyle/>
+          <a:p>
+            <a:pPr lvl="0"/>
+            <a:r>
+              <a:rPr lang="en-US" smtClean="0"/>
+              <a:t>Click to edit Master text styles</a:t>
+            </a:r>
+            <a:endParaRPr lang="en-US" smtClean="0"/>
+          </a:p>
+          <a:p>
+            <a:pPr lvl="1"/>
+            <a:r>
+              <a:rPr lang="en-US" smtClean="0"/>
+              <a:t>Second level</a:t>
+            </a:r>
+            <a:endParaRPr lang="en-US" smtClean="0"/>
+          </a:p>
+          <a:p>
+            <a:pPr lvl="2"/>
+            <a:r>
+              <a:rPr lang="en-US" smtClean="0"/>
+              <a:t>Third level</a:t>
+            </a:r>
+            <a:endParaRPr lang="en-US" smtClean="0"/>
+          </a:p>
+          <a:p>
+            <a:pPr lvl="3"/>
+            <a:r>
+              <a:rPr lang="en-US" smtClean="0"/>
+              <a:t>Fourth level</a:t>
+            </a:r>
+            <a:endParaRPr lang="en-US" smtClean="0"/>
+          </a:p>
+          <a:p>
+            <a:pPr lvl="4"/>
+            <a:r>
+              <a:rPr lang="en-US" smtClean="0"/>
+              <a:t>Fifth level</a:t>
+            </a:r>
+            <a:endParaRPr lang="en-US"/>
+          </a:p>
+        </p:txBody>
+      </p:sp>
+      <p:sp>
+        <p:nvSpPr>
+          <p:cNvPr id="6" name="Footer Placeholder 5"/>
+          <p:cNvSpPr>
+            <a:spLocks noGrp="1"/>
+          </p:cNvSpPr>
+          <p:nvPr>
+            <p:ph type="ftr" sz="quarter" idx="4"/>
+          </p:nvPr>
+        </p:nvSpPr>
+        <p:spPr>
+          <a:xfrm>
+            <a:off x="0" y="9428281"/>
+            <a:ext cx="2945659" cy="498039"/>
+          </a:xfrm>
+          <a:prstGeom prst="rect">
+            <a:avLst/>
+          </a:prstGeom>
+        </p:spPr>
+        <p:txBody>
+          <a:bodyPr vert="horz" lIns="91440" tIns="45720" rIns="91440" bIns="45720" rtlCol="0" anchor="b"/>
+          <a:lstStyle>
+            <a:lvl1pPr algn="l">
+              <a:defRPr sz="1200"/>
+            </a:lvl1pPr>
+          </a:lstStyle>
+          <a:p>
+            <a:endParaRPr lang="en-US"/>
+          </a:p>
+        </p:txBody>
+      </p:sp>
+      <p:sp>
+        <p:nvSpPr>
+          <p:cNvPr id="7" name="Slide Number Placeholder 6"/>
+          <p:cNvSpPr>
+            <a:spLocks noGrp="1"/>
+          </p:cNvSpPr>
+          <p:nvPr>
+            <p:ph type="sldNum" sz="quarter" idx="5"/>
+          </p:nvPr>
+        </p:nvSpPr>
+        <p:spPr>
+          <a:xfrm>
+            <a:off x="3850443" y="9428281"/>
+            <a:ext cx="2945659" cy="498039"/>
+          </a:xfrm>
+          <a:prstGeom prst="rect">
+            <a:avLst/>
+          </a:prstGeom>
+        </p:spPr>
+        <p:txBody>
+          <a:bodyPr vert="horz" lIns="91440" tIns="45720" rIns="91440" bIns="45720" rtlCol="0" anchor="b"/>
+          <a:lstStyle>
+            <a:lvl1pPr algn="r">
+              <a:defRPr sz="1200"/>
+            </a:lvl1pPr>
+          </a:lstStyle>
+          <a:p>
+            <a:fld id="{21B2AA4F-B828-4D7C-AFD3-893933DAFCB4}" type="slidenum">
+              <a:rPr lang="en-US" smtClean="0"/>
+            </a:fld>
+            <a:endParaRPr lang="en-US"/>
+          </a:p>
+        </p:txBody>
+      </p:sp>
+    </p:spTree>
+  </p:cSld>
+  <p:clrMap bg1="lt1" tx1="dk1" bg2="lt2" tx2="dk2" accent1="accent1" accent2="accent2" accent3="accent3" accent4="accent4" accent5="accent5" accent6="accent6" hlink="hlink" folHlink="folHlink"/>
+  <p:notesStyle>
+    <a:lvl1pPr marL="0" algn="l" defTabSz="914400" rtl="0" eaLnBrk="1" latinLnBrk="0" hangingPunct="1">
+      <a:defRPr sz="1200" kern="1200">
+        <a:solidFill>
+          <a:schemeClr val="tx1"/>
+        </a:solidFill>
+        <a:latin typeface="+mn-lt"/>
+        <a:ea typeface="+mn-ea"/>
+        <a:cs typeface="+mn-cs"/>
+      </a:defRPr>
+    </a:lvl1pPr>
+    <a:lvl2pPr marL="457200" algn="l" defTabSz="914400" rtl="0" eaLnBrk="1" latinLnBrk="0" hangingPunct="1">
+      <a:defRPr sz="1200" kern="1200">
+        <a:solidFill>
+          <a:schemeClr val="tx1"/>
+        </a:solidFill>
+        <a:latin typeface="+mn-lt"/>
+        <a:ea typeface="+mn-ea"/>
+        <a:cs typeface="+mn-cs"/>
+      </a:defRPr>
+    </a:lvl2pPr>
+    <a:lvl3pPr marL="914400" algn="l" defTabSz="914400" rtl="0" eaLnBrk="1" latinLnBrk="0" hangingPunct="1">
+      <a:defRPr sz="1200" kern="1200">
+        <a:solidFill>
+          <a:schemeClr val="tx1"/>
+        </a:solidFill>
+        <a:latin typeface="+mn-lt"/>
+        <a:ea typeface="+mn-ea"/>
+        <a:cs typeface="+mn-cs"/>
+      </a:defRPr>
+    </a:lvl3pPr>
+    <a:lvl4pPr marL="1371600" algn="l" defTabSz="914400" rtl="0" eaLnBrk="1" latinLnBrk="0" hangingPunct="1">
+      <a:defRPr sz="1200" kern="1200">
+        <a:solidFill>
+          <a:schemeClr val="tx1"/>
+        </a:solidFill>
+        <a:latin typeface="+mn-lt"/>
+        <a:ea typeface="+mn-ea"/>
+        <a:cs typeface="+mn-cs"/>
+      </a:defRPr>
+    </a:lvl4pPr>
+    <a:lvl5pPr marL="1828800" algn="l" defTabSz="914400" rtl="0" eaLnBrk="1" latinLnBrk="0" hangingPunct="1">
+      <a:defRPr sz="1200" kern="1200">
+        <a:solidFill>
+          <a:schemeClr val="tx1"/>
+        </a:solidFill>
+        <a:latin typeface="+mn-lt"/>
+        <a:ea typeface="+mn-ea"/>
+        <a:cs typeface="+mn-cs"/>
+      </a:defRPr>
+    </a:lvl5pPr>
+    <a:lvl6pPr marL="2286000" algn="l" defTabSz="914400" rtl="0" eaLnBrk="1" latinLnBrk="0" hangingPunct="1">
+      <a:defRPr sz="1200" kern="1200">
+        <a:solidFill>
+          <a:schemeClr val="tx1"/>
+        </a:solidFill>
+        <a:latin typeface="+mn-lt"/>
+        <a:ea typeface="+mn-ea"/>
+        <a:cs typeface="+mn-cs"/>
+      </a:defRPr>
+    </a:lvl6pPr>
+    <a:lvl7pPr marL="2743200" algn="l" defTabSz="914400" rtl="0" eaLnBrk="1" latinLnBrk="0" hangingPunct="1">
+      <a:defRPr sz="1200" kern="1200">
+        <a:solidFill>
+          <a:schemeClr val="tx1"/>
+        </a:solidFill>
+        <a:latin typeface="+mn-lt"/>
+        <a:ea typeface="+mn-ea"/>
+        <a:cs typeface="+mn-cs"/>
+      </a:defRPr>
+    </a:lvl7pPr>
+    <a:lvl8pPr marL="3200400" algn="l" defTabSz="914400" rtl="0" eaLnBrk="1" latinLnBrk="0" hangingPunct="1">
+      <a:defRPr sz="1200" kern="1200">
+        <a:solidFill>
+          <a:schemeClr val="tx1"/>
+        </a:solidFill>
+        <a:latin typeface="+mn-lt"/>
+        <a:ea typeface="+mn-ea"/>
+        <a:cs typeface="+mn-cs"/>
+      </a:defRPr>
+    </a:lvl8pPr>
+    <a:lvl9pPr marL="3657600" algn="l" defTabSz="914400" rtl="0" eaLnBrk="1" latinLnBrk="0" hangingPunct="1">
+      <a:defRPr sz="1200" kern="1200">
+        <a:solidFill>
+          <a:schemeClr val="tx1"/>
+        </a:solidFill>
+        <a:latin typeface="+mn-lt"/>
+        <a:ea typeface="+mn-ea"/>
+        <a:cs typeface="+mn-cs"/>
+      </a:defRPr>
+    </a:lvl9pPr>
+  </p:notesStyle>
+</p:notesMaster>
 </file>
 
 <file path=ppt/slideLayouts/slideLayout1.xml><?xml version="1.0" encoding="utf-8"?>
@@ -245,7 +751,6 @@
           <a:p>
             <a:fld id="{FC92A4BB-39BE-403C-A496-EAAF42256EA7}" type="datetimeFigureOut">
               <a:rPr lang="en-SG" smtClean="0"/>
-              <a:t>22/3/2019</a:t>
             </a:fld>
             <a:endParaRPr lang="en-SG"/>
           </a:p>
@@ -287,7 +792,6 @@
           <a:p>
             <a:fld id="{189656B8-E3F2-47CA-B461-608F142D94EF}" type="slidenum">
               <a:rPr lang="en-SG" smtClean="0"/>
-              <a:t>‹#›</a:t>
             </a:fld>
             <a:endParaRPr lang="en-SG"/>
           </a:p>
@@ -361,6 +865,7 @@
               <a:rPr lang="en-US" smtClean="0"/>
               <a:t>Edit Master text styles</a:t>
             </a:r>
+            <a:endParaRPr lang="en-US" smtClean="0"/>
           </a:p>
           <a:p>
             <a:pPr lvl="1"/>
@@ -368,6 +873,7 @@
               <a:rPr lang="en-US" smtClean="0"/>
               <a:t>Second level</a:t>
             </a:r>
+            <a:endParaRPr lang="en-US" smtClean="0"/>
           </a:p>
           <a:p>
             <a:pPr lvl="2"/>
@@ -375,6 +881,7 @@
               <a:rPr lang="en-US" smtClean="0"/>
               <a:t>Third level</a:t>
             </a:r>
+            <a:endParaRPr lang="en-US" smtClean="0"/>
           </a:p>
           <a:p>
             <a:pPr lvl="3"/>
@@ -382,6 +889,7 @@
               <a:rPr lang="en-US" smtClean="0"/>
               <a:t>Fourth level</a:t>
             </a:r>
+            <a:endParaRPr lang="en-US" smtClean="0"/>
           </a:p>
           <a:p>
             <a:pPr lvl="4"/>
@@ -410,7 +918,6 @@
           <a:p>
             <a:fld id="{FC92A4BB-39BE-403C-A496-EAAF42256EA7}" type="datetimeFigureOut">
               <a:rPr lang="en-SG" smtClean="0"/>
-              <a:t>22/3/2019</a:t>
             </a:fld>
             <a:endParaRPr lang="en-SG"/>
           </a:p>
@@ -452,7 +959,6 @@
           <a:p>
             <a:fld id="{189656B8-E3F2-47CA-B461-608F142D94EF}" type="slidenum">
               <a:rPr lang="en-SG" smtClean="0"/>
-              <a:t>‹#›</a:t>
             </a:fld>
             <a:endParaRPr lang="en-SG"/>
           </a:p>
@@ -536,6 +1042,7 @@
               <a:rPr lang="en-US" smtClean="0"/>
               <a:t>Edit Master text styles</a:t>
             </a:r>
+            <a:endParaRPr lang="en-US" smtClean="0"/>
           </a:p>
           <a:p>
             <a:pPr lvl="1"/>
@@ -543,6 +1050,7 @@
               <a:rPr lang="en-US" smtClean="0"/>
               <a:t>Second level</a:t>
             </a:r>
+            <a:endParaRPr lang="en-US" smtClean="0"/>
           </a:p>
           <a:p>
             <a:pPr lvl="2"/>
@@ -550,6 +1058,7 @@
               <a:rPr lang="en-US" smtClean="0"/>
               <a:t>Third level</a:t>
             </a:r>
+            <a:endParaRPr lang="en-US" smtClean="0"/>
           </a:p>
           <a:p>
             <a:pPr lvl="3"/>
@@ -557,6 +1066,7 @@
               <a:rPr lang="en-US" smtClean="0"/>
               <a:t>Fourth level</a:t>
             </a:r>
+            <a:endParaRPr lang="en-US" smtClean="0"/>
           </a:p>
           <a:p>
             <a:pPr lvl="4"/>
@@ -585,7 +1095,6 @@
           <a:p>
             <a:fld id="{FC92A4BB-39BE-403C-A496-EAAF42256EA7}" type="datetimeFigureOut">
               <a:rPr lang="en-SG" smtClean="0"/>
-              <a:t>22/3/2019</a:t>
             </a:fld>
             <a:endParaRPr lang="en-SG"/>
           </a:p>
@@ -627,7 +1136,6 @@
           <a:p>
             <a:fld id="{189656B8-E3F2-47CA-B461-608F142D94EF}" type="slidenum">
               <a:rPr lang="en-SG" smtClean="0"/>
-              <a:t>‹#›</a:t>
             </a:fld>
             <a:endParaRPr lang="en-SG"/>
           </a:p>
@@ -701,6 +1209,7 @@
               <a:rPr lang="en-US" smtClean="0"/>
               <a:t>Edit Master text styles</a:t>
             </a:r>
+            <a:endParaRPr lang="en-US" smtClean="0"/>
           </a:p>
           <a:p>
             <a:pPr lvl="1"/>
@@ -708,6 +1217,7 @@
               <a:rPr lang="en-US" smtClean="0"/>
               <a:t>Second level</a:t>
             </a:r>
+            <a:endParaRPr lang="en-US" smtClean="0"/>
           </a:p>
           <a:p>
             <a:pPr lvl="2"/>
@@ -715,6 +1225,7 @@
               <a:rPr lang="en-US" smtClean="0"/>
               <a:t>Third level</a:t>
             </a:r>
+            <a:endParaRPr lang="en-US" smtClean="0"/>
           </a:p>
           <a:p>
             <a:pPr lvl="3"/>
@@ -722,6 +1233,7 @@
               <a:rPr lang="en-US" smtClean="0"/>
               <a:t>Fourth level</a:t>
             </a:r>
+            <a:endParaRPr lang="en-US" smtClean="0"/>
           </a:p>
           <a:p>
             <a:pPr lvl="4"/>
@@ -750,7 +1262,6 @@
           <a:p>
             <a:fld id="{FC92A4BB-39BE-403C-A496-EAAF42256EA7}" type="datetimeFigureOut">
               <a:rPr lang="en-SG" smtClean="0"/>
-              <a:t>22/3/2019</a:t>
             </a:fld>
             <a:endParaRPr lang="en-SG"/>
           </a:p>
@@ -792,7 +1303,6 @@
           <a:p>
             <a:fld id="{189656B8-E3F2-47CA-B461-608F142D94EF}" type="slidenum">
               <a:rPr lang="en-SG" smtClean="0"/>
-              <a:t>‹#›</a:t>
             </a:fld>
             <a:endParaRPr lang="en-SG"/>
           </a:p>
@@ -971,6 +1481,7 @@
               <a:rPr lang="en-US" smtClean="0"/>
               <a:t>Edit Master text styles</a:t>
             </a:r>
+            <a:endParaRPr lang="en-US" smtClean="0"/>
           </a:p>
         </p:txBody>
       </p:sp>
@@ -991,7 +1502,6 @@
           <a:p>
             <a:fld id="{FC92A4BB-39BE-403C-A496-EAAF42256EA7}" type="datetimeFigureOut">
               <a:rPr lang="en-SG" smtClean="0"/>
-              <a:t>22/3/2019</a:t>
             </a:fld>
             <a:endParaRPr lang="en-SG"/>
           </a:p>
@@ -1033,7 +1543,6 @@
           <a:p>
             <a:fld id="{189656B8-E3F2-47CA-B461-608F142D94EF}" type="slidenum">
               <a:rPr lang="en-SG" smtClean="0"/>
-              <a:t>‹#›</a:t>
             </a:fld>
             <a:endParaRPr lang="en-SG"/>
           </a:p>
@@ -1112,6 +1621,7 @@
               <a:rPr lang="en-US" smtClean="0"/>
               <a:t>Edit Master text styles</a:t>
             </a:r>
+            <a:endParaRPr lang="en-US" smtClean="0"/>
           </a:p>
           <a:p>
             <a:pPr lvl="1"/>
@@ -1119,6 +1629,7 @@
               <a:rPr lang="en-US" smtClean="0"/>
               <a:t>Second level</a:t>
             </a:r>
+            <a:endParaRPr lang="en-US" smtClean="0"/>
           </a:p>
           <a:p>
             <a:pPr lvl="2"/>
@@ -1126,6 +1637,7 @@
               <a:rPr lang="en-US" smtClean="0"/>
               <a:t>Third level</a:t>
             </a:r>
+            <a:endParaRPr lang="en-US" smtClean="0"/>
           </a:p>
           <a:p>
             <a:pPr lvl="3"/>
@@ -1133,6 +1645,7 @@
               <a:rPr lang="en-US" smtClean="0"/>
               <a:t>Fourth level</a:t>
             </a:r>
+            <a:endParaRPr lang="en-US" smtClean="0"/>
           </a:p>
           <a:p>
             <a:pPr lvl="4"/>
@@ -1169,6 +1682,7 @@
               <a:rPr lang="en-US" smtClean="0"/>
               <a:t>Edit Master text styles</a:t>
             </a:r>
+            <a:endParaRPr lang="en-US" smtClean="0"/>
           </a:p>
           <a:p>
             <a:pPr lvl="1"/>
@@ -1176,6 +1690,7 @@
               <a:rPr lang="en-US" smtClean="0"/>
               <a:t>Second level</a:t>
             </a:r>
+            <a:endParaRPr lang="en-US" smtClean="0"/>
           </a:p>
           <a:p>
             <a:pPr lvl="2"/>
@@ -1183,6 +1698,7 @@
               <a:rPr lang="en-US" smtClean="0"/>
               <a:t>Third level</a:t>
             </a:r>
+            <a:endParaRPr lang="en-US" smtClean="0"/>
           </a:p>
           <a:p>
             <a:pPr lvl="3"/>
@@ -1190,6 +1706,7 @@
               <a:rPr lang="en-US" smtClean="0"/>
               <a:t>Fourth level</a:t>
             </a:r>
+            <a:endParaRPr lang="en-US" smtClean="0"/>
           </a:p>
           <a:p>
             <a:pPr lvl="4"/>
@@ -1218,7 +1735,6 @@
           <a:p>
             <a:fld id="{FC92A4BB-39BE-403C-A496-EAAF42256EA7}" type="datetimeFigureOut">
               <a:rPr lang="en-SG" smtClean="0"/>
-              <a:t>22/3/2019</a:t>
             </a:fld>
             <a:endParaRPr lang="en-SG"/>
           </a:p>
@@ -1260,7 +1776,6 @@
           <a:p>
             <a:fld id="{189656B8-E3F2-47CA-B461-608F142D94EF}" type="slidenum">
               <a:rPr lang="en-SG" smtClean="0"/>
-              <a:t>‹#›</a:t>
             </a:fld>
             <a:endParaRPr lang="en-SG"/>
           </a:p>
@@ -1381,6 +1896,7 @@
               <a:rPr lang="en-US" smtClean="0"/>
               <a:t>Edit Master text styles</a:t>
             </a:r>
+            <a:endParaRPr lang="en-US" smtClean="0"/>
           </a:p>
         </p:txBody>
       </p:sp>
@@ -1409,6 +1925,7 @@
               <a:rPr lang="en-US" smtClean="0"/>
               <a:t>Edit Master text styles</a:t>
             </a:r>
+            <a:endParaRPr lang="en-US" smtClean="0"/>
           </a:p>
           <a:p>
             <a:pPr lvl="1"/>
@@ -1416,6 +1933,7 @@
               <a:rPr lang="en-US" smtClean="0"/>
               <a:t>Second level</a:t>
             </a:r>
+            <a:endParaRPr lang="en-US" smtClean="0"/>
           </a:p>
           <a:p>
             <a:pPr lvl="2"/>
@@ -1423,6 +1941,7 @@
               <a:rPr lang="en-US" smtClean="0"/>
               <a:t>Third level</a:t>
             </a:r>
+            <a:endParaRPr lang="en-US" smtClean="0"/>
           </a:p>
           <a:p>
             <a:pPr lvl="3"/>
@@ -1430,6 +1949,7 @@
               <a:rPr lang="en-US" smtClean="0"/>
               <a:t>Fourth level</a:t>
             </a:r>
+            <a:endParaRPr lang="en-US" smtClean="0"/>
           </a:p>
           <a:p>
             <a:pPr lvl="4"/>
@@ -1503,6 +2023,7 @@
               <a:rPr lang="en-US" smtClean="0"/>
               <a:t>Edit Master text styles</a:t>
             </a:r>
+            <a:endParaRPr lang="en-US" smtClean="0"/>
           </a:p>
         </p:txBody>
       </p:sp>
@@ -1531,6 +2052,7 @@
               <a:rPr lang="en-US" smtClean="0"/>
               <a:t>Edit Master text styles</a:t>
             </a:r>
+            <a:endParaRPr lang="en-US" smtClean="0"/>
           </a:p>
           <a:p>
             <a:pPr lvl="1"/>
@@ -1538,6 +2060,7 @@
               <a:rPr lang="en-US" smtClean="0"/>
               <a:t>Second level</a:t>
             </a:r>
+            <a:endParaRPr lang="en-US" smtClean="0"/>
           </a:p>
           <a:p>
             <a:pPr lvl="2"/>
@@ -1545,6 +2068,7 @@
               <a:rPr lang="en-US" smtClean="0"/>
               <a:t>Third level</a:t>
             </a:r>
+            <a:endParaRPr lang="en-US" smtClean="0"/>
           </a:p>
           <a:p>
             <a:pPr lvl="3"/>
@@ -1552,6 +2076,7 @@
               <a:rPr lang="en-US" smtClean="0"/>
               <a:t>Fourth level</a:t>
             </a:r>
+            <a:endParaRPr lang="en-US" smtClean="0"/>
           </a:p>
           <a:p>
             <a:pPr lvl="4"/>
@@ -1580,7 +2105,6 @@
           <a:p>
             <a:fld id="{FC92A4BB-39BE-403C-A496-EAAF42256EA7}" type="datetimeFigureOut">
               <a:rPr lang="en-SG" smtClean="0"/>
-              <a:t>22/3/2019</a:t>
             </a:fld>
             <a:endParaRPr lang="en-SG"/>
           </a:p>
@@ -1622,7 +2146,6 @@
           <a:p>
             <a:fld id="{189656B8-E3F2-47CA-B461-608F142D94EF}" type="slidenum">
               <a:rPr lang="en-SG" smtClean="0"/>
-              <a:t>‹#›</a:t>
             </a:fld>
             <a:endParaRPr lang="en-SG"/>
           </a:p>
@@ -1693,7 +2216,6 @@
           <a:p>
             <a:fld id="{FC92A4BB-39BE-403C-A496-EAAF42256EA7}" type="datetimeFigureOut">
               <a:rPr lang="en-SG" smtClean="0"/>
-              <a:t>22/3/2019</a:t>
             </a:fld>
             <a:endParaRPr lang="en-SG"/>
           </a:p>
@@ -1735,7 +2257,6 @@
           <a:p>
             <a:fld id="{189656B8-E3F2-47CA-B461-608F142D94EF}" type="slidenum">
               <a:rPr lang="en-SG" smtClean="0"/>
-              <a:t>‹#›</a:t>
             </a:fld>
             <a:endParaRPr lang="en-SG"/>
           </a:p>
@@ -1783,7 +2304,6 @@
           <a:p>
             <a:fld id="{FC92A4BB-39BE-403C-A496-EAAF42256EA7}" type="datetimeFigureOut">
               <a:rPr lang="en-SG" smtClean="0"/>
-              <a:t>22/3/2019</a:t>
             </a:fld>
             <a:endParaRPr lang="en-SG"/>
           </a:p>
@@ -1825,7 +2345,6 @@
           <a:p>
             <a:fld id="{189656B8-E3F2-47CA-B461-608F142D94EF}" type="slidenum">
               <a:rPr lang="en-SG" smtClean="0"/>
-              <a:t>‹#›</a:t>
             </a:fld>
             <a:endParaRPr lang="en-SG"/>
           </a:p>
@@ -1941,6 +2460,7 @@
               <a:rPr lang="en-US" smtClean="0"/>
               <a:t>Edit Master text styles</a:t>
             </a:r>
+            <a:endParaRPr lang="en-US" smtClean="0"/>
           </a:p>
           <a:p>
             <a:pPr lvl="1"/>
@@ -1948,6 +2468,7 @@
               <a:rPr lang="en-US" smtClean="0"/>
               <a:t>Second level</a:t>
             </a:r>
+            <a:endParaRPr lang="en-US" smtClean="0"/>
           </a:p>
           <a:p>
             <a:pPr lvl="2"/>
@@ -1955,6 +2476,7 @@
               <a:rPr lang="en-US" smtClean="0"/>
               <a:t>Third level</a:t>
             </a:r>
+            <a:endParaRPr lang="en-US" smtClean="0"/>
           </a:p>
           <a:p>
             <a:pPr lvl="3"/>
@@ -1962,6 +2484,7 @@
               <a:rPr lang="en-US" smtClean="0"/>
               <a:t>Fourth level</a:t>
             </a:r>
+            <a:endParaRPr lang="en-US" smtClean="0"/>
           </a:p>
           <a:p>
             <a:pPr lvl="4"/>
@@ -2035,6 +2558,7 @@
               <a:rPr lang="en-US" smtClean="0"/>
               <a:t>Edit Master text styles</a:t>
             </a:r>
+            <a:endParaRPr lang="en-US" smtClean="0"/>
           </a:p>
         </p:txBody>
       </p:sp>
@@ -2055,7 +2579,6 @@
           <a:p>
             <a:fld id="{FC92A4BB-39BE-403C-A496-EAAF42256EA7}" type="datetimeFigureOut">
               <a:rPr lang="en-SG" smtClean="0"/>
-              <a:t>22/3/2019</a:t>
             </a:fld>
             <a:endParaRPr lang="en-SG"/>
           </a:p>
@@ -2097,7 +2620,6 @@
           <a:p>
             <a:fld id="{189656B8-E3F2-47CA-B461-608F142D94EF}" type="slidenum">
               <a:rPr lang="en-SG" smtClean="0"/>
-              <a:t>‹#›</a:t>
             </a:fld>
             <a:endParaRPr lang="en-SG"/>
           </a:p>
@@ -2283,6 +2805,7 @@
               <a:rPr lang="en-US" smtClean="0"/>
               <a:t>Edit Master text styles</a:t>
             </a:r>
+            <a:endParaRPr lang="en-US" smtClean="0"/>
           </a:p>
         </p:txBody>
       </p:sp>
@@ -2303,7 +2826,6 @@
           <a:p>
             <a:fld id="{FC92A4BB-39BE-403C-A496-EAAF42256EA7}" type="datetimeFigureOut">
               <a:rPr lang="en-SG" smtClean="0"/>
-              <a:t>22/3/2019</a:t>
             </a:fld>
             <a:endParaRPr lang="en-SG"/>
           </a:p>
@@ -2345,7 +2867,6 @@
           <a:p>
             <a:fld id="{189656B8-E3F2-47CA-B461-608F142D94EF}" type="slidenum">
               <a:rPr lang="en-SG" smtClean="0"/>
-              <a:t>‹#›</a:t>
             </a:fld>
             <a:endParaRPr lang="en-SG"/>
           </a:p>
@@ -2444,6 +2965,7 @@
               <a:rPr lang="en-US" smtClean="0"/>
               <a:t>Edit Master text styles</a:t>
             </a:r>
+            <a:endParaRPr lang="en-US" smtClean="0"/>
           </a:p>
           <a:p>
             <a:pPr lvl="1"/>
@@ -2451,6 +2973,7 @@
               <a:rPr lang="en-US" smtClean="0"/>
               <a:t>Second level</a:t>
             </a:r>
+            <a:endParaRPr lang="en-US" smtClean="0"/>
           </a:p>
           <a:p>
             <a:pPr lvl="2"/>
@@ -2458,6 +2981,7 @@
               <a:rPr lang="en-US" smtClean="0"/>
               <a:t>Third level</a:t>
             </a:r>
+            <a:endParaRPr lang="en-US" smtClean="0"/>
           </a:p>
           <a:p>
             <a:pPr lvl="3"/>
@@ -2465,6 +2989,7 @@
               <a:rPr lang="en-US" smtClean="0"/>
               <a:t>Fourth level</a:t>
             </a:r>
+            <a:endParaRPr lang="en-US" smtClean="0"/>
           </a:p>
           <a:p>
             <a:pPr lvl="4"/>
@@ -2511,7 +3036,6 @@
           <a:p>
             <a:fld id="{FC92A4BB-39BE-403C-A496-EAAF42256EA7}" type="datetimeFigureOut">
               <a:rPr lang="en-SG" smtClean="0"/>
-              <a:t>22/3/2019</a:t>
             </a:fld>
             <a:endParaRPr lang="en-SG"/>
           </a:p>
@@ -2589,7 +3113,6 @@
           <a:p>
             <a:fld id="{189656B8-E3F2-47CA-B461-608F142D94EF}" type="slidenum">
               <a:rPr lang="en-SG" smtClean="0"/>
-              <a:t>‹#›</a:t>
             </a:fld>
             <a:endParaRPr lang="en-SG"/>
           </a:p>
@@ -3041,7 +3564,7 @@
                   <a:schemeClr val="tx1"/>
                 </a:solidFill>
               </a:rPr>
-              <a:t>trelka </a:t>
+              <a:t>trelka SBS</a:t>
             </a:r>
             <a:r>
               <a:rPr lang="en-US" sz="1100" kern="1200" dirty="0" smtClean="0">
@@ -3049,7 +3572,7 @@
                   <a:schemeClr val="tx1"/>
                 </a:solidFill>
               </a:rPr>
-              <a:t>SNS </a:t>
+              <a:t> </a:t>
             </a:r>
             <a:r>
               <a:rPr lang="en-US" sz="1100" kern="1200" dirty="0" smtClean="0">
@@ -3059,6 +3582,11 @@
               </a:rPr>
               <a:t>VCF</a:t>
             </a:r>
+            <a:endParaRPr lang="en-US" sz="1100" kern="1200" dirty="0" smtClean="0">
+              <a:solidFill>
+                <a:schemeClr val="tx1"/>
+              </a:solidFill>
+            </a:endParaRPr>
           </a:p>
         </p:txBody>
       </p:sp>
@@ -3192,23 +3720,7 @@
                   <a:schemeClr val="tx1"/>
                 </a:solidFill>
               </a:rPr>
-              <a:t> S</a:t>
-            </a:r>
-            <a:r>
-              <a:rPr lang="en-US" altLang="zh-CN" sz="1100" kern="1200" dirty="0" smtClean="0">
-                <a:solidFill>
-                  <a:schemeClr val="tx1"/>
-                </a:solidFill>
-              </a:rPr>
-              <a:t>N</a:t>
-            </a:r>
-            <a:r>
-              <a:rPr lang="en-US" sz="1100" kern="1200" dirty="0" smtClean="0">
-                <a:solidFill>
-                  <a:schemeClr val="tx1"/>
-                </a:solidFill>
-              </a:rPr>
-              <a:t>S </a:t>
+              <a:t> SBS </a:t>
             </a:r>
             <a:r>
               <a:rPr lang="en-US" sz="1100" kern="1200" dirty="0" err="1" smtClean="0">
@@ -3348,7 +3860,7 @@
                   <a:schemeClr val="tx1"/>
                 </a:solidFill>
               </a:rPr>
-              <a:t>Unannotated DNS </a:t>
+              <a:t>Unannotated DBS </a:t>
             </a:r>
             <a:r>
               <a:rPr lang="en-US" sz="1100" dirty="0" err="1" smtClean="0">
@@ -3382,7 +3894,7 @@
                   <a:schemeClr val="tx1"/>
                 </a:solidFill>
               </a:rPr>
-              <a:t>(no SNSs)</a:t>
+              <a:t>(no SBSs)</a:t>
             </a:r>
             <a:endParaRPr lang="en-US" sz="1100" kern="1200" dirty="0">
               <a:solidFill>
@@ -3522,7 +4034,15 @@
                   <a:schemeClr val="tx1"/>
                 </a:solidFill>
               </a:rPr>
-              <a:t>TNSs</a:t>
+              <a:t>TBS</a:t>
+            </a:r>
+            <a:r>
+              <a:rPr lang="en-US" sz="1100" kern="1200" dirty="0" err="1" smtClean="0">
+                <a:solidFill>
+                  <a:schemeClr val="tx1"/>
+                </a:solidFill>
+              </a:rPr>
+              <a:t>s</a:t>
             </a:r>
             <a:endParaRPr lang="en-US" sz="1100" kern="1200" dirty="0" smtClean="0">
               <a:solidFill>
@@ -3684,6 +4204,11 @@
               </a:rPr>
               <a:t>Calculate VAF</a:t>
             </a:r>
+            <a:endParaRPr lang="en-US" sz="1100" kern="1200" dirty="0" smtClean="0">
+              <a:solidFill>
+                <a:schemeClr val="tx1"/>
+              </a:solidFill>
+            </a:endParaRPr>
           </a:p>
         </p:txBody>
       </p:sp>
@@ -3936,6 +4461,11 @@
               </a:rPr>
               <a:t>Read Strelka ID</a:t>
             </a:r>
+            <a:endParaRPr lang="en-US" sz="1100" dirty="0" smtClean="0">
+              <a:solidFill>
+                <a:schemeClr val="tx1"/>
+              </a:solidFill>
+            </a:endParaRPr>
           </a:p>
           <a:p>
             <a:pPr lvl="0" algn="ctr" defTabSz="533400">
@@ -3957,6 +4487,11 @@
               </a:rPr>
               <a:t>VCF</a:t>
             </a:r>
+            <a:endParaRPr lang="en-US" sz="1100" kern="1200" dirty="0" smtClean="0">
+              <a:solidFill>
+                <a:schemeClr val="tx1"/>
+              </a:solidFill>
+            </a:endParaRPr>
           </a:p>
         </p:txBody>
       </p:sp>
@@ -4076,8 +4611,13 @@
                   <a:schemeClr val="tx1"/>
                 </a:solidFill>
               </a:rPr>
-              <a:t>Split SNS, DNS, TNS, and longer</a:t>
-            </a:r>
+              <a:t>Split SBS, DBS, TBS, and longer</a:t>
+            </a:r>
+            <a:endParaRPr lang="en-US" sz="1100" kern="1200" dirty="0" smtClean="0">
+              <a:solidFill>
+                <a:schemeClr val="tx1"/>
+              </a:solidFill>
+            </a:endParaRPr>
           </a:p>
         </p:txBody>
       </p:sp>
@@ -4435,7 +4975,7 @@
         <p:spPr>
           <a:xfrm>
             <a:off x="693794" y="1706478"/>
-            <a:ext cx="2883097" cy="369332"/>
+            <a:ext cx="2828925" cy="368300"/>
           </a:xfrm>
           <a:prstGeom prst="rect">
             <a:avLst/>
@@ -4454,7 +4994,7 @@
                   <a:srgbClr val="FF0000"/>
                 </a:solidFill>
               </a:rPr>
-              <a:t>ReadAndSplitStrelkaSNSVCFs</a:t>
+              <a:t>ReadAndSplitStrelkaSBSVCFs</a:t>
             </a:r>
             <a:endParaRPr lang="en-US" dirty="0">
               <a:solidFill>
@@ -4541,7 +5081,7 @@
         <p:spPr>
           <a:xfrm>
             <a:off x="3505966" y="1410657"/>
-            <a:ext cx="3123932" cy="307777"/>
+            <a:ext cx="3068955" cy="306705"/>
           </a:xfrm>
           <a:prstGeom prst="rect">
             <a:avLst/>
@@ -4556,8 +5096,9 @@
           <a:p>
             <a:r>
               <a:rPr lang="en-US" sz="1400" dirty="0"/>
-              <a:t>MCF10A_Carb_Low_cl2_Strelka_SNS.vcf</a:t>
-            </a:r>
+              <a:t>MCF10A_Carb_Low_cl2_Strelka_SBS.vcf</a:t>
+            </a:r>
+            <a:endParaRPr lang="en-US" sz="1400" dirty="0"/>
           </a:p>
         </p:txBody>
       </p:sp>
@@ -4603,7 +5144,7 @@
         <p:spPr>
           <a:xfrm>
             <a:off x="2868570" y="2680138"/>
-            <a:ext cx="1673792" cy="307777"/>
+            <a:ext cx="1637030" cy="306705"/>
           </a:xfrm>
           <a:prstGeom prst="rect">
             <a:avLst/>
@@ -4622,7 +5163,7 @@
                   <a:srgbClr val="FF0000"/>
                 </a:solidFill>
               </a:rPr>
-              <a:t>ReadStrelkaSNSVCFs</a:t>
+              <a:t>ReadStrelkaSBSVCFs</a:t>
             </a:r>
             <a:endParaRPr lang="en-US" sz="1400" dirty="0">
               <a:solidFill>
@@ -4641,7 +5182,7 @@
         <p:spPr>
           <a:xfrm>
             <a:off x="2868570" y="3611805"/>
-            <a:ext cx="2048446" cy="307777"/>
+            <a:ext cx="2007235" cy="306705"/>
           </a:xfrm>
           <a:prstGeom prst="rect">
             <a:avLst/>
@@ -4656,18 +5197,13 @@
           <a:p>
             <a:r>
               <a:rPr lang="en-US" sz="1400" dirty="0" err="1" smtClean="0"/>
-              <a:t>SplitListOfStrelkaSNSVCFs</a:t>
+              <a:t>SplitListOfStrelkaSBSVCFs</a:t>
             </a:r>
             <a:endParaRPr lang="en-US" sz="1400" dirty="0"/>
           </a:p>
         </p:txBody>
       </p:sp>
     </p:spTree>
-    <p:extLst>
-      <p:ext uri="{BB962C8B-B14F-4D97-AF65-F5344CB8AC3E}">
-        <p14:creationId xmlns:p14="http://schemas.microsoft.com/office/powerpoint/2010/main" val="1767432901"/>
-      </p:ext>
-    </p:extLst>
   </p:cSld>
   <p:clrMapOvr>
     <a:masterClrMapping/>
@@ -4831,6 +5367,11 @@
               </a:rPr>
               <a:t> SBS VCF</a:t>
             </a:r>
+            <a:endParaRPr lang="en-US" sz="1100" kern="1200" dirty="0" smtClean="0">
+              <a:solidFill>
+                <a:schemeClr val="tx1"/>
+              </a:solidFill>
+            </a:endParaRPr>
           </a:p>
         </p:txBody>
       </p:sp>
@@ -4964,23 +5505,7 @@
                   <a:schemeClr val="tx1"/>
                 </a:solidFill>
               </a:rPr>
-              <a:t> S</a:t>
-            </a:r>
-            <a:r>
-              <a:rPr lang="en-US" altLang="zh-CN" sz="1100" kern="1200" dirty="0" smtClean="0">
-                <a:solidFill>
-                  <a:schemeClr val="tx1"/>
-                </a:solidFill>
-              </a:rPr>
-              <a:t>N</a:t>
-            </a:r>
-            <a:r>
-              <a:rPr lang="en-US" sz="1100" kern="1200" dirty="0" smtClean="0">
-                <a:solidFill>
-                  <a:schemeClr val="tx1"/>
-                </a:solidFill>
-              </a:rPr>
-              <a:t>S </a:t>
+              <a:t> SBS </a:t>
             </a:r>
             <a:r>
               <a:rPr lang="en-US" sz="1100" kern="1200" dirty="0" err="1" smtClean="0">
@@ -5120,7 +5645,7 @@
                   <a:schemeClr val="tx1"/>
                 </a:solidFill>
               </a:rPr>
-              <a:t>Unannotated DNS </a:t>
+              <a:t>Unannotated DBS </a:t>
             </a:r>
             <a:r>
               <a:rPr lang="en-US" sz="1100" dirty="0" err="1" smtClean="0">
@@ -5144,7 +5669,7 @@
                   <a:schemeClr val="tx1"/>
                 </a:solidFill>
               </a:rPr>
-              <a:t>(no SNSs)</a:t>
+              <a:t>(no SBSs)</a:t>
             </a:r>
             <a:endParaRPr lang="en-US" sz="1100" kern="1200" dirty="0">
               <a:solidFill>
@@ -5292,7 +5817,7 @@
                   <a:schemeClr val="tx1"/>
                 </a:solidFill>
               </a:rPr>
-              <a:t>3NSs</a:t>
+              <a:t>3BSs</a:t>
             </a:r>
             <a:endParaRPr lang="en-US" sz="1100" kern="1200" dirty="0" smtClean="0">
               <a:solidFill>
@@ -5454,6 +5979,11 @@
               </a:rPr>
               <a:t>Calculate VAF</a:t>
             </a:r>
+            <a:endParaRPr lang="en-US" sz="1100" kern="1200" dirty="0" smtClean="0">
+              <a:solidFill>
+                <a:schemeClr val="tx1"/>
+              </a:solidFill>
+            </a:endParaRPr>
           </a:p>
         </p:txBody>
       </p:sp>
@@ -5673,7 +6203,7 @@
                   <a:schemeClr val="tx1"/>
                 </a:solidFill>
               </a:rPr>
-              <a:t>Split SNS, DNS, TNS and longer, and </a:t>
+              <a:t>Split SBS, DBS, TBS and longer, and </a:t>
             </a:r>
             <a:r>
               <a:rPr lang="en-US" sz="1100" kern="1200" dirty="0" err="1" smtClean="0">
@@ -6231,6 +6761,7 @@
               <a:rPr lang="en-US" sz="1400" dirty="0"/>
               <a:t>MCF10A_Carb_Low_cl2_Mutect.vcf</a:t>
             </a:r>
+            <a:endParaRPr lang="en-US" sz="1400" dirty="0"/>
           </a:p>
         </p:txBody>
       </p:sp>
@@ -6340,11 +6871,6 @@
         </p:txBody>
       </p:sp>
     </p:spTree>
-    <p:extLst>
-      <p:ext uri="{BB962C8B-B14F-4D97-AF65-F5344CB8AC3E}">
-        <p14:creationId xmlns:p14="http://schemas.microsoft.com/office/powerpoint/2010/main" val="2929643870"/>
-      </p:ext>
-    </p:extLst>
   </p:cSld>
   <p:clrMapOvr>
     <a:masterClrMapping/>
@@ -6510,23 +7036,7 @@
                   <a:schemeClr val="tx1"/>
                 </a:solidFill>
               </a:rPr>
-              <a:t>Annotated S</a:t>
-            </a:r>
-            <a:r>
-              <a:rPr lang="en-US" altLang="zh-CN" sz="1100" kern="1200" dirty="0" smtClean="0">
-                <a:solidFill>
-                  <a:schemeClr val="tx1"/>
-                </a:solidFill>
-              </a:rPr>
-              <a:t>N</a:t>
-            </a:r>
-            <a:r>
-              <a:rPr lang="en-US" sz="1100" kern="1200" dirty="0" smtClean="0">
-                <a:solidFill>
-                  <a:schemeClr val="tx1"/>
-                </a:solidFill>
-              </a:rPr>
-              <a:t>S </a:t>
+              <a:t>Annotated SBS </a:t>
             </a:r>
             <a:r>
               <a:rPr lang="en-US" sz="1100" kern="1200" dirty="0" err="1" smtClean="0">
@@ -6666,8 +7176,13 @@
                   <a:schemeClr val="tx1"/>
                 </a:solidFill>
               </a:rPr>
-              <a:t>SNS Catalog</a:t>
-            </a:r>
+              <a:t>SBS Catalog</a:t>
+            </a:r>
+            <a:endParaRPr lang="en-US" sz="1100" kern="1200" dirty="0" smtClean="0">
+              <a:solidFill>
+                <a:schemeClr val="tx1"/>
+              </a:solidFill>
+            </a:endParaRPr>
           </a:p>
           <a:p>
             <a:pPr lvl="0" algn="ctr" defTabSz="533400">
@@ -7067,7 +7582,7 @@
                   <a:schemeClr val="tx1"/>
                 </a:solidFill>
               </a:rPr>
-              <a:t>SNS catalog </a:t>
+              <a:t>SBS catalog </a:t>
             </a:r>
             <a:r>
               <a:rPr lang="en-US" sz="1100" kern="1200" dirty="0" err="1" smtClean="0">
@@ -7103,6 +7618,11 @@
               </a:rPr>
               <a:t>(192)</a:t>
             </a:r>
+            <a:endParaRPr lang="en-US" sz="1100" kern="1200" dirty="0" smtClean="0">
+              <a:solidFill>
+                <a:schemeClr val="tx1"/>
+              </a:solidFill>
+            </a:endParaRPr>
           </a:p>
         </p:txBody>
       </p:sp>
@@ -7344,8 +7864,13 @@
                   <a:schemeClr val="tx1"/>
                 </a:solidFill>
               </a:rPr>
-              <a:t>SNS catalog</a:t>
-            </a:r>
+              <a:t>SBS catalog</a:t>
+            </a:r>
+            <a:endParaRPr lang="en-US" sz="1100" kern="1200" dirty="0" smtClean="0">
+              <a:solidFill>
+                <a:schemeClr val="tx1"/>
+              </a:solidFill>
+            </a:endParaRPr>
           </a:p>
           <a:p>
             <a:pPr lvl="0" algn="ctr" defTabSz="533400">
@@ -7629,7 +8154,7 @@
                   <a:schemeClr val="tx1"/>
                 </a:solidFill>
               </a:rPr>
-              <a:t>Annotated DNS </a:t>
+              <a:t>Annotated DBS </a:t>
             </a:r>
             <a:r>
               <a:rPr lang="en-US" sz="1100" dirty="0" err="1" smtClean="0">
@@ -7653,7 +8178,7 @@
                   <a:schemeClr val="tx1"/>
                 </a:solidFill>
               </a:rPr>
-              <a:t>(no SNSs)</a:t>
+              <a:t>(no SBSs)</a:t>
             </a:r>
             <a:endParaRPr lang="en-US" sz="1100" kern="1200" dirty="0">
               <a:solidFill>
@@ -7785,7 +8310,7 @@
                   <a:schemeClr val="tx1"/>
                 </a:solidFill>
               </a:rPr>
-              <a:t> DNS </a:t>
+              <a:t> DBS </a:t>
             </a:r>
             <a:r>
               <a:rPr lang="en-US" sz="1100" kern="1200" dirty="0" smtClean="0">
@@ -7795,6 +8320,11 @@
               </a:rPr>
               <a:t>catalog</a:t>
             </a:r>
+            <a:endParaRPr lang="en-US" sz="1100" kern="1200" dirty="0" smtClean="0">
+              <a:solidFill>
+                <a:schemeClr val="tx1"/>
+              </a:solidFill>
+            </a:endParaRPr>
           </a:p>
           <a:p>
             <a:pPr lvl="0" algn="ctr" defTabSz="533400">
@@ -8070,8 +8600,21 @@
                   <a:schemeClr val="tx1"/>
                 </a:solidFill>
               </a:rPr>
-              <a:t>DNS catalog</a:t>
-            </a:r>
+              <a:t>DBS</a:t>
+            </a:r>
+            <a:r>
+              <a:rPr lang="en-US" sz="1100" dirty="0">
+                <a:solidFill>
+                  <a:schemeClr val="tx1"/>
+                </a:solidFill>
+              </a:rPr>
+              <a:t> catalog</a:t>
+            </a:r>
+            <a:endParaRPr lang="en-US" sz="1100" dirty="0">
+              <a:solidFill>
+                <a:schemeClr val="tx1"/>
+              </a:solidFill>
+            </a:endParaRPr>
           </a:p>
           <a:p>
             <a:pPr lvl="0" algn="ctr" defTabSz="533400">
@@ -8093,6 +8636,11 @@
               </a:rPr>
               <a:t>(144)</a:t>
             </a:r>
+            <a:endParaRPr lang="en-US" sz="1100" dirty="0">
+              <a:solidFill>
+                <a:schemeClr val="tx1"/>
+              </a:solidFill>
+            </a:endParaRPr>
           </a:p>
         </p:txBody>
       </p:sp>
@@ -8475,6 +9023,11 @@
               </a:rPr>
               <a:t>Quad catalog</a:t>
             </a:r>
+            <a:endParaRPr lang="en-US" sz="1100" kern="1200" dirty="0" smtClean="0">
+              <a:solidFill>
+                <a:schemeClr val="tx1"/>
+              </a:solidFill>
+            </a:endParaRPr>
           </a:p>
           <a:p>
             <a:pPr lvl="0" algn="ctr" defTabSz="533400">
@@ -8817,6 +9370,11 @@
               </a:rPr>
               <a:t> catalog</a:t>
             </a:r>
+            <a:endParaRPr lang="en-US" sz="1100" kern="1200" dirty="0" smtClean="0">
+              <a:solidFill>
+                <a:schemeClr val="tx1"/>
+              </a:solidFill>
+            </a:endParaRPr>
           </a:p>
         </p:txBody>
       </p:sp>
@@ -9208,16 +9766,171 @@
           </a:p>
         </p:txBody>
       </p:sp>
-      <p:sp>
-        <p:nvSpPr>
-          <p:cNvPr id="127" name="Freeform 126"/>
+      <p:cxnSp>
+        <p:nvCxnSpPr>
+          <p:cNvPr id="9" name="Straight Connector 8"/>
+          <p:cNvCxnSpPr/>
+          <p:nvPr/>
+        </p:nvCxnSpPr>
+        <p:spPr>
+          <a:xfrm>
+            <a:off x="7588853" y="4184882"/>
+            <a:ext cx="26697" cy="186884"/>
+          </a:xfrm>
+          <a:prstGeom prst="line">
+            <a:avLst/>
+          </a:prstGeom>
+          <a:ln w="12700"/>
+        </p:spPr>
+        <p:style>
+          <a:lnRef idx="1">
+            <a:schemeClr val="accent1"/>
+          </a:lnRef>
+          <a:fillRef idx="0">
+            <a:schemeClr val="accent1"/>
+          </a:fillRef>
+          <a:effectRef idx="0">
+            <a:schemeClr val="accent1"/>
+          </a:effectRef>
+          <a:fontRef idx="minor">
+            <a:schemeClr val="tx1"/>
+          </a:fontRef>
+        </p:style>
+      </p:cxnSp>
+      <p:cxnSp>
+        <p:nvCxnSpPr>
+          <p:cNvPr id="120" name="Straight Connector 119"/>
+          <p:cNvCxnSpPr/>
+          <p:nvPr/>
+        </p:nvCxnSpPr>
+        <p:spPr>
+          <a:xfrm>
+            <a:off x="4323932" y="4197118"/>
+            <a:ext cx="33373" cy="113466"/>
+          </a:xfrm>
+          <a:prstGeom prst="line">
+            <a:avLst/>
+          </a:prstGeom>
+        </p:spPr>
+        <p:style>
+          <a:lnRef idx="1">
+            <a:schemeClr val="accent1"/>
+          </a:lnRef>
+          <a:fillRef idx="0">
+            <a:schemeClr val="accent1"/>
+          </a:fillRef>
+          <a:effectRef idx="0">
+            <a:schemeClr val="accent1"/>
+          </a:effectRef>
+          <a:fontRef idx="minor">
+            <a:schemeClr val="tx1"/>
+          </a:fontRef>
+        </p:style>
+      </p:cxnSp>
+      <p:cxnSp>
+        <p:nvCxnSpPr>
+          <p:cNvPr id="128" name="Straight Connector 127"/>
+          <p:cNvCxnSpPr/>
+          <p:nvPr/>
+        </p:nvCxnSpPr>
+        <p:spPr>
+          <a:xfrm>
+            <a:off x="3201512" y="4196006"/>
+            <a:ext cx="19566" cy="130929"/>
+          </a:xfrm>
+          <a:prstGeom prst="line">
+            <a:avLst/>
+          </a:prstGeom>
+        </p:spPr>
+        <p:style>
+          <a:lnRef idx="1">
+            <a:schemeClr val="accent1"/>
+          </a:lnRef>
+          <a:fillRef idx="0">
+            <a:schemeClr val="accent1"/>
+          </a:fillRef>
+          <a:effectRef idx="0">
+            <a:schemeClr val="accent1"/>
+          </a:effectRef>
+          <a:fontRef idx="minor">
+            <a:schemeClr val="tx1"/>
+          </a:fontRef>
+        </p:style>
+      </p:cxnSp>
+      <p:cxnSp>
+        <p:nvCxnSpPr>
+          <p:cNvPr id="131" name="Straight Connector 130"/>
+          <p:cNvCxnSpPr/>
+          <p:nvPr/>
+        </p:nvCxnSpPr>
+        <p:spPr>
+          <a:xfrm>
+            <a:off x="6513154" y="4123702"/>
+            <a:ext cx="26697" cy="186884"/>
+          </a:xfrm>
+          <a:prstGeom prst="line">
+            <a:avLst/>
+          </a:prstGeom>
+          <a:ln w="12700"/>
+        </p:spPr>
+        <p:style>
+          <a:lnRef idx="1">
+            <a:schemeClr val="accent1"/>
+          </a:lnRef>
+          <a:fillRef idx="0">
+            <a:schemeClr val="accent1"/>
+          </a:fillRef>
+          <a:effectRef idx="0">
+            <a:schemeClr val="accent1"/>
+          </a:effectRef>
+          <a:fontRef idx="minor">
+            <a:schemeClr val="tx1"/>
+          </a:fontRef>
+        </p:style>
+      </p:cxnSp>
+      <p:cxnSp>
+        <p:nvCxnSpPr>
+          <p:cNvPr id="11" name="Straight Connector 10"/>
+          <p:cNvCxnSpPr/>
+          <p:nvPr/>
+        </p:nvCxnSpPr>
+        <p:spPr>
+          <a:xfrm>
+            <a:off x="9654042" y="64330"/>
+            <a:ext cx="0" cy="5886162"/>
+          </a:xfrm>
+          <a:prstGeom prst="line">
+            <a:avLst/>
+          </a:prstGeom>
+          <a:ln w="19050">
+            <a:prstDash val="sysDash"/>
+          </a:ln>
+        </p:spPr>
+        <p:style>
+          <a:lnRef idx="1">
+            <a:schemeClr val="accent1"/>
+          </a:lnRef>
+          <a:fillRef idx="0">
+            <a:schemeClr val="accent1"/>
+          </a:fillRef>
+          <a:effectRef idx="0">
+            <a:schemeClr val="accent1"/>
+          </a:effectRef>
+          <a:fontRef idx="minor">
+            <a:schemeClr val="tx1"/>
+          </a:fontRef>
+        </p:style>
+      </p:cxnSp>
+      <p:sp>
+        <p:nvSpPr>
+          <p:cNvPr id="90" name="Freeform 89"/>
           <p:cNvSpPr/>
           <p:nvPr/>
         </p:nvSpPr>
         <p:spPr>
           <a:xfrm>
-            <a:off x="9789124" y="4497906"/>
-            <a:ext cx="928330" cy="464165"/>
+            <a:off x="10371623" y="2963629"/>
+            <a:ext cx="1456607" cy="566541"/>
           </a:xfrm>
           <a:custGeom>
             <a:avLst/>
@@ -9317,14 +10030,22 @@
               </a:spcAft>
             </a:pPr>
             <a:r>
-              <a:rPr lang="en-US" sz="1100" kern="1200" dirty="0" smtClean="0">
+              <a:rPr lang="en-US" sz="1100" dirty="0" smtClean="0">
                 <a:solidFill>
                   <a:schemeClr val="tx1"/>
                 </a:solidFill>
               </a:rPr>
-              <a:t>Plot</a:t>
-            </a:r>
-            <a:endParaRPr lang="en-US" sz="1100" kern="1200" dirty="0">
+              <a:t>Annotated ID </a:t>
+            </a:r>
+            <a:r>
+              <a:rPr lang="en-US" sz="1100" dirty="0" err="1" smtClean="0">
+                <a:solidFill>
+                  <a:schemeClr val="tx1"/>
+                </a:solidFill>
+              </a:rPr>
+              <a:t>VCFs</a:t>
+            </a:r>
+            <a:endParaRPr lang="en-US" sz="1100" dirty="0">
               <a:solidFill>
                 <a:schemeClr val="tx1"/>
               </a:solidFill>
@@ -9332,171 +10053,50 @@
           </a:p>
         </p:txBody>
       </p:sp>
-      <p:cxnSp>
-        <p:nvCxnSpPr>
-          <p:cNvPr id="9" name="Straight Connector 8"/>
-          <p:cNvCxnSpPr/>
-          <p:nvPr/>
-        </p:nvCxnSpPr>
+      <p:sp>
+        <p:nvSpPr>
+          <p:cNvPr id="10" name="Title 9"/>
+          <p:cNvSpPr>
+            <a:spLocks noGrp="1"/>
+          </p:cNvSpPr>
+          <p:nvPr>
+            <p:ph type="title"/>
+          </p:nvPr>
+        </p:nvSpPr>
         <p:spPr>
           <a:xfrm>
-            <a:off x="7588853" y="4184882"/>
-            <a:ext cx="26697" cy="186884"/>
-          </a:xfrm>
-          <a:prstGeom prst="line">
-            <a:avLst/>
-          </a:prstGeom>
-          <a:ln w="12700"/>
-        </p:spPr>
-        <p:style>
-          <a:lnRef idx="1">
-            <a:schemeClr val="accent1"/>
-          </a:lnRef>
-          <a:fillRef idx="0">
-            <a:schemeClr val="accent1"/>
-          </a:fillRef>
-          <a:effectRef idx="0">
-            <a:schemeClr val="accent1"/>
-          </a:effectRef>
-          <a:fontRef idx="minor">
-            <a:schemeClr val="tx1"/>
-          </a:fontRef>
-        </p:style>
-      </p:cxnSp>
-      <p:cxnSp>
-        <p:nvCxnSpPr>
-          <p:cNvPr id="120" name="Straight Connector 119"/>
-          <p:cNvCxnSpPr/>
-          <p:nvPr/>
-        </p:nvCxnSpPr>
-        <p:spPr>
-          <a:xfrm>
-            <a:off x="4323932" y="4197118"/>
-            <a:ext cx="33373" cy="113466"/>
-          </a:xfrm>
-          <a:prstGeom prst="line">
-            <a:avLst/>
-          </a:prstGeom>
-        </p:spPr>
-        <p:style>
-          <a:lnRef idx="1">
-            <a:schemeClr val="accent1"/>
-          </a:lnRef>
-          <a:fillRef idx="0">
-            <a:schemeClr val="accent1"/>
-          </a:fillRef>
-          <a:effectRef idx="0">
-            <a:schemeClr val="accent1"/>
-          </a:effectRef>
-          <a:fontRef idx="minor">
-            <a:schemeClr val="tx1"/>
-          </a:fontRef>
-        </p:style>
-      </p:cxnSp>
-      <p:cxnSp>
-        <p:nvCxnSpPr>
-          <p:cNvPr id="128" name="Straight Connector 127"/>
-          <p:cNvCxnSpPr/>
-          <p:nvPr/>
-        </p:nvCxnSpPr>
-        <p:spPr>
-          <a:xfrm>
-            <a:off x="3201512" y="4196006"/>
-            <a:ext cx="19566" cy="130929"/>
-          </a:xfrm>
-          <a:prstGeom prst="line">
-            <a:avLst/>
-          </a:prstGeom>
-        </p:spPr>
-        <p:style>
-          <a:lnRef idx="1">
-            <a:schemeClr val="accent1"/>
-          </a:lnRef>
-          <a:fillRef idx="0">
-            <a:schemeClr val="accent1"/>
-          </a:fillRef>
-          <a:effectRef idx="0">
-            <a:schemeClr val="accent1"/>
-          </a:effectRef>
-          <a:fontRef idx="minor">
-            <a:schemeClr val="tx1"/>
-          </a:fontRef>
-        </p:style>
-      </p:cxnSp>
-      <p:cxnSp>
-        <p:nvCxnSpPr>
-          <p:cNvPr id="131" name="Straight Connector 130"/>
-          <p:cNvCxnSpPr/>
-          <p:nvPr/>
-        </p:nvCxnSpPr>
-        <p:spPr>
-          <a:xfrm>
-            <a:off x="6513154" y="4123702"/>
-            <a:ext cx="26697" cy="186884"/>
-          </a:xfrm>
-          <a:prstGeom prst="line">
-            <a:avLst/>
-          </a:prstGeom>
-          <a:ln w="12700"/>
-        </p:spPr>
-        <p:style>
-          <a:lnRef idx="1">
-            <a:schemeClr val="accent1"/>
-          </a:lnRef>
-          <a:fillRef idx="0">
-            <a:schemeClr val="accent1"/>
-          </a:fillRef>
-          <a:effectRef idx="0">
-            <a:schemeClr val="accent1"/>
-          </a:effectRef>
-          <a:fontRef idx="minor">
-            <a:schemeClr val="tx1"/>
-          </a:fontRef>
-        </p:style>
-      </p:cxnSp>
-      <p:cxnSp>
-        <p:nvCxnSpPr>
-          <p:cNvPr id="11" name="Straight Connector 10"/>
-          <p:cNvCxnSpPr/>
-          <p:nvPr/>
-        </p:nvCxnSpPr>
-        <p:spPr>
-          <a:xfrm>
-            <a:off x="9654042" y="64330"/>
-            <a:ext cx="0" cy="5886162"/>
-          </a:xfrm>
-          <a:prstGeom prst="line">
-            <a:avLst/>
-          </a:prstGeom>
-          <a:ln w="19050">
-            <a:prstDash val="sysDash"/>
-          </a:ln>
-        </p:spPr>
-        <p:style>
-          <a:lnRef idx="1">
-            <a:schemeClr val="accent1"/>
-          </a:lnRef>
-          <a:fillRef idx="0">
-            <a:schemeClr val="accent1"/>
-          </a:fillRef>
-          <a:effectRef idx="0">
-            <a:schemeClr val="accent1"/>
-          </a:effectRef>
-          <a:fontRef idx="minor">
-            <a:schemeClr val="tx1"/>
-          </a:fontRef>
-        </p:style>
-      </p:cxnSp>
-      <p:sp>
-        <p:nvSpPr>
-          <p:cNvPr id="90" name="Freeform 89"/>
+            <a:off x="819820" y="195112"/>
+            <a:ext cx="10515600" cy="714694"/>
+          </a:xfrm>
+        </p:spPr>
+        <p:txBody>
+          <a:bodyPr>
+            <a:normAutofit/>
+          </a:bodyPr>
+          <a:lstStyle/>
+          <a:p>
+            <a:r>
+              <a:rPr lang="en-US" sz="4000" dirty="0" err="1" smtClean="0"/>
+              <a:t>VCFs</a:t>
+            </a:r>
+            <a:r>
+              <a:rPr lang="en-US" sz="4000" dirty="0" smtClean="0"/>
+              <a:t> to catalogs and beyond</a:t>
+            </a:r>
+            <a:endParaRPr lang="en-US" sz="4000" dirty="0"/>
+          </a:p>
+        </p:txBody>
+      </p:sp>
+      <p:sp>
+        <p:nvSpPr>
+          <p:cNvPr id="91" name="Freeform 90"/>
           <p:cNvSpPr/>
           <p:nvPr/>
         </p:nvSpPr>
         <p:spPr>
           <a:xfrm>
-            <a:off x="10371623" y="2963629"/>
-            <a:ext cx="1456607" cy="566541"/>
+            <a:off x="1879344" y="1944781"/>
+            <a:ext cx="3616245" cy="233236"/>
           </a:xfrm>
           <a:custGeom>
             <a:avLst/>
@@ -9596,22 +10196,38 @@
               </a:spcAft>
             </a:pPr>
             <a:r>
-              <a:rPr lang="en-US" sz="1100" dirty="0" smtClean="0">
+              <a:rPr lang="en-US" sz="1100" kern="1200" dirty="0" err="1" smtClean="0">
                 <a:solidFill>
                   <a:schemeClr val="tx1"/>
                 </a:solidFill>
               </a:rPr>
-              <a:t>Annotated ID </a:t>
-            </a:r>
-            <a:r>
-              <a:rPr lang="en-US" sz="1100" dirty="0" err="1" smtClean="0">
+              <a:t>AddSeqContext</a:t>
+            </a:r>
+            <a:r>
+              <a:rPr lang="en-US" sz="1100" kern="1200" dirty="0" smtClean="0">
                 <a:solidFill>
                   <a:schemeClr val="tx1"/>
                 </a:solidFill>
               </a:rPr>
-              <a:t>VCFs</a:t>
-            </a:r>
-            <a:endParaRPr lang="en-US" sz="1100" dirty="0">
+              <a:t>(), </a:t>
+            </a:r>
+            <a:r>
+              <a:rPr lang="en-US" sz="1100" kern="1200" dirty="0" err="1" smtClean="0">
+                <a:solidFill>
+                  <a:schemeClr val="tx1"/>
+                </a:solidFill>
+              </a:rPr>
+              <a:t>AddTranscript</a:t>
+            </a:r>
+            <a:r>
+              <a:rPr lang="en-US" sz="1100" kern="1200" smtClean="0">
+                <a:solidFill>
+                  <a:schemeClr val="tx1"/>
+                </a:solidFill>
+              </a:rPr>
+              <a:t>()</a:t>
+            </a:r>
+            <a:endParaRPr lang="en-US" sz="1100" kern="1200" dirty="0">
               <a:solidFill>
                 <a:schemeClr val="tx1"/>
               </a:solidFill>
@@ -9621,48 +10237,14 @@
       </p:sp>
       <p:sp>
         <p:nvSpPr>
-          <p:cNvPr id="10" name="Title 9"/>
-          <p:cNvSpPr>
-            <a:spLocks noGrp="1"/>
-          </p:cNvSpPr>
-          <p:nvPr>
-            <p:ph type="title"/>
-          </p:nvPr>
-        </p:nvSpPr>
-        <p:spPr>
-          <a:xfrm>
-            <a:off x="819820" y="195112"/>
-            <a:ext cx="10515600" cy="714694"/>
-          </a:xfrm>
-        </p:spPr>
-        <p:txBody>
-          <a:bodyPr>
-            <a:normAutofit/>
-          </a:bodyPr>
-          <a:lstStyle/>
-          <a:p>
-            <a:r>
-              <a:rPr lang="en-US" sz="4000" dirty="0" err="1" smtClean="0"/>
-              <a:t>VCFs</a:t>
-            </a:r>
-            <a:r>
-              <a:rPr lang="en-US" sz="4000" dirty="0" smtClean="0"/>
-              <a:t> to catalogs and beyond</a:t>
-            </a:r>
-            <a:endParaRPr lang="en-US" sz="4000" dirty="0"/>
-          </a:p>
-        </p:txBody>
-      </p:sp>
-      <p:sp>
-        <p:nvSpPr>
-          <p:cNvPr id="91" name="Freeform 90"/>
+          <p:cNvPr id="112" name="Freeform 111"/>
           <p:cNvSpPr/>
           <p:nvPr/>
         </p:nvSpPr>
         <p:spPr>
           <a:xfrm>
-            <a:off x="1879344" y="1944781"/>
-            <a:ext cx="3616245" cy="233236"/>
+            <a:off x="10352099" y="2101777"/>
+            <a:ext cx="1410197" cy="561247"/>
           </a:xfrm>
           <a:custGeom>
             <a:avLst/>
@@ -9767,15 +10349,49 @@
                   <a:schemeClr val="tx1"/>
                 </a:solidFill>
               </a:rPr>
-              <a:t>AddSequence</a:t>
-            </a:r>
+              <a:t>AddSeqContext</a:t>
+            </a:r>
+            <a:r>
+              <a:rPr lang="en-US" sz="1100" dirty="0" err="1" smtClean="0">
+                <a:solidFill>
+                  <a:schemeClr val="tx1"/>
+                </a:solidFill>
+              </a:rPr>
+              <a:t>ID</a:t>
+            </a:r>
+            <a:r>
+              <a:rPr lang="en-US" sz="1100" dirty="0" smtClean="0">
+                <a:solidFill>
+                  <a:schemeClr val="tx1"/>
+                </a:solidFill>
+              </a:rPr>
+              <a:t>()</a:t>
+            </a:r>
+            <a:endParaRPr lang="en-US" sz="1100" dirty="0" smtClean="0">
+              <a:solidFill>
+                <a:schemeClr val="tx1"/>
+              </a:solidFill>
+            </a:endParaRPr>
+          </a:p>
+          <a:p>
+            <a:pPr lvl="0" algn="ctr" defTabSz="533400">
+              <a:lnSpc>
+                <a:spcPct val="90000"/>
+              </a:lnSpc>
+              <a:spcBef>
+                <a:spcPct val="0"/>
+              </a:spcBef>
+              <a:spcAft>
+                <a:spcPts val="0"/>
+              </a:spcAft>
+            </a:pPr>
             <a:r>
               <a:rPr lang="en-US" sz="1100" kern="1200" dirty="0" smtClean="0">
                 <a:solidFill>
                   <a:schemeClr val="tx1"/>
                 </a:solidFill>
               </a:rPr>
-              <a:t>(), </a:t>
+              <a:t>(no </a:t>
             </a:r>
             <a:r>
               <a:rPr lang="en-US" sz="1100" kern="1200" dirty="0" err="1" smtClean="0">
@@ -9786,12 +10402,12 @@
               <a:t>AddTranscript</a:t>
             </a:r>
             <a:r>
-              <a:rPr lang="en-US" sz="1100" kern="1200" smtClean="0">
+              <a:rPr lang="en-US" sz="1100" kern="1200" dirty="0" smtClean="0">
                 <a:solidFill>
                   <a:schemeClr val="tx1"/>
                 </a:solidFill>
               </a:rPr>
-              <a:t>()</a:t>
+              <a:t>)</a:t>
             </a:r>
             <a:endParaRPr lang="en-US" sz="1100" kern="1200" dirty="0">
               <a:solidFill>
@@ -9803,14 +10419,14 @@
       </p:sp>
       <p:sp>
         <p:nvSpPr>
-          <p:cNvPr id="112" name="Freeform 111"/>
+          <p:cNvPr id="117" name="Freeform 116"/>
           <p:cNvSpPr/>
           <p:nvPr/>
         </p:nvSpPr>
         <p:spPr>
           <a:xfrm>
-            <a:off x="10352099" y="2101777"/>
-            <a:ext cx="1410197" cy="561247"/>
+            <a:off x="2483820" y="1123669"/>
+            <a:ext cx="1729772" cy="464165"/>
           </a:xfrm>
           <a:custGeom>
             <a:avLst/>
@@ -9910,65 +10526,36 @@
               </a:spcAft>
             </a:pPr>
             <a:r>
+              <a:rPr lang="en-US" sz="1100" dirty="0" smtClean="0">
+                <a:solidFill>
+                  <a:schemeClr val="tx1"/>
+                </a:solidFill>
+              </a:rPr>
+              <a:t>Una</a:t>
+            </a:r>
+            <a:r>
+              <a:rPr lang="en-US" sz="1100" kern="1200" dirty="0" smtClean="0">
+                <a:solidFill>
+                  <a:schemeClr val="tx1"/>
+                </a:solidFill>
+              </a:rPr>
+              <a:t>nnotated SBS </a:t>
+            </a:r>
+            <a:r>
               <a:rPr lang="en-US" sz="1100" kern="1200" dirty="0" err="1" smtClean="0">
                 <a:solidFill>
                   <a:schemeClr val="tx1"/>
                 </a:solidFill>
               </a:rPr>
-              <a:t>AddSequence</a:t>
-            </a:r>
-            <a:r>
-              <a:rPr lang="en-US" sz="1100" dirty="0" err="1" smtClean="0">
+              <a:t>VCFs</a:t>
+            </a:r>
+            <a:r>
+              <a:rPr lang="en-US" sz="1100" kern="1200" dirty="0" smtClean="0">
                 <a:solidFill>
                   <a:schemeClr val="tx1"/>
                 </a:solidFill>
               </a:rPr>
-              <a:t>ID</a:t>
-            </a:r>
-            <a:r>
-              <a:rPr lang="en-US" sz="1100" dirty="0" smtClean="0">
-                <a:solidFill>
-                  <a:schemeClr val="tx1"/>
-                </a:solidFill>
-              </a:rPr>
-              <a:t>()</a:t>
-            </a:r>
-          </a:p>
-          <a:p>
-            <a:pPr lvl="0" algn="ctr" defTabSz="533400">
-              <a:lnSpc>
-                <a:spcPct val="90000"/>
-              </a:lnSpc>
-              <a:spcBef>
-                <a:spcPct val="0"/>
-              </a:spcBef>
-              <a:spcAft>
-                <a:spcPts val="0"/>
-              </a:spcAft>
-            </a:pPr>
-            <a:r>
-              <a:rPr lang="en-US" sz="1100" kern="1200" dirty="0" smtClean="0">
-                <a:solidFill>
-                  <a:schemeClr val="tx1"/>
-                </a:solidFill>
-              </a:rPr>
-              <a:t>(no </a:t>
-            </a:r>
-            <a:r>
-              <a:rPr lang="en-US" sz="1100" kern="1200" dirty="0" err="1" smtClean="0">
-                <a:solidFill>
-                  <a:schemeClr val="tx1"/>
-                </a:solidFill>
-              </a:rPr>
-              <a:t>AddTranscript</a:t>
-            </a:r>
-            <a:r>
-              <a:rPr lang="en-US" sz="1100" kern="1200" dirty="0" smtClean="0">
-                <a:solidFill>
-                  <a:schemeClr val="tx1"/>
-                </a:solidFill>
-              </a:rPr>
-              <a:t>)</a:t>
+              <a:t> </a:t>
             </a:r>
             <a:endParaRPr lang="en-US" sz="1100" kern="1200" dirty="0">
               <a:solidFill>
@@ -9980,14 +10567,14 @@
       </p:sp>
       <p:sp>
         <p:nvSpPr>
-          <p:cNvPr id="117" name="Freeform 116"/>
+          <p:cNvPr id="121" name="Freeform 120"/>
           <p:cNvSpPr/>
           <p:nvPr/>
         </p:nvSpPr>
         <p:spPr>
           <a:xfrm>
-            <a:off x="2483820" y="1123669"/>
-            <a:ext cx="1729772" cy="464165"/>
+            <a:off x="6727043" y="1004199"/>
+            <a:ext cx="2467501" cy="464165"/>
           </a:xfrm>
           <a:custGeom>
             <a:avLst/>
@@ -10092,34 +10679,10 @@
                   <a:schemeClr val="tx1"/>
                 </a:solidFill>
               </a:rPr>
-              <a:t>Una</a:t>
-            </a:r>
-            <a:r>
-              <a:rPr lang="en-US" sz="1100" kern="1200" dirty="0" smtClean="0">
-                <a:solidFill>
-                  <a:schemeClr val="tx1"/>
-                </a:solidFill>
-              </a:rPr>
-              <a:t>nnotated S</a:t>
-            </a:r>
-            <a:r>
-              <a:rPr lang="en-US" altLang="zh-CN" sz="1100" kern="1200" dirty="0" smtClean="0">
-                <a:solidFill>
-                  <a:schemeClr val="tx1"/>
-                </a:solidFill>
-              </a:rPr>
-              <a:t>N</a:t>
-            </a:r>
-            <a:r>
-              <a:rPr lang="en-US" sz="1100" kern="1200" dirty="0" smtClean="0">
-                <a:solidFill>
-                  <a:schemeClr val="tx1"/>
-                </a:solidFill>
-              </a:rPr>
-              <a:t>S </a:t>
-            </a:r>
-            <a:r>
-              <a:rPr lang="en-US" sz="1100" kern="1200" dirty="0" err="1" smtClean="0">
+              <a:t>Unannotated DBS </a:t>
+            </a:r>
+            <a:r>
+              <a:rPr lang="en-US" sz="1100" dirty="0" err="1" smtClean="0">
                 <a:solidFill>
                   <a:schemeClr val="tx1"/>
                 </a:solidFill>
@@ -10127,12 +10690,20 @@
               <a:t>VCFs</a:t>
             </a:r>
             <a:r>
-              <a:rPr lang="en-US" sz="1100" kern="1200" dirty="0" smtClean="0">
+              <a:rPr lang="en-US" sz="1100" dirty="0" smtClean="0">
                 <a:solidFill>
                   <a:schemeClr val="tx1"/>
                 </a:solidFill>
               </a:rPr>
               <a:t> </a:t>
+            </a:r>
+            <a:r>
+              <a:rPr lang="en-US" sz="1100" kern="1200" dirty="0" smtClean="0">
+                <a:solidFill>
+                  <a:schemeClr val="tx1"/>
+                </a:solidFill>
+              </a:rPr>
+              <a:t>(no SBSs)</a:t>
             </a:r>
             <a:endParaRPr lang="en-US" sz="1100" kern="1200" dirty="0">
               <a:solidFill>
@@ -10144,14 +10715,14 @@
       </p:sp>
       <p:sp>
         <p:nvSpPr>
-          <p:cNvPr id="121" name="Freeform 120"/>
+          <p:cNvPr id="132" name="Freeform 131"/>
           <p:cNvSpPr/>
           <p:nvPr/>
         </p:nvSpPr>
         <p:spPr>
           <a:xfrm>
-            <a:off x="6727043" y="1004199"/>
-            <a:ext cx="2467501" cy="464165"/>
+            <a:off x="10289679" y="974760"/>
+            <a:ext cx="1456607" cy="566541"/>
           </a:xfrm>
           <a:custGeom>
             <a:avLst/>
@@ -10256,7 +10827,7 @@
                   <a:schemeClr val="tx1"/>
                 </a:solidFill>
               </a:rPr>
-              <a:t>Unannotated DNS </a:t>
+              <a:t>Unannotated ID </a:t>
             </a:r>
             <a:r>
               <a:rPr lang="en-US" sz="1100" dirty="0" err="1" smtClean="0">
@@ -10266,23 +10837,7 @@
               </a:rPr>
               <a:t>VCFs</a:t>
             </a:r>
-            <a:r>
-              <a:rPr lang="en-US" sz="1100" dirty="0" smtClean="0">
-                <a:solidFill>
-                  <a:schemeClr val="tx1"/>
-                </a:solidFill>
-              </a:rPr>
-              <a:t> </a:t>
-            </a:r>
-            <a:r>
-              <a:rPr lang="en-US" sz="1100" kern="1200" dirty="0" smtClean="0">
-                <a:solidFill>
-                  <a:schemeClr val="tx1"/>
-                </a:solidFill>
-              </a:rPr>
-              <a:t>(no SNSs)</a:t>
-            </a:r>
-            <a:endParaRPr lang="en-US" sz="1100" kern="1200" dirty="0">
+            <a:endParaRPr lang="en-US" sz="1100" dirty="0">
               <a:solidFill>
                 <a:schemeClr val="tx1"/>
               </a:solidFill>
@@ -10290,16 +10845,243 @@
           </a:p>
         </p:txBody>
       </p:sp>
-      <p:sp>
-        <p:nvSpPr>
-          <p:cNvPr id="132" name="Freeform 131"/>
+      <p:cxnSp>
+        <p:nvCxnSpPr>
+          <p:cNvPr id="133" name="Straight Arrow Connector 132"/>
+          <p:cNvCxnSpPr/>
+          <p:nvPr/>
+        </p:nvCxnSpPr>
+        <p:spPr>
+          <a:xfrm flipH="1">
+            <a:off x="8151485" y="1447418"/>
+            <a:ext cx="9191" cy="555991"/>
+          </a:xfrm>
+          <a:prstGeom prst="straightConnector1">
+            <a:avLst/>
+          </a:prstGeom>
+          <a:ln w="12700">
+            <a:tailEnd type="triangle"/>
+          </a:ln>
+        </p:spPr>
+        <p:style>
+          <a:lnRef idx="1">
+            <a:schemeClr val="accent1"/>
+          </a:lnRef>
+          <a:fillRef idx="0">
+            <a:schemeClr val="accent1"/>
+          </a:fillRef>
+          <a:effectRef idx="0">
+            <a:schemeClr val="accent1"/>
+          </a:effectRef>
+          <a:fontRef idx="minor">
+            <a:schemeClr val="tx1"/>
+          </a:fontRef>
+        </p:style>
+      </p:cxnSp>
+      <p:cxnSp>
+        <p:nvCxnSpPr>
+          <p:cNvPr id="134" name="Straight Arrow Connector 133"/>
+          <p:cNvCxnSpPr/>
+          <p:nvPr/>
+        </p:nvCxnSpPr>
+        <p:spPr>
+          <a:xfrm>
+            <a:off x="3221078" y="1599051"/>
+            <a:ext cx="87304" cy="353813"/>
+          </a:xfrm>
+          <a:prstGeom prst="straightConnector1">
+            <a:avLst/>
+          </a:prstGeom>
+          <a:ln w="12700">
+            <a:tailEnd type="triangle"/>
+          </a:ln>
+        </p:spPr>
+        <p:style>
+          <a:lnRef idx="1">
+            <a:schemeClr val="accent1"/>
+          </a:lnRef>
+          <a:fillRef idx="0">
+            <a:schemeClr val="accent1"/>
+          </a:fillRef>
+          <a:effectRef idx="0">
+            <a:schemeClr val="accent1"/>
+          </a:effectRef>
+          <a:fontRef idx="minor">
+            <a:schemeClr val="tx1"/>
+          </a:fontRef>
+        </p:style>
+      </p:cxnSp>
+      <p:cxnSp>
+        <p:nvCxnSpPr>
+          <p:cNvPr id="135" name="Straight Arrow Connector 134"/>
+          <p:cNvCxnSpPr/>
+          <p:nvPr/>
+        </p:nvCxnSpPr>
+        <p:spPr>
+          <a:xfrm flipH="1">
+            <a:off x="3110798" y="2155043"/>
+            <a:ext cx="82709" cy="225154"/>
+          </a:xfrm>
+          <a:prstGeom prst="straightConnector1">
+            <a:avLst/>
+          </a:prstGeom>
+          <a:ln w="12700">
+            <a:tailEnd type="triangle"/>
+          </a:ln>
+        </p:spPr>
+        <p:style>
+          <a:lnRef idx="1">
+            <a:schemeClr val="accent1"/>
+          </a:lnRef>
+          <a:fillRef idx="0">
+            <a:schemeClr val="accent1"/>
+          </a:fillRef>
+          <a:effectRef idx="0">
+            <a:schemeClr val="accent1"/>
+          </a:effectRef>
+          <a:fontRef idx="minor">
+            <a:schemeClr val="tx1"/>
+          </a:fontRef>
+        </p:style>
+      </p:cxnSp>
+      <p:cxnSp>
+        <p:nvCxnSpPr>
+          <p:cNvPr id="136" name="Straight Arrow Connector 135"/>
+          <p:cNvCxnSpPr/>
+          <p:nvPr/>
+        </p:nvCxnSpPr>
+        <p:spPr>
+          <a:xfrm>
+            <a:off x="8129277" y="2206354"/>
+            <a:ext cx="31398" cy="196818"/>
+          </a:xfrm>
+          <a:prstGeom prst="straightConnector1">
+            <a:avLst/>
+          </a:prstGeom>
+          <a:ln w="12700">
+            <a:tailEnd type="triangle"/>
+          </a:ln>
+        </p:spPr>
+        <p:style>
+          <a:lnRef idx="1">
+            <a:schemeClr val="accent1"/>
+          </a:lnRef>
+          <a:fillRef idx="0">
+            <a:schemeClr val="accent1"/>
+          </a:fillRef>
+          <a:effectRef idx="0">
+            <a:schemeClr val="accent1"/>
+          </a:effectRef>
+          <a:fontRef idx="minor">
+            <a:schemeClr val="tx1"/>
+          </a:fontRef>
+        </p:style>
+      </p:cxnSp>
+      <p:cxnSp>
+        <p:nvCxnSpPr>
+          <p:cNvPr id="137" name="Straight Arrow Connector 136"/>
+          <p:cNvCxnSpPr/>
+          <p:nvPr/>
+        </p:nvCxnSpPr>
+        <p:spPr>
+          <a:xfrm flipH="1">
+            <a:off x="10977395" y="1534722"/>
+            <a:ext cx="4595" cy="583561"/>
+          </a:xfrm>
+          <a:prstGeom prst="straightConnector1">
+            <a:avLst/>
+          </a:prstGeom>
+          <a:ln w="12700">
+            <a:tailEnd type="triangle"/>
+          </a:ln>
+        </p:spPr>
+        <p:style>
+          <a:lnRef idx="1">
+            <a:schemeClr val="accent1"/>
+          </a:lnRef>
+          <a:fillRef idx="0">
+            <a:schemeClr val="accent1"/>
+          </a:fillRef>
+          <a:effectRef idx="0">
+            <a:schemeClr val="accent1"/>
+          </a:effectRef>
+          <a:fontRef idx="minor">
+            <a:schemeClr val="tx1"/>
+          </a:fontRef>
+        </p:style>
+      </p:cxnSp>
+      <p:sp>
+        <p:nvSpPr>
+          <p:cNvPr id="20" name="TextBox 19"/>
+          <p:cNvSpPr txBox="1"/>
+          <p:nvPr/>
+        </p:nvSpPr>
+        <p:spPr>
+          <a:xfrm>
+            <a:off x="496256" y="781146"/>
+            <a:ext cx="11441488" cy="923330"/>
+          </a:xfrm>
+          <a:prstGeom prst="rect">
+            <a:avLst/>
+          </a:prstGeom>
+          <a:noFill/>
+          <a:ln w="9525">
+            <a:solidFill>
+              <a:schemeClr val="tx1"/>
+            </a:solidFill>
+            <a:prstDash val="dash"/>
+          </a:ln>
+        </p:spPr>
+        <p:txBody>
+          <a:bodyPr wrap="square" rtlCol="0">
+            <a:spAutoFit/>
+          </a:bodyPr>
+          <a:lstStyle/>
+          <a:p>
+            <a:r>
+              <a:rPr lang="en-US" dirty="0" smtClean="0">
+                <a:ln w="12700">
+                  <a:noFill/>
+                  <a:prstDash val="solid"/>
+                </a:ln>
+              </a:rPr>
+              <a:t>Input</a:t>
+            </a:r>
+            <a:endParaRPr lang="en-US" dirty="0" smtClean="0">
+              <a:ln w="12700">
+                <a:noFill/>
+                <a:prstDash val="solid"/>
+              </a:ln>
+            </a:endParaRPr>
+          </a:p>
+          <a:p>
+            <a:endParaRPr lang="en-US" dirty="0">
+              <a:ln w="12700">
+                <a:noFill/>
+                <a:prstDash val="solid"/>
+              </a:ln>
+            </a:endParaRPr>
+          </a:p>
+          <a:p>
+            <a:endParaRPr lang="en-US" dirty="0">
+              <a:ln w="12700">
+                <a:noFill/>
+                <a:prstDash val="solid"/>
+              </a:ln>
+            </a:endParaRPr>
+          </a:p>
+        </p:txBody>
+      </p:sp>
+      <p:sp>
+        <p:nvSpPr>
+          <p:cNvPr id="138" name="Freeform 137"/>
           <p:cNvSpPr/>
           <p:nvPr/>
         </p:nvSpPr>
         <p:spPr>
           <a:xfrm>
-            <a:off x="10289679" y="974760"/>
-            <a:ext cx="1456607" cy="566541"/>
+            <a:off x="6943773" y="1963927"/>
+            <a:ext cx="2674276" cy="233236"/>
           </a:xfrm>
           <a:custGeom>
             <a:avLst/>
@@ -10399,365 +11181,12 @@
               </a:spcAft>
             </a:pPr>
             <a:r>
-              <a:rPr lang="en-US" sz="1100" dirty="0" smtClean="0">
+              <a:rPr lang="en-US" sz="1100" kern="1200" dirty="0" err="1" smtClean="0">
                 <a:solidFill>
                   <a:schemeClr val="tx1"/>
                 </a:solidFill>
               </a:rPr>
-              <a:t>Unannotated ID </a:t>
-            </a:r>
-            <a:r>
-              <a:rPr lang="en-US" sz="1100" dirty="0" err="1" smtClean="0">
-                <a:solidFill>
-                  <a:schemeClr val="tx1"/>
-                </a:solidFill>
-              </a:rPr>
-              <a:t>VCFs</a:t>
-            </a:r>
-            <a:endParaRPr lang="en-US" sz="1100" dirty="0">
-              <a:solidFill>
-                <a:schemeClr val="tx1"/>
-              </a:solidFill>
-            </a:endParaRPr>
-          </a:p>
-        </p:txBody>
-      </p:sp>
-      <p:cxnSp>
-        <p:nvCxnSpPr>
-          <p:cNvPr id="133" name="Straight Arrow Connector 132"/>
-          <p:cNvCxnSpPr/>
-          <p:nvPr/>
-        </p:nvCxnSpPr>
-        <p:spPr>
-          <a:xfrm flipH="1">
-            <a:off x="8151485" y="1447418"/>
-            <a:ext cx="9191" cy="555991"/>
-          </a:xfrm>
-          <a:prstGeom prst="straightConnector1">
-            <a:avLst/>
-          </a:prstGeom>
-          <a:ln w="12700">
-            <a:tailEnd type="triangle"/>
-          </a:ln>
-        </p:spPr>
-        <p:style>
-          <a:lnRef idx="1">
-            <a:schemeClr val="accent1"/>
-          </a:lnRef>
-          <a:fillRef idx="0">
-            <a:schemeClr val="accent1"/>
-          </a:fillRef>
-          <a:effectRef idx="0">
-            <a:schemeClr val="accent1"/>
-          </a:effectRef>
-          <a:fontRef idx="minor">
-            <a:schemeClr val="tx1"/>
-          </a:fontRef>
-        </p:style>
-      </p:cxnSp>
-      <p:cxnSp>
-        <p:nvCxnSpPr>
-          <p:cNvPr id="134" name="Straight Arrow Connector 133"/>
-          <p:cNvCxnSpPr/>
-          <p:nvPr/>
-        </p:nvCxnSpPr>
-        <p:spPr>
-          <a:xfrm>
-            <a:off x="3221078" y="1599051"/>
-            <a:ext cx="87304" cy="353813"/>
-          </a:xfrm>
-          <a:prstGeom prst="straightConnector1">
-            <a:avLst/>
-          </a:prstGeom>
-          <a:ln w="12700">
-            <a:tailEnd type="triangle"/>
-          </a:ln>
-        </p:spPr>
-        <p:style>
-          <a:lnRef idx="1">
-            <a:schemeClr val="accent1"/>
-          </a:lnRef>
-          <a:fillRef idx="0">
-            <a:schemeClr val="accent1"/>
-          </a:fillRef>
-          <a:effectRef idx="0">
-            <a:schemeClr val="accent1"/>
-          </a:effectRef>
-          <a:fontRef idx="minor">
-            <a:schemeClr val="tx1"/>
-          </a:fontRef>
-        </p:style>
-      </p:cxnSp>
-      <p:cxnSp>
-        <p:nvCxnSpPr>
-          <p:cNvPr id="135" name="Straight Arrow Connector 134"/>
-          <p:cNvCxnSpPr/>
-          <p:nvPr/>
-        </p:nvCxnSpPr>
-        <p:spPr>
-          <a:xfrm flipH="1">
-            <a:off x="3110798" y="2155043"/>
-            <a:ext cx="82709" cy="225154"/>
-          </a:xfrm>
-          <a:prstGeom prst="straightConnector1">
-            <a:avLst/>
-          </a:prstGeom>
-          <a:ln w="12700">
-            <a:tailEnd type="triangle"/>
-          </a:ln>
-        </p:spPr>
-        <p:style>
-          <a:lnRef idx="1">
-            <a:schemeClr val="accent1"/>
-          </a:lnRef>
-          <a:fillRef idx="0">
-            <a:schemeClr val="accent1"/>
-          </a:fillRef>
-          <a:effectRef idx="0">
-            <a:schemeClr val="accent1"/>
-          </a:effectRef>
-          <a:fontRef idx="minor">
-            <a:schemeClr val="tx1"/>
-          </a:fontRef>
-        </p:style>
-      </p:cxnSp>
-      <p:cxnSp>
-        <p:nvCxnSpPr>
-          <p:cNvPr id="136" name="Straight Arrow Connector 135"/>
-          <p:cNvCxnSpPr/>
-          <p:nvPr/>
-        </p:nvCxnSpPr>
-        <p:spPr>
-          <a:xfrm>
-            <a:off x="8129277" y="2206354"/>
-            <a:ext cx="31398" cy="196818"/>
-          </a:xfrm>
-          <a:prstGeom prst="straightConnector1">
-            <a:avLst/>
-          </a:prstGeom>
-          <a:ln w="12700">
-            <a:tailEnd type="triangle"/>
-          </a:ln>
-        </p:spPr>
-        <p:style>
-          <a:lnRef idx="1">
-            <a:schemeClr val="accent1"/>
-          </a:lnRef>
-          <a:fillRef idx="0">
-            <a:schemeClr val="accent1"/>
-          </a:fillRef>
-          <a:effectRef idx="0">
-            <a:schemeClr val="accent1"/>
-          </a:effectRef>
-          <a:fontRef idx="minor">
-            <a:schemeClr val="tx1"/>
-          </a:fontRef>
-        </p:style>
-      </p:cxnSp>
-      <p:cxnSp>
-        <p:nvCxnSpPr>
-          <p:cNvPr id="137" name="Straight Arrow Connector 136"/>
-          <p:cNvCxnSpPr/>
-          <p:nvPr/>
-        </p:nvCxnSpPr>
-        <p:spPr>
-          <a:xfrm flipH="1">
-            <a:off x="10977395" y="1534722"/>
-            <a:ext cx="4595" cy="583561"/>
-          </a:xfrm>
-          <a:prstGeom prst="straightConnector1">
-            <a:avLst/>
-          </a:prstGeom>
-          <a:ln w="12700">
-            <a:tailEnd type="triangle"/>
-          </a:ln>
-        </p:spPr>
-        <p:style>
-          <a:lnRef idx="1">
-            <a:schemeClr val="accent1"/>
-          </a:lnRef>
-          <a:fillRef idx="0">
-            <a:schemeClr val="accent1"/>
-          </a:fillRef>
-          <a:effectRef idx="0">
-            <a:schemeClr val="accent1"/>
-          </a:effectRef>
-          <a:fontRef idx="minor">
-            <a:schemeClr val="tx1"/>
-          </a:fontRef>
-        </p:style>
-      </p:cxnSp>
-      <p:sp>
-        <p:nvSpPr>
-          <p:cNvPr id="20" name="TextBox 19"/>
-          <p:cNvSpPr txBox="1"/>
-          <p:nvPr/>
-        </p:nvSpPr>
-        <p:spPr>
-          <a:xfrm>
-            <a:off x="496256" y="781146"/>
-            <a:ext cx="11441488" cy="923330"/>
-          </a:xfrm>
-          <a:prstGeom prst="rect">
-            <a:avLst/>
-          </a:prstGeom>
-          <a:noFill/>
-          <a:ln w="9525">
-            <a:solidFill>
-              <a:schemeClr val="tx1"/>
-            </a:solidFill>
-            <a:prstDash val="dash"/>
-          </a:ln>
-        </p:spPr>
-        <p:txBody>
-          <a:bodyPr wrap="square" rtlCol="0">
-            <a:spAutoFit/>
-          </a:bodyPr>
-          <a:lstStyle/>
-          <a:p>
-            <a:r>
-              <a:rPr lang="en-US" dirty="0" smtClean="0">
-                <a:ln w="12700">
-                  <a:noFill/>
-                  <a:prstDash val="solid"/>
-                </a:ln>
-              </a:rPr>
-              <a:t>Input</a:t>
-            </a:r>
-          </a:p>
-          <a:p>
-            <a:endParaRPr lang="en-US" dirty="0">
-              <a:ln w="12700">
-                <a:noFill/>
-                <a:prstDash val="solid"/>
-              </a:ln>
-            </a:endParaRPr>
-          </a:p>
-          <a:p>
-            <a:endParaRPr lang="en-US" dirty="0">
-              <a:ln w="12700">
-                <a:noFill/>
-                <a:prstDash val="solid"/>
-              </a:ln>
-            </a:endParaRPr>
-          </a:p>
-        </p:txBody>
-      </p:sp>
-      <p:sp>
-        <p:nvSpPr>
-          <p:cNvPr id="138" name="Freeform 137"/>
-          <p:cNvSpPr/>
-          <p:nvPr/>
-        </p:nvSpPr>
-        <p:spPr>
-          <a:xfrm>
-            <a:off x="6943773" y="1963927"/>
-            <a:ext cx="2674276" cy="233236"/>
-          </a:xfrm>
-          <a:custGeom>
-            <a:avLst/>
-            <a:gdLst>
-              <a:gd name="connsiteX0" fmla="*/ 0 w 928330"/>
-              <a:gd name="connsiteY0" fmla="*/ 0 h 464165"/>
-              <a:gd name="connsiteX1" fmla="*/ 928330 w 928330"/>
-              <a:gd name="connsiteY1" fmla="*/ 0 h 464165"/>
-              <a:gd name="connsiteX2" fmla="*/ 928330 w 928330"/>
-              <a:gd name="connsiteY2" fmla="*/ 464165 h 464165"/>
-              <a:gd name="connsiteX3" fmla="*/ 0 w 928330"/>
-              <a:gd name="connsiteY3" fmla="*/ 464165 h 464165"/>
-              <a:gd name="connsiteX4" fmla="*/ 0 w 928330"/>
-              <a:gd name="connsiteY4" fmla="*/ 0 h 464165"/>
-            </a:gdLst>
-            <a:ahLst/>
-            <a:cxnLst>
-              <a:cxn ang="0">
-                <a:pos x="connsiteX0" y="connsiteY0"/>
-              </a:cxn>
-              <a:cxn ang="0">
-                <a:pos x="connsiteX1" y="connsiteY1"/>
-              </a:cxn>
-              <a:cxn ang="0">
-                <a:pos x="connsiteX2" y="connsiteY2"/>
-              </a:cxn>
-              <a:cxn ang="0">
-                <a:pos x="connsiteX3" y="connsiteY3"/>
-              </a:cxn>
-              <a:cxn ang="0">
-                <a:pos x="connsiteX4" y="connsiteY4"/>
-              </a:cxn>
-            </a:cxnLst>
-            <a:rect l="l" t="t" r="r" b="b"/>
-            <a:pathLst>
-              <a:path w="928330" h="464165">
-                <a:moveTo>
-                  <a:pt x="0" y="0"/>
-                </a:moveTo>
-                <a:lnTo>
-                  <a:pt x="928330" y="0"/>
-                </a:lnTo>
-                <a:lnTo>
-                  <a:pt x="928330" y="464165"/>
-                </a:lnTo>
-                <a:lnTo>
-                  <a:pt x="0" y="464165"/>
-                </a:lnTo>
-                <a:lnTo>
-                  <a:pt x="0" y="0"/>
-                </a:lnTo>
-                <a:close/>
-              </a:path>
-            </a:pathLst>
-          </a:custGeom>
-          <a:noFill/>
-          <a:ln w="19050">
-            <a:solidFill>
-              <a:schemeClr val="accent1"/>
-            </a:solidFill>
-          </a:ln>
-        </p:spPr>
-        <p:style>
-          <a:lnRef idx="2">
-            <a:scrgbClr r="0" g="0" b="0"/>
-          </a:lnRef>
-          <a:fillRef idx="1">
-            <a:scrgbClr r="0" g="0" b="0"/>
-          </a:fillRef>
-          <a:effectRef idx="0">
-            <a:schemeClr val="accent1">
-              <a:hueOff val="0"/>
-              <a:satOff val="0"/>
-              <a:lumOff val="0"/>
-              <a:alphaOff val="0"/>
-            </a:schemeClr>
-          </a:effectRef>
-          <a:fontRef idx="minor">
-            <a:schemeClr val="lt1"/>
-          </a:fontRef>
-        </p:style>
-        <p:txBody>
-          <a:bodyPr spcFirstLastPara="0" vert="horz" wrap="square" lIns="7620" tIns="7620" rIns="7620" bIns="7620" numCol="1" spcCol="1270" anchor="ctr" anchorCtr="0">
-            <a:noAutofit/>
-          </a:bodyPr>
-          <a:lstStyle/>
-          <a:p>
-            <a:pPr lvl="0" algn="ctr" defTabSz="533400">
-              <a:lnSpc>
-                <a:spcPct val="90000"/>
-              </a:lnSpc>
-              <a:spcBef>
-                <a:spcPct val="0"/>
-              </a:spcBef>
-              <a:spcAft>
-                <a:spcPts val="0"/>
-              </a:spcAft>
-            </a:pPr>
-            <a:r>
-              <a:rPr lang="en-US" sz="1100" kern="1200" dirty="0" err="1" smtClean="0">
-                <a:solidFill>
-                  <a:schemeClr val="tx1"/>
-                </a:solidFill>
-              </a:rPr>
-              <a:t>AddSequence</a:t>
+              <a:t>AddSeqContext</a:t>
             </a:r>
             <a:r>
               <a:rPr lang="en-US" sz="1100" kern="1200" dirty="0" smtClean="0">
@@ -10882,7 +11311,7 @@
         <p:spPr>
           <a:xfrm>
             <a:off x="5757504" y="1672570"/>
-            <a:ext cx="1508683" cy="276999"/>
+            <a:ext cx="1477010" cy="275590"/>
           </a:xfrm>
           <a:prstGeom prst="rect">
             <a:avLst/>
@@ -10897,7 +11326,7 @@
           <a:p>
             <a:r>
               <a:rPr lang="en-US" sz="1200" dirty="0" err="1" smtClean="0"/>
-              <a:t>VCFsToDNSCatalogs</a:t>
+              <a:t>VCFsToDBSCatalogs</a:t>
             </a:r>
             <a:r>
               <a:rPr lang="en-US" sz="1200" dirty="0" smtClean="0"/>
@@ -10916,7 +11345,7 @@
         <p:spPr>
           <a:xfrm>
             <a:off x="207541" y="1714690"/>
-            <a:ext cx="1484637" cy="276999"/>
+            <a:ext cx="1452880" cy="275590"/>
           </a:xfrm>
           <a:prstGeom prst="rect">
             <a:avLst/>
@@ -10931,7 +11360,7 @@
           <a:p>
             <a:r>
               <a:rPr lang="en-US" sz="1200" dirty="0" err="1" smtClean="0"/>
-              <a:t>VCFsToSNSCatalogs</a:t>
+              <a:t>VCFsToSBSCatalogs</a:t>
             </a:r>
             <a:r>
               <a:rPr lang="en-US" sz="1200" dirty="0" smtClean="0"/>
@@ -11236,11 +11665,6 @@
         </p:style>
       </p:cxnSp>
     </p:spTree>
-    <p:extLst>
-      <p:ext uri="{BB962C8B-B14F-4D97-AF65-F5344CB8AC3E}">
-        <p14:creationId xmlns:p14="http://schemas.microsoft.com/office/powerpoint/2010/main" val="970805589"/>
-      </p:ext>
-    </p:extLst>
   </p:cSld>
   <p:clrMapOvr>
     <a:masterClrMapping/>
@@ -11263,7 +11687,7 @@
         <a:sysClr val="windowText" lastClr="000000"/>
       </a:dk1>
       <a:lt1>
-        <a:sysClr val="window" lastClr="CCE8CF"/>
+        <a:sysClr val="window" lastClr="FFFFFF"/>
       </a:lt1>
       <a:dk2>
         <a:srgbClr val="44546A"/>
@@ -11506,8 +11930,524 @@
       </a:bgFillStyleLst>
     </a:fmtScheme>
   </a:themeElements>
-  <a:objectDefaults/>
-  <a:extraClrSchemeLst/>
+  <a:extLst>
+    <a:ext uri="{05A4C25C-085E-4340-85A3-A5531E510DB2}">
+      <thm15:themeFamily xmlns:thm15="http://schemas.microsoft.com/office/thememl/2012/main" name="Office Theme" id="{62F939B6-93AF-4DB8-9C6B-D6C7DFDC589F}" vid="{4A3C46E8-61CC-4603-A589-7422A47A8E4A}"/>
+    </a:ext>
+  </a:extLst>
+</a:theme>
+</file>
+
+<file path=ppt/theme/theme2.xml><?xml version="1.0" encoding="utf-8"?>
+<a:theme xmlns:a="http://schemas.openxmlformats.org/drawingml/2006/main" name="Office Theme">
+  <a:themeElements>
+    <a:clrScheme name="Office">
+      <a:dk1>
+        <a:sysClr val="windowText" lastClr="000000"/>
+      </a:dk1>
+      <a:lt1>
+        <a:sysClr val="window" lastClr="FFFFFF"/>
+      </a:lt1>
+      <a:dk2>
+        <a:srgbClr val="44546A"/>
+      </a:dk2>
+      <a:lt2>
+        <a:srgbClr val="E7E6E6"/>
+      </a:lt2>
+      <a:accent1>
+        <a:srgbClr val="5B9BD5"/>
+      </a:accent1>
+      <a:accent2>
+        <a:srgbClr val="ED7D31"/>
+      </a:accent2>
+      <a:accent3>
+        <a:srgbClr val="A5A5A5"/>
+      </a:accent3>
+      <a:accent4>
+        <a:srgbClr val="FFC000"/>
+      </a:accent4>
+      <a:accent5>
+        <a:srgbClr val="4472C4"/>
+      </a:accent5>
+      <a:accent6>
+        <a:srgbClr val="70AD47"/>
+      </a:accent6>
+      <a:hlink>
+        <a:srgbClr val="0563C1"/>
+      </a:hlink>
+      <a:folHlink>
+        <a:srgbClr val="954F72"/>
+      </a:folHlink>
+    </a:clrScheme>
+    <a:fontScheme name="Office">
+      <a:majorFont>
+        <a:latin typeface="Calibri Light"/>
+        <a:ea typeface=""/>
+        <a:cs typeface=""/>
+        <a:font script="Jpan" typeface="ＭＳ Ｐゴシック"/>
+        <a:font script="Hang" typeface="맑은 고딕"/>
+        <a:font script="Hans" typeface="宋体"/>
+        <a:font script="Hant" typeface="新細明體"/>
+        <a:font script="Arab" typeface="Times New Roman"/>
+        <a:font script="Hebr" typeface="Times New Roman"/>
+        <a:font script="Thai" typeface="Angsana New"/>
+        <a:font script="Ethi" typeface="Nyala"/>
+        <a:font script="Beng" typeface="Vrinda"/>
+        <a:font script="Gujr" typeface="Shruti"/>
+        <a:font script="Khmr" typeface="MoolBoran"/>
+        <a:font script="Knda" typeface="Tunga"/>
+        <a:font script="Guru" typeface="Raavi"/>
+        <a:font script="Cans" typeface="Euphemia"/>
+        <a:font script="Cher" typeface="Plantagenet Cherokee"/>
+        <a:font script="Yiii" typeface="Microsoft Yi Baiti"/>
+        <a:font script="Tibt" typeface="Microsoft Himalaya"/>
+        <a:font script="Thaa" typeface="MV Boli"/>
+        <a:font script="Deva" typeface="Mangal"/>
+        <a:font script="Telu" typeface="Gautami"/>
+        <a:font script="Taml" typeface="Latha"/>
+        <a:font script="Syrc" typeface="Estrangelo Edessa"/>
+        <a:font script="Orya" typeface="Kalinga"/>
+        <a:font script="Mlym" typeface="Kartika"/>
+        <a:font script="Laoo" typeface="DokChampa"/>
+        <a:font script="Sinh" typeface="Iskoola Pota"/>
+        <a:font script="Mong" typeface="Mongolian Baiti"/>
+        <a:font script="Viet" typeface="Times New Roman"/>
+        <a:font script="Uigh" typeface="Microsoft Uighur"/>
+        <a:font script="Geor" typeface="Sylfaen"/>
+      </a:majorFont>
+      <a:minorFont>
+        <a:latin typeface="Calibri"/>
+        <a:ea typeface=""/>
+        <a:cs typeface=""/>
+        <a:font script="Jpan" typeface="ＭＳ Ｐゴシック"/>
+        <a:font script="Hang" typeface="맑은 고딕"/>
+        <a:font script="Hans" typeface="宋体"/>
+        <a:font script="Hant" typeface="新細明體"/>
+        <a:font script="Arab" typeface="Arial"/>
+        <a:font script="Hebr" typeface="Arial"/>
+        <a:font script="Thai" typeface="Cordia New"/>
+        <a:font script="Ethi" typeface="Nyala"/>
+        <a:font script="Beng" typeface="Vrinda"/>
+        <a:font script="Gujr" typeface="Shruti"/>
+        <a:font script="Khmr" typeface="DaunPenh"/>
+        <a:font script="Knda" typeface="Tunga"/>
+        <a:font script="Guru" typeface="Raavi"/>
+        <a:font script="Cans" typeface="Euphemia"/>
+        <a:font script="Cher" typeface="Plantagenet Cherokee"/>
+        <a:font script="Yiii" typeface="Microsoft Yi Baiti"/>
+        <a:font script="Tibt" typeface="Microsoft Himalaya"/>
+        <a:font script="Thaa" typeface="MV Boli"/>
+        <a:font script="Deva" typeface="Mangal"/>
+        <a:font script="Telu" typeface="Gautami"/>
+        <a:font script="Taml" typeface="Latha"/>
+        <a:font script="Syrc" typeface="Estrangelo Edessa"/>
+        <a:font script="Orya" typeface="Kalinga"/>
+        <a:font script="Mlym" typeface="Kartika"/>
+        <a:font script="Laoo" typeface="DokChampa"/>
+        <a:font script="Sinh" typeface="Iskoola Pota"/>
+        <a:font script="Mong" typeface="Mongolian Baiti"/>
+        <a:font script="Viet" typeface="Arial"/>
+        <a:font script="Uigh" typeface="Microsoft Uighur"/>
+        <a:font script="Geor" typeface="Sylfaen"/>
+      </a:minorFont>
+    </a:fontScheme>
+    <a:fmtScheme name="Office">
+      <a:fillStyleLst>
+        <a:solidFill>
+          <a:schemeClr val="phClr"/>
+        </a:solidFill>
+        <a:gradFill rotWithShape="1">
+          <a:gsLst>
+            <a:gs pos="0">
+              <a:schemeClr val="phClr">
+                <a:lumMod val="110000"/>
+                <a:satMod val="105000"/>
+                <a:tint val="67000"/>
+              </a:schemeClr>
+            </a:gs>
+            <a:gs pos="50000">
+              <a:schemeClr val="phClr">
+                <a:lumMod val="105000"/>
+                <a:satMod val="103000"/>
+                <a:tint val="73000"/>
+              </a:schemeClr>
+            </a:gs>
+            <a:gs pos="100000">
+              <a:schemeClr val="phClr">
+                <a:lumMod val="105000"/>
+                <a:satMod val="109000"/>
+                <a:tint val="81000"/>
+              </a:schemeClr>
+            </a:gs>
+          </a:gsLst>
+          <a:lin ang="5400000" scaled="0"/>
+        </a:gradFill>
+        <a:gradFill rotWithShape="1">
+          <a:gsLst>
+            <a:gs pos="0">
+              <a:schemeClr val="phClr">
+                <a:satMod val="103000"/>
+                <a:lumMod val="102000"/>
+                <a:tint val="94000"/>
+              </a:schemeClr>
+            </a:gs>
+            <a:gs pos="50000">
+              <a:schemeClr val="phClr">
+                <a:satMod val="110000"/>
+                <a:lumMod val="100000"/>
+                <a:shade val="100000"/>
+              </a:schemeClr>
+            </a:gs>
+            <a:gs pos="100000">
+              <a:schemeClr val="phClr">
+                <a:lumMod val="99000"/>
+                <a:satMod val="120000"/>
+                <a:shade val="78000"/>
+              </a:schemeClr>
+            </a:gs>
+          </a:gsLst>
+          <a:lin ang="5400000" scaled="0"/>
+        </a:gradFill>
+      </a:fillStyleLst>
+      <a:lnStyleLst>
+        <a:ln w="6350" cap="flat" cmpd="sng" algn="ctr">
+          <a:solidFill>
+            <a:schemeClr val="phClr"/>
+          </a:solidFill>
+          <a:prstDash val="solid"/>
+          <a:miter lim="800000"/>
+        </a:ln>
+        <a:ln w="12700" cap="flat" cmpd="sng" algn="ctr">
+          <a:solidFill>
+            <a:schemeClr val="phClr"/>
+          </a:solidFill>
+          <a:prstDash val="solid"/>
+          <a:miter lim="800000"/>
+        </a:ln>
+        <a:ln w="19050" cap="flat" cmpd="sng" algn="ctr">
+          <a:solidFill>
+            <a:schemeClr val="phClr"/>
+          </a:solidFill>
+          <a:prstDash val="solid"/>
+          <a:miter lim="800000"/>
+        </a:ln>
+      </a:lnStyleLst>
+      <a:effectStyleLst>
+        <a:effectStyle>
+          <a:effectLst/>
+        </a:effectStyle>
+        <a:effectStyle>
+          <a:effectLst/>
+        </a:effectStyle>
+        <a:effectStyle>
+          <a:effectLst>
+            <a:outerShdw blurRad="57150" dist="19050" dir="5400000" algn="ctr" rotWithShape="0">
+              <a:srgbClr val="000000">
+                <a:alpha val="63000"/>
+              </a:srgbClr>
+            </a:outerShdw>
+          </a:effectLst>
+        </a:effectStyle>
+      </a:effectStyleLst>
+      <a:bgFillStyleLst>
+        <a:solidFill>
+          <a:schemeClr val="phClr"/>
+        </a:solidFill>
+        <a:solidFill>
+          <a:schemeClr val="phClr">
+            <a:tint val="95000"/>
+            <a:satMod val="170000"/>
+          </a:schemeClr>
+        </a:solidFill>
+        <a:gradFill rotWithShape="1">
+          <a:gsLst>
+            <a:gs pos="0">
+              <a:schemeClr val="phClr">
+                <a:tint val="93000"/>
+                <a:satMod val="150000"/>
+                <a:shade val="98000"/>
+                <a:lumMod val="102000"/>
+              </a:schemeClr>
+            </a:gs>
+            <a:gs pos="50000">
+              <a:schemeClr val="phClr">
+                <a:tint val="98000"/>
+                <a:satMod val="130000"/>
+                <a:shade val="90000"/>
+                <a:lumMod val="103000"/>
+              </a:schemeClr>
+            </a:gs>
+            <a:gs pos="100000">
+              <a:schemeClr val="phClr">
+                <a:shade val="63000"/>
+                <a:satMod val="120000"/>
+              </a:schemeClr>
+            </a:gs>
+          </a:gsLst>
+          <a:lin ang="5400000" scaled="0"/>
+        </a:gradFill>
+      </a:bgFillStyleLst>
+    </a:fmtScheme>
+  </a:themeElements>
+  <a:extLst>
+    <a:ext uri="{05A4C25C-085E-4340-85A3-A5531E510DB2}">
+      <thm15:themeFamily xmlns:thm15="http://schemas.microsoft.com/office/thememl/2012/main" name="Office Theme" id="{62F939B6-93AF-4DB8-9C6B-D6C7DFDC589F}" vid="{4A3C46E8-61CC-4603-A589-7422A47A8E4A}"/>
+    </a:ext>
+  </a:extLst>
+</a:theme>
+</file>
+
+<file path=ppt/theme/theme3.xml><?xml version="1.0" encoding="utf-8"?>
+<a:theme xmlns:a="http://schemas.openxmlformats.org/drawingml/2006/main" name="Office Theme">
+  <a:themeElements>
+    <a:clrScheme name="Office">
+      <a:dk1>
+        <a:sysClr val="windowText" lastClr="000000"/>
+      </a:dk1>
+      <a:lt1>
+        <a:sysClr val="window" lastClr="FFFFFF"/>
+      </a:lt1>
+      <a:dk2>
+        <a:srgbClr val="44546A"/>
+      </a:dk2>
+      <a:lt2>
+        <a:srgbClr val="E7E6E6"/>
+      </a:lt2>
+      <a:accent1>
+        <a:srgbClr val="5B9BD5"/>
+      </a:accent1>
+      <a:accent2>
+        <a:srgbClr val="ED7D31"/>
+      </a:accent2>
+      <a:accent3>
+        <a:srgbClr val="A5A5A5"/>
+      </a:accent3>
+      <a:accent4>
+        <a:srgbClr val="FFC000"/>
+      </a:accent4>
+      <a:accent5>
+        <a:srgbClr val="4472C4"/>
+      </a:accent5>
+      <a:accent6>
+        <a:srgbClr val="70AD47"/>
+      </a:accent6>
+      <a:hlink>
+        <a:srgbClr val="0563C1"/>
+      </a:hlink>
+      <a:folHlink>
+        <a:srgbClr val="954F72"/>
+      </a:folHlink>
+    </a:clrScheme>
+    <a:fontScheme name="Office">
+      <a:majorFont>
+        <a:latin typeface="Calibri Light"/>
+        <a:ea typeface=""/>
+        <a:cs typeface=""/>
+        <a:font script="Jpan" typeface="ＭＳ Ｐゴシック"/>
+        <a:font script="Hang" typeface="맑은 고딕"/>
+        <a:font script="Hans" typeface="宋体"/>
+        <a:font script="Hant" typeface="新細明體"/>
+        <a:font script="Arab" typeface="Times New Roman"/>
+        <a:font script="Hebr" typeface="Times New Roman"/>
+        <a:font script="Thai" typeface="Angsana New"/>
+        <a:font script="Ethi" typeface="Nyala"/>
+        <a:font script="Beng" typeface="Vrinda"/>
+        <a:font script="Gujr" typeface="Shruti"/>
+        <a:font script="Khmr" typeface="MoolBoran"/>
+        <a:font script="Knda" typeface="Tunga"/>
+        <a:font script="Guru" typeface="Raavi"/>
+        <a:font script="Cans" typeface="Euphemia"/>
+        <a:font script="Cher" typeface="Plantagenet Cherokee"/>
+        <a:font script="Yiii" typeface="Microsoft Yi Baiti"/>
+        <a:font script="Tibt" typeface="Microsoft Himalaya"/>
+        <a:font script="Thaa" typeface="MV Boli"/>
+        <a:font script="Deva" typeface="Mangal"/>
+        <a:font script="Telu" typeface="Gautami"/>
+        <a:font script="Taml" typeface="Latha"/>
+        <a:font script="Syrc" typeface="Estrangelo Edessa"/>
+        <a:font script="Orya" typeface="Kalinga"/>
+        <a:font script="Mlym" typeface="Kartika"/>
+        <a:font script="Laoo" typeface="DokChampa"/>
+        <a:font script="Sinh" typeface="Iskoola Pota"/>
+        <a:font script="Mong" typeface="Mongolian Baiti"/>
+        <a:font script="Viet" typeface="Times New Roman"/>
+        <a:font script="Uigh" typeface="Microsoft Uighur"/>
+        <a:font script="Geor" typeface="Sylfaen"/>
+      </a:majorFont>
+      <a:minorFont>
+        <a:latin typeface="Calibri"/>
+        <a:ea typeface=""/>
+        <a:cs typeface=""/>
+        <a:font script="Jpan" typeface="ＭＳ Ｐゴシック"/>
+        <a:font script="Hang" typeface="맑은 고딕"/>
+        <a:font script="Hans" typeface="宋体"/>
+        <a:font script="Hant" typeface="新細明體"/>
+        <a:font script="Arab" typeface="Arial"/>
+        <a:font script="Hebr" typeface="Arial"/>
+        <a:font script="Thai" typeface="Cordia New"/>
+        <a:font script="Ethi" typeface="Nyala"/>
+        <a:font script="Beng" typeface="Vrinda"/>
+        <a:font script="Gujr" typeface="Shruti"/>
+        <a:font script="Khmr" typeface="DaunPenh"/>
+        <a:font script="Knda" typeface="Tunga"/>
+        <a:font script="Guru" typeface="Raavi"/>
+        <a:font script="Cans" typeface="Euphemia"/>
+        <a:font script="Cher" typeface="Plantagenet Cherokee"/>
+        <a:font script="Yiii" typeface="Microsoft Yi Baiti"/>
+        <a:font script="Tibt" typeface="Microsoft Himalaya"/>
+        <a:font script="Thaa" typeface="MV Boli"/>
+        <a:font script="Deva" typeface="Mangal"/>
+        <a:font script="Telu" typeface="Gautami"/>
+        <a:font script="Taml" typeface="Latha"/>
+        <a:font script="Syrc" typeface="Estrangelo Edessa"/>
+        <a:font script="Orya" typeface="Kalinga"/>
+        <a:font script="Mlym" typeface="Kartika"/>
+        <a:font script="Laoo" typeface="DokChampa"/>
+        <a:font script="Sinh" typeface="Iskoola Pota"/>
+        <a:font script="Mong" typeface="Mongolian Baiti"/>
+        <a:font script="Viet" typeface="Arial"/>
+        <a:font script="Uigh" typeface="Microsoft Uighur"/>
+        <a:font script="Geor" typeface="Sylfaen"/>
+      </a:minorFont>
+    </a:fontScheme>
+    <a:fmtScheme name="Office">
+      <a:fillStyleLst>
+        <a:solidFill>
+          <a:schemeClr val="phClr"/>
+        </a:solidFill>
+        <a:gradFill rotWithShape="1">
+          <a:gsLst>
+            <a:gs pos="0">
+              <a:schemeClr val="phClr">
+                <a:lumMod val="110000"/>
+                <a:satMod val="105000"/>
+                <a:tint val="67000"/>
+              </a:schemeClr>
+            </a:gs>
+            <a:gs pos="50000">
+              <a:schemeClr val="phClr">
+                <a:lumMod val="105000"/>
+                <a:satMod val="103000"/>
+                <a:tint val="73000"/>
+              </a:schemeClr>
+            </a:gs>
+            <a:gs pos="100000">
+              <a:schemeClr val="phClr">
+                <a:lumMod val="105000"/>
+                <a:satMod val="109000"/>
+                <a:tint val="81000"/>
+              </a:schemeClr>
+            </a:gs>
+          </a:gsLst>
+          <a:lin ang="5400000" scaled="0"/>
+        </a:gradFill>
+        <a:gradFill rotWithShape="1">
+          <a:gsLst>
+            <a:gs pos="0">
+              <a:schemeClr val="phClr">
+                <a:satMod val="103000"/>
+                <a:lumMod val="102000"/>
+                <a:tint val="94000"/>
+              </a:schemeClr>
+            </a:gs>
+            <a:gs pos="50000">
+              <a:schemeClr val="phClr">
+                <a:satMod val="110000"/>
+                <a:lumMod val="100000"/>
+                <a:shade val="100000"/>
+              </a:schemeClr>
+            </a:gs>
+            <a:gs pos="100000">
+              <a:schemeClr val="phClr">
+                <a:lumMod val="99000"/>
+                <a:satMod val="120000"/>
+                <a:shade val="78000"/>
+              </a:schemeClr>
+            </a:gs>
+          </a:gsLst>
+          <a:lin ang="5400000" scaled="0"/>
+        </a:gradFill>
+      </a:fillStyleLst>
+      <a:lnStyleLst>
+        <a:ln w="6350" cap="flat" cmpd="sng" algn="ctr">
+          <a:solidFill>
+            <a:schemeClr val="phClr"/>
+          </a:solidFill>
+          <a:prstDash val="solid"/>
+          <a:miter lim="800000"/>
+        </a:ln>
+        <a:ln w="12700" cap="flat" cmpd="sng" algn="ctr">
+          <a:solidFill>
+            <a:schemeClr val="phClr"/>
+          </a:solidFill>
+          <a:prstDash val="solid"/>
+          <a:miter lim="800000"/>
+        </a:ln>
+        <a:ln w="19050" cap="flat" cmpd="sng" algn="ctr">
+          <a:solidFill>
+            <a:schemeClr val="phClr"/>
+          </a:solidFill>
+          <a:prstDash val="solid"/>
+          <a:miter lim="800000"/>
+        </a:ln>
+      </a:lnStyleLst>
+      <a:effectStyleLst>
+        <a:effectStyle>
+          <a:effectLst/>
+        </a:effectStyle>
+        <a:effectStyle>
+          <a:effectLst/>
+        </a:effectStyle>
+        <a:effectStyle>
+          <a:effectLst>
+            <a:outerShdw blurRad="57150" dist="19050" dir="5400000" algn="ctr" rotWithShape="0">
+              <a:srgbClr val="000000">
+                <a:alpha val="63000"/>
+              </a:srgbClr>
+            </a:outerShdw>
+          </a:effectLst>
+        </a:effectStyle>
+      </a:effectStyleLst>
+      <a:bgFillStyleLst>
+        <a:solidFill>
+          <a:schemeClr val="phClr"/>
+        </a:solidFill>
+        <a:solidFill>
+          <a:schemeClr val="phClr">
+            <a:tint val="95000"/>
+            <a:satMod val="170000"/>
+          </a:schemeClr>
+        </a:solidFill>
+        <a:gradFill rotWithShape="1">
+          <a:gsLst>
+            <a:gs pos="0">
+              <a:schemeClr val="phClr">
+                <a:tint val="93000"/>
+                <a:satMod val="150000"/>
+                <a:shade val="98000"/>
+                <a:lumMod val="102000"/>
+              </a:schemeClr>
+            </a:gs>
+            <a:gs pos="50000">
+              <a:schemeClr val="phClr">
+                <a:tint val="98000"/>
+                <a:satMod val="130000"/>
+                <a:shade val="90000"/>
+                <a:lumMod val="103000"/>
+              </a:schemeClr>
+            </a:gs>
+            <a:gs pos="100000">
+              <a:schemeClr val="phClr">
+                <a:shade val="63000"/>
+                <a:satMod val="120000"/>
+              </a:schemeClr>
+            </a:gs>
+          </a:gsLst>
+          <a:lin ang="5400000" scaled="0"/>
+        </a:gradFill>
+      </a:bgFillStyleLst>
+    </a:fmtScheme>
+  </a:themeElements>
   <a:extLst>
     <a:ext uri="{05A4C25C-085E-4340-85A3-A5531E510DB2}">
       <thm15:themeFamily xmlns:thm15="http://schemas.microsoft.com/office/thememl/2012/main" name="Office Theme" id="{62F939B6-93AF-4DB8-9C6B-D6C7DFDC589F}" vid="{4A3C46E8-61CC-4603-A589-7422A47A8E4A}"/>
